--- a/doc/sqa/CR_scheme.pptx
+++ b/doc/sqa/CR_scheme.pptx
@@ -260,7 +260,7 @@
           <a:p>
             <a:fld id="{320637B0-013A-0D48-BDBF-59EEC209A748}" type="datetimeFigureOut">
               <a:rPr lang="en-US" smtClean="0"/>
-              <a:t>9/30/18</a:t>
+              <a:t>1/29/19</a:t>
             </a:fld>
             <a:endParaRPr lang="en-US"/>
           </a:p>
@@ -458,7 +458,7 @@
           <a:p>
             <a:fld id="{320637B0-013A-0D48-BDBF-59EEC209A748}" type="datetimeFigureOut">
               <a:rPr lang="en-US" smtClean="0"/>
-              <a:t>9/30/18</a:t>
+              <a:t>1/29/19</a:t>
             </a:fld>
             <a:endParaRPr lang="en-US"/>
           </a:p>
@@ -666,7 +666,7 @@
           <a:p>
             <a:fld id="{320637B0-013A-0D48-BDBF-59EEC209A748}" type="datetimeFigureOut">
               <a:rPr lang="en-US" smtClean="0"/>
-              <a:t>9/30/18</a:t>
+              <a:t>1/29/19</a:t>
             </a:fld>
             <a:endParaRPr lang="en-US"/>
           </a:p>
@@ -864,7 +864,7 @@
           <a:p>
             <a:fld id="{320637B0-013A-0D48-BDBF-59EEC209A748}" type="datetimeFigureOut">
               <a:rPr lang="en-US" smtClean="0"/>
-              <a:t>9/30/18</a:t>
+              <a:t>1/29/19</a:t>
             </a:fld>
             <a:endParaRPr lang="en-US"/>
           </a:p>
@@ -1139,7 +1139,7 @@
           <a:p>
             <a:fld id="{320637B0-013A-0D48-BDBF-59EEC209A748}" type="datetimeFigureOut">
               <a:rPr lang="en-US" smtClean="0"/>
-              <a:t>9/30/18</a:t>
+              <a:t>1/29/19</a:t>
             </a:fld>
             <a:endParaRPr lang="en-US"/>
           </a:p>
@@ -1404,7 +1404,7 @@
           <a:p>
             <a:fld id="{320637B0-013A-0D48-BDBF-59EEC209A748}" type="datetimeFigureOut">
               <a:rPr lang="en-US" smtClean="0"/>
-              <a:t>9/30/18</a:t>
+              <a:t>1/29/19</a:t>
             </a:fld>
             <a:endParaRPr lang="en-US"/>
           </a:p>
@@ -1816,7 +1816,7 @@
           <a:p>
             <a:fld id="{320637B0-013A-0D48-BDBF-59EEC209A748}" type="datetimeFigureOut">
               <a:rPr lang="en-US" smtClean="0"/>
-              <a:t>9/30/18</a:t>
+              <a:t>1/29/19</a:t>
             </a:fld>
             <a:endParaRPr lang="en-US"/>
           </a:p>
@@ -1957,7 +1957,7 @@
           <a:p>
             <a:fld id="{320637B0-013A-0D48-BDBF-59EEC209A748}" type="datetimeFigureOut">
               <a:rPr lang="en-US" smtClean="0"/>
-              <a:t>9/30/18</a:t>
+              <a:t>1/29/19</a:t>
             </a:fld>
             <a:endParaRPr lang="en-US"/>
           </a:p>
@@ -2070,7 +2070,7 @@
           <a:p>
             <a:fld id="{320637B0-013A-0D48-BDBF-59EEC209A748}" type="datetimeFigureOut">
               <a:rPr lang="en-US" smtClean="0"/>
-              <a:t>9/30/18</a:t>
+              <a:t>1/29/19</a:t>
             </a:fld>
             <a:endParaRPr lang="en-US"/>
           </a:p>
@@ -2381,7 +2381,7 @@
           <a:p>
             <a:fld id="{320637B0-013A-0D48-BDBF-59EEC209A748}" type="datetimeFigureOut">
               <a:rPr lang="en-US" smtClean="0"/>
-              <a:t>9/30/18</a:t>
+              <a:t>1/29/19</a:t>
             </a:fld>
             <a:endParaRPr lang="en-US"/>
           </a:p>
@@ -2669,7 +2669,7 @@
           <a:p>
             <a:fld id="{320637B0-013A-0D48-BDBF-59EEC209A748}" type="datetimeFigureOut">
               <a:rPr lang="en-US" smtClean="0"/>
-              <a:t>9/30/18</a:t>
+              <a:t>1/29/19</a:t>
             </a:fld>
             <a:endParaRPr lang="en-US"/>
           </a:p>
@@ -2910,7 +2910,7 @@
           <a:p>
             <a:fld id="{320637B0-013A-0D48-BDBF-59EEC209A748}" type="datetimeFigureOut">
               <a:rPr lang="en-US" smtClean="0"/>
-              <a:t>9/30/18</a:t>
+              <a:t>1/29/19</a:t>
             </a:fld>
             <a:endParaRPr lang="en-US"/>
           </a:p>
@@ -3327,12 +3327,2760 @@
           <a:chExt cx="0" cy="0"/>
         </a:xfrm>
       </p:grpSpPr>
+      <p:cxnSp>
+        <p:nvCxnSpPr>
+          <p:cNvPr id="153" name="Straight Connector 152">
+            <a:extLst>
+              <a:ext uri="{FF2B5EF4-FFF2-40B4-BE49-F238E27FC236}">
+                <a16:creationId xmlns:a16="http://schemas.microsoft.com/office/drawing/2014/main" id="{49C1AB56-FB37-F342-8324-518808BC0391}"/>
+              </a:ext>
+            </a:extLst>
+          </p:cNvPr>
+          <p:cNvCxnSpPr>
+            <a:cxnSpLocks/>
+          </p:cNvCxnSpPr>
+          <p:nvPr/>
+        </p:nvCxnSpPr>
+        <p:spPr>
+          <a:xfrm flipV="1">
+            <a:off x="11988188" y="6317273"/>
+            <a:ext cx="0" cy="24066"/>
+          </a:xfrm>
+          <a:prstGeom prst="line">
+            <a:avLst/>
+          </a:prstGeom>
+        </p:spPr>
+        <p:style>
+          <a:lnRef idx="1">
+            <a:schemeClr val="accent1"/>
+          </a:lnRef>
+          <a:fillRef idx="0">
+            <a:schemeClr val="accent1"/>
+          </a:fillRef>
+          <a:effectRef idx="0">
+            <a:schemeClr val="accent1"/>
+          </a:effectRef>
+          <a:fontRef idx="minor">
+            <a:schemeClr val="tx1"/>
+          </a:fontRef>
+        </p:style>
+      </p:cxnSp>
+      <p:cxnSp>
+        <p:nvCxnSpPr>
+          <p:cNvPr id="155" name="Straight Connector 154">
+            <a:extLst>
+              <a:ext uri="{FF2B5EF4-FFF2-40B4-BE49-F238E27FC236}">
+                <a16:creationId xmlns:a16="http://schemas.microsoft.com/office/drawing/2014/main" id="{432D97BA-BDCA-3743-9C9D-ED3E1D7DC3B9}"/>
+              </a:ext>
+            </a:extLst>
+          </p:cNvPr>
+          <p:cNvCxnSpPr>
+            <a:cxnSpLocks/>
+          </p:cNvCxnSpPr>
+          <p:nvPr/>
+        </p:nvCxnSpPr>
+        <p:spPr>
+          <a:xfrm flipV="1">
+            <a:off x="11927595" y="6315058"/>
+            <a:ext cx="0" cy="26281"/>
+          </a:xfrm>
+          <a:prstGeom prst="line">
+            <a:avLst/>
+          </a:prstGeom>
+        </p:spPr>
+        <p:style>
+          <a:lnRef idx="1">
+            <a:schemeClr val="accent1"/>
+          </a:lnRef>
+          <a:fillRef idx="0">
+            <a:schemeClr val="accent1"/>
+          </a:fillRef>
+          <a:effectRef idx="0">
+            <a:schemeClr val="accent1"/>
+          </a:effectRef>
+          <a:fontRef idx="minor">
+            <a:schemeClr val="tx1"/>
+          </a:fontRef>
+        </p:style>
+      </p:cxnSp>
+      <p:cxnSp>
+        <p:nvCxnSpPr>
+          <p:cNvPr id="156" name="Straight Connector 155">
+            <a:extLst>
+              <a:ext uri="{FF2B5EF4-FFF2-40B4-BE49-F238E27FC236}">
+                <a16:creationId xmlns:a16="http://schemas.microsoft.com/office/drawing/2014/main" id="{DCBCB61B-0998-2B4C-A95E-D6FFE3554A71}"/>
+              </a:ext>
+            </a:extLst>
+          </p:cNvPr>
+          <p:cNvCxnSpPr>
+            <a:cxnSpLocks/>
+          </p:cNvCxnSpPr>
+          <p:nvPr/>
+        </p:nvCxnSpPr>
+        <p:spPr>
+          <a:xfrm flipH="1">
+            <a:off x="11927596" y="6317272"/>
+            <a:ext cx="60592" cy="1"/>
+          </a:xfrm>
+          <a:prstGeom prst="line">
+            <a:avLst/>
+          </a:prstGeom>
+        </p:spPr>
+        <p:style>
+          <a:lnRef idx="1">
+            <a:schemeClr val="accent1"/>
+          </a:lnRef>
+          <a:fillRef idx="0">
+            <a:schemeClr val="accent1"/>
+          </a:fillRef>
+          <a:effectRef idx="0">
+            <a:schemeClr val="accent1"/>
+          </a:effectRef>
+          <a:fontRef idx="minor">
+            <a:schemeClr val="tx1"/>
+          </a:fontRef>
+        </p:style>
+      </p:cxnSp>
+      <p:sp>
+        <p:nvSpPr>
+          <p:cNvPr id="189" name="TextBox 188">
+            <a:extLst>
+              <a:ext uri="{FF2B5EF4-FFF2-40B4-BE49-F238E27FC236}">
+                <a16:creationId xmlns:a16="http://schemas.microsoft.com/office/drawing/2014/main" id="{EDC19CB6-E186-5B46-B39B-268ED8D6E616}"/>
+              </a:ext>
+            </a:extLst>
+          </p:cNvPr>
+          <p:cNvSpPr txBox="1"/>
+          <p:nvPr/>
+        </p:nvSpPr>
+        <p:spPr>
+          <a:xfrm>
+            <a:off x="1675712" y="4711550"/>
+            <a:ext cx="597154" cy="261610"/>
+          </a:xfrm>
+          <a:prstGeom prst="rect">
+            <a:avLst/>
+          </a:prstGeom>
+          <a:noFill/>
+        </p:spPr>
+        <p:txBody>
+          <a:bodyPr wrap="square" rtlCol="0">
+            <a:spAutoFit/>
+          </a:bodyPr>
+          <a:lstStyle/>
+          <a:p>
+            <a:pPr algn="ctr"/>
+            <a:r>
+              <a:rPr lang="en-US" sz="1100" dirty="0"/>
+              <a:t>Yes</a:t>
+            </a:r>
+          </a:p>
+        </p:txBody>
+      </p:sp>
+      <p:sp>
+        <p:nvSpPr>
+          <p:cNvPr id="111" name="TextBox 110">
+            <a:extLst>
+              <a:ext uri="{FF2B5EF4-FFF2-40B4-BE49-F238E27FC236}">
+                <a16:creationId xmlns:a16="http://schemas.microsoft.com/office/drawing/2014/main" id="{0358ADFB-0F0C-394C-A839-49FED6D18FA7}"/>
+              </a:ext>
+            </a:extLst>
+          </p:cNvPr>
+          <p:cNvSpPr txBox="1"/>
+          <p:nvPr/>
+        </p:nvSpPr>
+        <p:spPr>
+          <a:xfrm>
+            <a:off x="6024627" y="1166257"/>
+            <a:ext cx="391880" cy="261610"/>
+          </a:xfrm>
+          <a:prstGeom prst="rect">
+            <a:avLst/>
+          </a:prstGeom>
+          <a:noFill/>
+        </p:spPr>
+        <p:txBody>
+          <a:bodyPr wrap="square" rtlCol="0">
+            <a:spAutoFit/>
+          </a:bodyPr>
+          <a:lstStyle/>
+          <a:p>
+            <a:pPr algn="ctr"/>
+            <a:r>
+              <a:rPr lang="en-US" sz="1100" dirty="0"/>
+              <a:t>No</a:t>
+            </a:r>
+          </a:p>
+        </p:txBody>
+      </p:sp>
+      <p:sp>
+        <p:nvSpPr>
+          <p:cNvPr id="79" name="TextBox 78">
+            <a:extLst>
+              <a:ext uri="{FF2B5EF4-FFF2-40B4-BE49-F238E27FC236}">
+                <a16:creationId xmlns:a16="http://schemas.microsoft.com/office/drawing/2014/main" id="{3610F1B7-CC50-B841-B30C-40D016EDD0F9}"/>
+              </a:ext>
+            </a:extLst>
+          </p:cNvPr>
+          <p:cNvSpPr txBox="1"/>
+          <p:nvPr/>
+        </p:nvSpPr>
+        <p:spPr>
+          <a:xfrm>
+            <a:off x="5927708" y="328551"/>
+            <a:ext cx="695879" cy="261610"/>
+          </a:xfrm>
+          <a:prstGeom prst="rect">
+            <a:avLst/>
+          </a:prstGeom>
+          <a:noFill/>
+        </p:spPr>
+        <p:txBody>
+          <a:bodyPr wrap="square" rtlCol="0">
+            <a:spAutoFit/>
+          </a:bodyPr>
+          <a:lstStyle/>
+          <a:p>
+            <a:pPr algn="ctr"/>
+            <a:r>
+              <a:rPr lang="en-US" sz="1100" dirty="0"/>
+              <a:t>Yes</a:t>
+            </a:r>
+          </a:p>
+        </p:txBody>
+      </p:sp>
+      <p:sp>
+        <p:nvSpPr>
+          <p:cNvPr id="7" name="Rounded Rectangle 6">
+            <a:extLst>
+              <a:ext uri="{FF2B5EF4-FFF2-40B4-BE49-F238E27FC236}">
+                <a16:creationId xmlns:a16="http://schemas.microsoft.com/office/drawing/2014/main" id="{2C37C6F3-0A47-794F-B682-7DC69CD102D3}"/>
+              </a:ext>
+            </a:extLst>
+          </p:cNvPr>
+          <p:cNvSpPr/>
+          <p:nvPr/>
+        </p:nvSpPr>
+        <p:spPr>
+          <a:xfrm>
+            <a:off x="982822" y="-134517"/>
+            <a:ext cx="681135" cy="363894"/>
+          </a:xfrm>
+          <a:prstGeom prst="roundRect">
+            <a:avLst/>
+          </a:prstGeom>
+        </p:spPr>
+        <p:style>
+          <a:lnRef idx="2">
+            <a:schemeClr val="dk1"/>
+          </a:lnRef>
+          <a:fillRef idx="1">
+            <a:schemeClr val="lt1"/>
+          </a:fillRef>
+          <a:effectRef idx="0">
+            <a:schemeClr val="dk1"/>
+          </a:effectRef>
+          <a:fontRef idx="minor">
+            <a:schemeClr val="dk1"/>
+          </a:fontRef>
+        </p:style>
+        <p:txBody>
+          <a:bodyPr rtlCol="0" anchor="ctr"/>
+          <a:lstStyle/>
+          <a:p>
+            <a:pPr algn="ctr"/>
+            <a:r>
+              <a:rPr lang="en-US" sz="1100" dirty="0"/>
+              <a:t>Start</a:t>
+            </a:r>
+          </a:p>
+        </p:txBody>
+      </p:sp>
+      <p:sp>
+        <p:nvSpPr>
+          <p:cNvPr id="8" name="Snip Single Corner Rectangle 7">
+            <a:extLst>
+              <a:ext uri="{FF2B5EF4-FFF2-40B4-BE49-F238E27FC236}">
+                <a16:creationId xmlns:a16="http://schemas.microsoft.com/office/drawing/2014/main" id="{B624958B-7E7B-B643-87F2-FF3064742673}"/>
+              </a:ext>
+            </a:extLst>
+          </p:cNvPr>
+          <p:cNvSpPr/>
+          <p:nvPr/>
+        </p:nvSpPr>
+        <p:spPr>
+          <a:xfrm>
+            <a:off x="7228114" y="-269811"/>
+            <a:ext cx="1315617" cy="636815"/>
+          </a:xfrm>
+          <a:prstGeom prst="snip1Rect">
+            <a:avLst/>
+          </a:prstGeom>
+        </p:spPr>
+        <p:style>
+          <a:lnRef idx="2">
+            <a:schemeClr val="dk1"/>
+          </a:lnRef>
+          <a:fillRef idx="1">
+            <a:schemeClr val="lt1"/>
+          </a:fillRef>
+          <a:effectRef idx="0">
+            <a:schemeClr val="dk1"/>
+          </a:effectRef>
+          <a:fontRef idx="minor">
+            <a:schemeClr val="dk1"/>
+          </a:fontRef>
+        </p:style>
+        <p:txBody>
+          <a:bodyPr rtlCol="0" anchor="ctr"/>
+          <a:lstStyle/>
+          <a:p>
+            <a:pPr algn="ctr"/>
+            <a:r>
+              <a:rPr lang="en-US" sz="1100" dirty="0"/>
+              <a:t>Notify User or Developer of decision</a:t>
+            </a:r>
+          </a:p>
+        </p:txBody>
+      </p:sp>
+      <p:sp>
+        <p:nvSpPr>
+          <p:cNvPr id="9" name="Diamond 8">
+            <a:extLst>
+              <a:ext uri="{FF2B5EF4-FFF2-40B4-BE49-F238E27FC236}">
+                <a16:creationId xmlns:a16="http://schemas.microsoft.com/office/drawing/2014/main" id="{74345D4F-B502-4948-9275-B594689B9A4F}"/>
+              </a:ext>
+            </a:extLst>
+          </p:cNvPr>
+          <p:cNvSpPr/>
+          <p:nvPr/>
+        </p:nvSpPr>
+        <p:spPr>
+          <a:xfrm>
+            <a:off x="5218923" y="-267478"/>
+            <a:ext cx="1732383" cy="634482"/>
+          </a:xfrm>
+          <a:prstGeom prst="diamond">
+            <a:avLst/>
+          </a:prstGeom>
+        </p:spPr>
+        <p:style>
+          <a:lnRef idx="2">
+            <a:schemeClr val="dk1"/>
+          </a:lnRef>
+          <a:fillRef idx="1">
+            <a:schemeClr val="lt1"/>
+          </a:fillRef>
+          <a:effectRef idx="0">
+            <a:schemeClr val="dk1"/>
+          </a:effectRef>
+          <a:fontRef idx="minor">
+            <a:schemeClr val="dk1"/>
+          </a:fontRef>
+        </p:style>
+        <p:txBody>
+          <a:bodyPr rtlCol="0" anchor="ctr"/>
+          <a:lstStyle/>
+          <a:p>
+            <a:pPr algn="ctr"/>
+            <a:r>
+              <a:rPr lang="en-US" sz="1100" dirty="0"/>
+              <a:t>Implement Change?</a:t>
+            </a:r>
+          </a:p>
+        </p:txBody>
+      </p:sp>
+      <p:sp>
+        <p:nvSpPr>
+          <p:cNvPr id="10" name="Rectangle 9">
+            <a:extLst>
+              <a:ext uri="{FF2B5EF4-FFF2-40B4-BE49-F238E27FC236}">
+                <a16:creationId xmlns:a16="http://schemas.microsoft.com/office/drawing/2014/main" id="{209D6D2C-50E9-EC44-8355-2D161F637265}"/>
+              </a:ext>
+            </a:extLst>
+          </p:cNvPr>
+          <p:cNvSpPr/>
+          <p:nvPr/>
+        </p:nvSpPr>
+        <p:spPr>
+          <a:xfrm>
+            <a:off x="8820539" y="-253482"/>
+            <a:ext cx="1315617" cy="601824"/>
+          </a:xfrm>
+          <a:prstGeom prst="rect">
+            <a:avLst/>
+          </a:prstGeom>
+          <a:solidFill>
+            <a:schemeClr val="tx2">
+              <a:lumMod val="20000"/>
+              <a:lumOff val="80000"/>
+            </a:schemeClr>
+          </a:solidFill>
+        </p:spPr>
+        <p:style>
+          <a:lnRef idx="1">
+            <a:schemeClr val="accent5"/>
+          </a:lnRef>
+          <a:fillRef idx="3">
+            <a:schemeClr val="accent5"/>
+          </a:fillRef>
+          <a:effectRef idx="2">
+            <a:schemeClr val="accent5"/>
+          </a:effectRef>
+          <a:fontRef idx="minor">
+            <a:schemeClr val="lt1"/>
+          </a:fontRef>
+        </p:style>
+        <p:txBody>
+          <a:bodyPr rtlCol="0" anchor="ctr"/>
+          <a:lstStyle/>
+          <a:p>
+            <a:pPr algn="ctr"/>
+            <a:r>
+              <a:rPr lang="en-US" sz="1100" dirty="0">
+                <a:solidFill>
+                  <a:schemeClr val="tx1"/>
+                </a:solidFill>
+              </a:rPr>
+              <a:t>Comment and Close Issue</a:t>
+            </a:r>
+          </a:p>
+        </p:txBody>
+      </p:sp>
+      <p:sp>
+        <p:nvSpPr>
+          <p:cNvPr id="11" name="Rectangle 10">
+            <a:extLst>
+              <a:ext uri="{FF2B5EF4-FFF2-40B4-BE49-F238E27FC236}">
+                <a16:creationId xmlns:a16="http://schemas.microsoft.com/office/drawing/2014/main" id="{DDF623B6-34A2-884E-A623-A75CE97D7931}"/>
+              </a:ext>
+            </a:extLst>
+          </p:cNvPr>
+          <p:cNvSpPr/>
+          <p:nvPr/>
+        </p:nvSpPr>
+        <p:spPr>
+          <a:xfrm>
+            <a:off x="1971869" y="-272143"/>
+            <a:ext cx="1315617" cy="639147"/>
+          </a:xfrm>
+          <a:prstGeom prst="rect">
+            <a:avLst/>
+          </a:prstGeom>
+        </p:spPr>
+        <p:style>
+          <a:lnRef idx="2">
+            <a:schemeClr val="dk1"/>
+          </a:lnRef>
+          <a:fillRef idx="1">
+            <a:schemeClr val="lt1"/>
+          </a:fillRef>
+          <a:effectRef idx="0">
+            <a:schemeClr val="dk1"/>
+          </a:effectRef>
+          <a:fontRef idx="minor">
+            <a:schemeClr val="dk1"/>
+          </a:fontRef>
+        </p:style>
+        <p:txBody>
+          <a:bodyPr rtlCol="0" anchor="ctr"/>
+          <a:lstStyle/>
+          <a:p>
+            <a:pPr algn="ctr"/>
+            <a:r>
+              <a:rPr lang="en-US" sz="1100" dirty="0"/>
+              <a:t>Issue Submitted by User or Developer</a:t>
+            </a:r>
+          </a:p>
+        </p:txBody>
+      </p:sp>
+      <p:sp>
+        <p:nvSpPr>
+          <p:cNvPr id="12" name="Rectangle 11">
+            <a:extLst>
+              <a:ext uri="{FF2B5EF4-FFF2-40B4-BE49-F238E27FC236}">
+                <a16:creationId xmlns:a16="http://schemas.microsoft.com/office/drawing/2014/main" id="{E9C10BA5-5F1B-5241-AC8C-540B5E3EF3B1}"/>
+              </a:ext>
+            </a:extLst>
+          </p:cNvPr>
+          <p:cNvSpPr/>
+          <p:nvPr/>
+        </p:nvSpPr>
+        <p:spPr>
+          <a:xfrm>
+            <a:off x="3595396" y="-272143"/>
+            <a:ext cx="1315617" cy="639147"/>
+          </a:xfrm>
+          <a:prstGeom prst="rect">
+            <a:avLst/>
+          </a:prstGeom>
+        </p:spPr>
+        <p:style>
+          <a:lnRef idx="2">
+            <a:schemeClr val="dk1"/>
+          </a:lnRef>
+          <a:fillRef idx="1">
+            <a:schemeClr val="lt1"/>
+          </a:fillRef>
+          <a:effectRef idx="0">
+            <a:schemeClr val="dk1"/>
+          </a:effectRef>
+          <a:fontRef idx="minor">
+            <a:schemeClr val="dk1"/>
+          </a:fontRef>
+        </p:style>
+        <p:txBody>
+          <a:bodyPr rtlCol="0" anchor="ctr"/>
+          <a:lstStyle/>
+          <a:p>
+            <a:pPr algn="ctr"/>
+            <a:r>
+              <a:rPr lang="en-US" sz="1100" dirty="0"/>
+              <a:t>Issue Reviewed by CCB</a:t>
+            </a:r>
+          </a:p>
+        </p:txBody>
+      </p:sp>
+      <p:sp>
+        <p:nvSpPr>
+          <p:cNvPr id="15" name="Rectangle 14">
+            <a:extLst>
+              <a:ext uri="{FF2B5EF4-FFF2-40B4-BE49-F238E27FC236}">
+                <a16:creationId xmlns:a16="http://schemas.microsoft.com/office/drawing/2014/main" id="{16DDFCDC-B884-FC43-BA83-CAC62D5E275B}"/>
+              </a:ext>
+            </a:extLst>
+          </p:cNvPr>
+          <p:cNvSpPr/>
+          <p:nvPr/>
+        </p:nvSpPr>
+        <p:spPr>
+          <a:xfrm>
+            <a:off x="1006150" y="2353237"/>
+            <a:ext cx="1315617" cy="673359"/>
+          </a:xfrm>
+          <a:prstGeom prst="rect">
+            <a:avLst/>
+          </a:prstGeom>
+          <a:solidFill>
+            <a:schemeClr val="tx2">
+              <a:lumMod val="20000"/>
+              <a:lumOff val="80000"/>
+            </a:schemeClr>
+          </a:solidFill>
+        </p:spPr>
+        <p:style>
+          <a:lnRef idx="1">
+            <a:schemeClr val="accent5"/>
+          </a:lnRef>
+          <a:fillRef idx="3">
+            <a:schemeClr val="accent5"/>
+          </a:fillRef>
+          <a:effectRef idx="2">
+            <a:schemeClr val="accent5"/>
+          </a:effectRef>
+          <a:fontRef idx="minor">
+            <a:schemeClr val="lt1"/>
+          </a:fontRef>
+        </p:style>
+        <p:txBody>
+          <a:bodyPr rtlCol="0" anchor="ctr"/>
+          <a:lstStyle/>
+          <a:p>
+            <a:pPr algn="ctr"/>
+            <a:r>
+              <a:rPr lang="en-US" sz="1100" dirty="0">
+                <a:solidFill>
+                  <a:schemeClr val="tx1"/>
+                </a:solidFill>
+              </a:rPr>
+              <a:t>Implement Change</a:t>
+            </a:r>
+          </a:p>
+        </p:txBody>
+      </p:sp>
+      <p:sp>
+        <p:nvSpPr>
+          <p:cNvPr id="16" name="Snip Single Corner Rectangle 15">
+            <a:extLst>
+              <a:ext uri="{FF2B5EF4-FFF2-40B4-BE49-F238E27FC236}">
+                <a16:creationId xmlns:a16="http://schemas.microsoft.com/office/drawing/2014/main" id="{01DA5978-63E2-F14B-AB79-904DC45B2EA0}"/>
+              </a:ext>
+            </a:extLst>
+          </p:cNvPr>
+          <p:cNvSpPr/>
+          <p:nvPr/>
+        </p:nvSpPr>
+        <p:spPr>
+          <a:xfrm>
+            <a:off x="3593061" y="571498"/>
+            <a:ext cx="1315617" cy="673359"/>
+          </a:xfrm>
+          <a:prstGeom prst="snip1Rect">
+            <a:avLst/>
+          </a:prstGeom>
+        </p:spPr>
+        <p:style>
+          <a:lnRef idx="2">
+            <a:schemeClr val="dk1"/>
+          </a:lnRef>
+          <a:fillRef idx="1">
+            <a:schemeClr val="lt1"/>
+          </a:fillRef>
+          <a:effectRef idx="0">
+            <a:schemeClr val="dk1"/>
+          </a:effectRef>
+          <a:fontRef idx="minor">
+            <a:schemeClr val="dk1"/>
+          </a:fontRef>
+        </p:style>
+        <p:txBody>
+          <a:bodyPr rtlCol="0" anchor="ctr"/>
+          <a:lstStyle/>
+          <a:p>
+            <a:pPr algn="ctr"/>
+            <a:r>
+              <a:rPr lang="en-US" sz="1100" dirty="0"/>
+              <a:t>Notify User of impact and corrective action plan</a:t>
+            </a:r>
+          </a:p>
+        </p:txBody>
+      </p:sp>
+      <p:sp>
+        <p:nvSpPr>
+          <p:cNvPr id="17" name="Diamond 16">
+            <a:extLst>
+              <a:ext uri="{FF2B5EF4-FFF2-40B4-BE49-F238E27FC236}">
+                <a16:creationId xmlns:a16="http://schemas.microsoft.com/office/drawing/2014/main" id="{9568DE98-2BC0-854A-8DFF-8CD13A2A1315}"/>
+              </a:ext>
+            </a:extLst>
+          </p:cNvPr>
+          <p:cNvSpPr/>
+          <p:nvPr/>
+        </p:nvSpPr>
+        <p:spPr>
+          <a:xfrm>
+            <a:off x="5218922" y="590162"/>
+            <a:ext cx="1732383" cy="634482"/>
+          </a:xfrm>
+          <a:prstGeom prst="diamond">
+            <a:avLst/>
+          </a:prstGeom>
+        </p:spPr>
+        <p:style>
+          <a:lnRef idx="2">
+            <a:schemeClr val="dk1"/>
+          </a:lnRef>
+          <a:fillRef idx="1">
+            <a:schemeClr val="lt1"/>
+          </a:fillRef>
+          <a:effectRef idx="0">
+            <a:schemeClr val="dk1"/>
+          </a:effectRef>
+          <a:fontRef idx="minor">
+            <a:schemeClr val="dk1"/>
+          </a:fontRef>
+        </p:style>
+        <p:txBody>
+          <a:bodyPr rtlCol="0" anchor="ctr"/>
+          <a:lstStyle/>
+          <a:p>
+            <a:pPr algn="ctr"/>
+            <a:r>
+              <a:rPr lang="en-US" sz="1100" dirty="0"/>
+              <a:t>Error?</a:t>
+            </a:r>
+          </a:p>
+        </p:txBody>
+      </p:sp>
+      <p:sp>
+        <p:nvSpPr>
+          <p:cNvPr id="18" name="Rectangle 17">
+            <a:extLst>
+              <a:ext uri="{FF2B5EF4-FFF2-40B4-BE49-F238E27FC236}">
+                <a16:creationId xmlns:a16="http://schemas.microsoft.com/office/drawing/2014/main" id="{23BC297F-0C87-D241-B350-FEFD4BB986C4}"/>
+              </a:ext>
+            </a:extLst>
+          </p:cNvPr>
+          <p:cNvSpPr/>
+          <p:nvPr/>
+        </p:nvSpPr>
+        <p:spPr>
+          <a:xfrm>
+            <a:off x="2629677" y="2370342"/>
+            <a:ext cx="1315617" cy="639147"/>
+          </a:xfrm>
+          <a:prstGeom prst="rect">
+            <a:avLst/>
+          </a:prstGeom>
+        </p:spPr>
+        <p:style>
+          <a:lnRef idx="2">
+            <a:schemeClr val="dk1"/>
+          </a:lnRef>
+          <a:fillRef idx="1">
+            <a:schemeClr val="lt1"/>
+          </a:fillRef>
+          <a:effectRef idx="0">
+            <a:schemeClr val="dk1"/>
+          </a:effectRef>
+          <a:fontRef idx="minor">
+            <a:schemeClr val="dk1"/>
+          </a:fontRef>
+        </p:style>
+        <p:txBody>
+          <a:bodyPr rtlCol="0" anchor="ctr"/>
+          <a:lstStyle/>
+          <a:p>
+            <a:pPr algn="ctr"/>
+            <a:r>
+              <a:rPr lang="en-US" sz="1100" dirty="0"/>
+              <a:t>Initial Automated testing</a:t>
+            </a:r>
+          </a:p>
+        </p:txBody>
+      </p:sp>
+      <p:sp>
+        <p:nvSpPr>
+          <p:cNvPr id="19" name="Diamond 18">
+            <a:extLst>
+              <a:ext uri="{FF2B5EF4-FFF2-40B4-BE49-F238E27FC236}">
+                <a16:creationId xmlns:a16="http://schemas.microsoft.com/office/drawing/2014/main" id="{82B17E35-86E0-F74F-9C9B-80E97C2DC5B0}"/>
+              </a:ext>
+            </a:extLst>
+          </p:cNvPr>
+          <p:cNvSpPr/>
+          <p:nvPr/>
+        </p:nvSpPr>
+        <p:spPr>
+          <a:xfrm>
+            <a:off x="4253204" y="2375007"/>
+            <a:ext cx="1732383" cy="634482"/>
+          </a:xfrm>
+          <a:prstGeom prst="diamond">
+            <a:avLst/>
+          </a:prstGeom>
+        </p:spPr>
+        <p:style>
+          <a:lnRef idx="2">
+            <a:schemeClr val="dk1"/>
+          </a:lnRef>
+          <a:fillRef idx="1">
+            <a:schemeClr val="lt1"/>
+          </a:fillRef>
+          <a:effectRef idx="0">
+            <a:schemeClr val="dk1"/>
+          </a:effectRef>
+          <a:fontRef idx="minor">
+            <a:schemeClr val="dk1"/>
+          </a:fontRef>
+        </p:style>
+        <p:txBody>
+          <a:bodyPr rtlCol="0" anchor="ctr"/>
+          <a:lstStyle/>
+          <a:p>
+            <a:pPr algn="ctr"/>
+            <a:r>
+              <a:rPr lang="en-US" sz="1100" dirty="0"/>
+              <a:t>Pass Initial testing?</a:t>
+            </a:r>
+          </a:p>
+        </p:txBody>
+      </p:sp>
+      <p:sp>
+        <p:nvSpPr>
+          <p:cNvPr id="20" name="Rectangle 19">
+            <a:extLst>
+              <a:ext uri="{FF2B5EF4-FFF2-40B4-BE49-F238E27FC236}">
+                <a16:creationId xmlns:a16="http://schemas.microsoft.com/office/drawing/2014/main" id="{83EBAFC2-938D-D242-B1BB-CC1357A697E9}"/>
+              </a:ext>
+            </a:extLst>
+          </p:cNvPr>
+          <p:cNvSpPr/>
+          <p:nvPr/>
+        </p:nvSpPr>
+        <p:spPr>
+          <a:xfrm>
+            <a:off x="6416351" y="2389003"/>
+            <a:ext cx="1315617" cy="601824"/>
+          </a:xfrm>
+          <a:prstGeom prst="rect">
+            <a:avLst/>
+          </a:prstGeom>
+          <a:solidFill>
+            <a:schemeClr val="tx2">
+              <a:lumMod val="20000"/>
+              <a:lumOff val="80000"/>
+            </a:schemeClr>
+          </a:solidFill>
+        </p:spPr>
+        <p:style>
+          <a:lnRef idx="1">
+            <a:schemeClr val="accent5"/>
+          </a:lnRef>
+          <a:fillRef idx="3">
+            <a:schemeClr val="accent5"/>
+          </a:fillRef>
+          <a:effectRef idx="2">
+            <a:schemeClr val="accent5"/>
+          </a:effectRef>
+          <a:fontRef idx="minor">
+            <a:schemeClr val="lt1"/>
+          </a:fontRef>
+        </p:style>
+        <p:txBody>
+          <a:bodyPr rtlCol="0" anchor="ctr"/>
+          <a:lstStyle/>
+          <a:p>
+            <a:pPr algn="ctr"/>
+            <a:r>
+              <a:rPr lang="en-US" sz="1100" dirty="0">
+                <a:solidFill>
+                  <a:schemeClr val="tx1"/>
+                </a:solidFill>
+              </a:rPr>
+              <a:t>Peer Review of Changes</a:t>
+            </a:r>
+          </a:p>
+        </p:txBody>
+      </p:sp>
+      <p:sp>
+        <p:nvSpPr>
+          <p:cNvPr id="21" name="Diamond 20">
+            <a:extLst>
+              <a:ext uri="{FF2B5EF4-FFF2-40B4-BE49-F238E27FC236}">
+                <a16:creationId xmlns:a16="http://schemas.microsoft.com/office/drawing/2014/main" id="{092787EC-4ED3-BE48-AC15-AFC4FB9548A8}"/>
+              </a:ext>
+            </a:extLst>
+          </p:cNvPr>
+          <p:cNvSpPr/>
+          <p:nvPr/>
+        </p:nvSpPr>
+        <p:spPr>
+          <a:xfrm>
+            <a:off x="6207967" y="3199988"/>
+            <a:ext cx="1732383" cy="634482"/>
+          </a:xfrm>
+          <a:prstGeom prst="diamond">
+            <a:avLst/>
+          </a:prstGeom>
+        </p:spPr>
+        <p:style>
+          <a:lnRef idx="2">
+            <a:schemeClr val="dk1"/>
+          </a:lnRef>
+          <a:fillRef idx="1">
+            <a:schemeClr val="lt1"/>
+          </a:fillRef>
+          <a:effectRef idx="0">
+            <a:schemeClr val="dk1"/>
+          </a:effectRef>
+          <a:fontRef idx="minor">
+            <a:schemeClr val="dk1"/>
+          </a:fontRef>
+        </p:style>
+        <p:txBody>
+          <a:bodyPr rtlCol="0" anchor="ctr"/>
+          <a:lstStyle/>
+          <a:p>
+            <a:pPr algn="ctr"/>
+            <a:r>
+              <a:rPr lang="en-US" sz="1100" dirty="0"/>
+              <a:t>Pass Peer Review?</a:t>
+            </a:r>
+          </a:p>
+        </p:txBody>
+      </p:sp>
+      <p:sp>
+        <p:nvSpPr>
+          <p:cNvPr id="22" name="Diamond 21">
+            <a:extLst>
+              <a:ext uri="{FF2B5EF4-FFF2-40B4-BE49-F238E27FC236}">
+                <a16:creationId xmlns:a16="http://schemas.microsoft.com/office/drawing/2014/main" id="{88D80A77-3B84-D14D-8B95-861C15E0D480}"/>
+              </a:ext>
+            </a:extLst>
+          </p:cNvPr>
+          <p:cNvSpPr/>
+          <p:nvPr/>
+        </p:nvSpPr>
+        <p:spPr>
+          <a:xfrm>
+            <a:off x="914986" y="4044775"/>
+            <a:ext cx="1732383" cy="724674"/>
+          </a:xfrm>
+          <a:prstGeom prst="diamond">
+            <a:avLst/>
+          </a:prstGeom>
+        </p:spPr>
+        <p:style>
+          <a:lnRef idx="2">
+            <a:schemeClr val="dk1"/>
+          </a:lnRef>
+          <a:fillRef idx="1">
+            <a:schemeClr val="lt1"/>
+          </a:fillRef>
+          <a:effectRef idx="0">
+            <a:schemeClr val="dk1"/>
+          </a:effectRef>
+          <a:fontRef idx="minor">
+            <a:schemeClr val="dk1"/>
+          </a:fontRef>
+        </p:style>
+        <p:txBody>
+          <a:bodyPr rtlCol="0" anchor="ctr"/>
+          <a:lstStyle/>
+          <a:p>
+            <a:pPr algn="ctr"/>
+            <a:endParaRPr lang="en-US" sz="1100" dirty="0"/>
+          </a:p>
+        </p:txBody>
+      </p:sp>
+      <p:sp>
+        <p:nvSpPr>
+          <p:cNvPr id="23" name="TextBox 22">
+            <a:extLst>
+              <a:ext uri="{FF2B5EF4-FFF2-40B4-BE49-F238E27FC236}">
+                <a16:creationId xmlns:a16="http://schemas.microsoft.com/office/drawing/2014/main" id="{5E4AE3E5-79E5-F849-9D2C-24E46DCA858D}"/>
+              </a:ext>
+            </a:extLst>
+          </p:cNvPr>
+          <p:cNvSpPr txBox="1"/>
+          <p:nvPr/>
+        </p:nvSpPr>
+        <p:spPr>
+          <a:xfrm>
+            <a:off x="1286653" y="4088368"/>
+            <a:ext cx="1026368" cy="600164"/>
+          </a:xfrm>
+          <a:prstGeom prst="rect">
+            <a:avLst/>
+          </a:prstGeom>
+          <a:noFill/>
+        </p:spPr>
+        <p:txBody>
+          <a:bodyPr wrap="square" rtlCol="0">
+            <a:spAutoFit/>
+          </a:bodyPr>
+          <a:lstStyle/>
+          <a:p>
+            <a:pPr algn="ctr"/>
+            <a:r>
+              <a:rPr lang="en-US" sz="1100" dirty="0"/>
+              <a:t>Test case includes requirements?</a:t>
+            </a:r>
+          </a:p>
+        </p:txBody>
+      </p:sp>
+      <p:sp>
+        <p:nvSpPr>
+          <p:cNvPr id="25" name="Rectangle 24">
+            <a:extLst>
+              <a:ext uri="{FF2B5EF4-FFF2-40B4-BE49-F238E27FC236}">
+                <a16:creationId xmlns:a16="http://schemas.microsoft.com/office/drawing/2014/main" id="{7441944B-E572-2F4C-8FDE-995931F69904}"/>
+              </a:ext>
+            </a:extLst>
+          </p:cNvPr>
+          <p:cNvSpPr/>
+          <p:nvPr/>
+        </p:nvSpPr>
+        <p:spPr>
+          <a:xfrm>
+            <a:off x="3071326" y="4091838"/>
+            <a:ext cx="1315617" cy="639147"/>
+          </a:xfrm>
+          <a:prstGeom prst="rect">
+            <a:avLst/>
+          </a:prstGeom>
+        </p:spPr>
+        <p:style>
+          <a:lnRef idx="2">
+            <a:schemeClr val="dk1"/>
+          </a:lnRef>
+          <a:fillRef idx="1">
+            <a:schemeClr val="lt1"/>
+          </a:fillRef>
+          <a:effectRef idx="0">
+            <a:schemeClr val="dk1"/>
+          </a:effectRef>
+          <a:fontRef idx="minor">
+            <a:schemeClr val="dk1"/>
+          </a:fontRef>
+        </p:style>
+        <p:txBody>
+          <a:bodyPr rtlCol="0" anchor="ctr"/>
+          <a:lstStyle/>
+          <a:p>
+            <a:pPr algn="ctr"/>
+            <a:r>
+              <a:rPr lang="en-US" sz="1100" dirty="0"/>
+              <a:t>Merge to Development branch</a:t>
+            </a:r>
+          </a:p>
+        </p:txBody>
+      </p:sp>
+      <p:sp>
+        <p:nvSpPr>
+          <p:cNvPr id="26" name="Rectangle 25">
+            <a:extLst>
+              <a:ext uri="{FF2B5EF4-FFF2-40B4-BE49-F238E27FC236}">
+                <a16:creationId xmlns:a16="http://schemas.microsoft.com/office/drawing/2014/main" id="{86F178BC-C45A-1246-B3D8-702C9AAFDEA2}"/>
+              </a:ext>
+            </a:extLst>
+          </p:cNvPr>
+          <p:cNvSpPr/>
+          <p:nvPr/>
+        </p:nvSpPr>
+        <p:spPr>
+          <a:xfrm>
+            <a:off x="4722843" y="4091837"/>
+            <a:ext cx="1315617" cy="639147"/>
+          </a:xfrm>
+          <a:prstGeom prst="rect">
+            <a:avLst/>
+          </a:prstGeom>
+        </p:spPr>
+        <p:style>
+          <a:lnRef idx="2">
+            <a:schemeClr val="dk1"/>
+          </a:lnRef>
+          <a:fillRef idx="1">
+            <a:schemeClr val="lt1"/>
+          </a:fillRef>
+          <a:effectRef idx="0">
+            <a:schemeClr val="dk1"/>
+          </a:effectRef>
+          <a:fontRef idx="minor">
+            <a:schemeClr val="dk1"/>
+          </a:fontRef>
+        </p:style>
+        <p:txBody>
+          <a:bodyPr rtlCol="0" anchor="ctr"/>
+          <a:lstStyle/>
+          <a:p>
+            <a:pPr algn="ctr"/>
+            <a:r>
+              <a:rPr lang="en-US" sz="1100" dirty="0"/>
+              <a:t>Execute Test Case(s)</a:t>
+            </a:r>
+          </a:p>
+        </p:txBody>
+      </p:sp>
+      <p:sp>
+        <p:nvSpPr>
+          <p:cNvPr id="27" name="Diamond 26">
+            <a:extLst>
+              <a:ext uri="{FF2B5EF4-FFF2-40B4-BE49-F238E27FC236}">
+                <a16:creationId xmlns:a16="http://schemas.microsoft.com/office/drawing/2014/main" id="{52E7BE16-ED9A-4F46-B89F-0416ACA7E4F3}"/>
+              </a:ext>
+            </a:extLst>
+          </p:cNvPr>
+          <p:cNvSpPr/>
+          <p:nvPr/>
+        </p:nvSpPr>
+        <p:spPr>
+          <a:xfrm>
+            <a:off x="6374360" y="4092961"/>
+            <a:ext cx="1732383" cy="634482"/>
+          </a:xfrm>
+          <a:prstGeom prst="diamond">
+            <a:avLst/>
+          </a:prstGeom>
+        </p:spPr>
+        <p:style>
+          <a:lnRef idx="2">
+            <a:schemeClr val="dk1"/>
+          </a:lnRef>
+          <a:fillRef idx="1">
+            <a:schemeClr val="lt1"/>
+          </a:fillRef>
+          <a:effectRef idx="0">
+            <a:schemeClr val="dk1"/>
+          </a:effectRef>
+          <a:fontRef idx="minor">
+            <a:schemeClr val="dk1"/>
+          </a:fontRef>
+        </p:style>
+        <p:txBody>
+          <a:bodyPr rtlCol="0" anchor="ctr"/>
+          <a:lstStyle/>
+          <a:p>
+            <a:pPr algn="ctr"/>
+            <a:r>
+              <a:rPr lang="en-US" sz="1100" dirty="0"/>
+              <a:t>Test cases pass?</a:t>
+            </a:r>
+          </a:p>
+        </p:txBody>
+      </p:sp>
+      <p:sp>
+        <p:nvSpPr>
+          <p:cNvPr id="28" name="Rectangle 27">
+            <a:extLst>
+              <a:ext uri="{FF2B5EF4-FFF2-40B4-BE49-F238E27FC236}">
+                <a16:creationId xmlns:a16="http://schemas.microsoft.com/office/drawing/2014/main" id="{E8CF49DF-0150-674D-B176-4AF8639F9BCC}"/>
+              </a:ext>
+            </a:extLst>
+          </p:cNvPr>
+          <p:cNvSpPr/>
+          <p:nvPr/>
+        </p:nvSpPr>
+        <p:spPr>
+          <a:xfrm>
+            <a:off x="6582742" y="4961240"/>
+            <a:ext cx="1315617" cy="639147"/>
+          </a:xfrm>
+          <a:prstGeom prst="rect">
+            <a:avLst/>
+          </a:prstGeom>
+        </p:spPr>
+        <p:style>
+          <a:lnRef idx="2">
+            <a:schemeClr val="dk1"/>
+          </a:lnRef>
+          <a:fillRef idx="1">
+            <a:schemeClr val="lt1"/>
+          </a:fillRef>
+          <a:effectRef idx="0">
+            <a:schemeClr val="dk1"/>
+          </a:effectRef>
+          <a:fontRef idx="minor">
+            <a:schemeClr val="dk1"/>
+          </a:fontRef>
+        </p:style>
+        <p:txBody>
+          <a:bodyPr rtlCol="0" anchor="ctr"/>
+          <a:lstStyle/>
+          <a:p>
+            <a:pPr algn="ctr"/>
+            <a:r>
+              <a:rPr lang="en-US" sz="1100" dirty="0"/>
+              <a:t>Automated check in changes into Master Branch</a:t>
+            </a:r>
+          </a:p>
+        </p:txBody>
+      </p:sp>
+      <p:sp>
+        <p:nvSpPr>
+          <p:cNvPr id="29" name="Rectangle 28">
+            <a:extLst>
+              <a:ext uri="{FF2B5EF4-FFF2-40B4-BE49-F238E27FC236}">
+                <a16:creationId xmlns:a16="http://schemas.microsoft.com/office/drawing/2014/main" id="{7911B33D-8369-5A48-A1EE-3363C6D700DA}"/>
+              </a:ext>
+            </a:extLst>
+          </p:cNvPr>
+          <p:cNvSpPr/>
+          <p:nvPr/>
+        </p:nvSpPr>
+        <p:spPr>
+          <a:xfrm>
+            <a:off x="6582742" y="5898915"/>
+            <a:ext cx="1315617" cy="639147"/>
+          </a:xfrm>
+          <a:prstGeom prst="rect">
+            <a:avLst/>
+          </a:prstGeom>
+        </p:spPr>
+        <p:style>
+          <a:lnRef idx="2">
+            <a:schemeClr val="dk1"/>
+          </a:lnRef>
+          <a:fillRef idx="1">
+            <a:schemeClr val="lt1"/>
+          </a:fillRef>
+          <a:effectRef idx="0">
+            <a:schemeClr val="dk1"/>
+          </a:effectRef>
+          <a:fontRef idx="minor">
+            <a:schemeClr val="dk1"/>
+          </a:fontRef>
+        </p:style>
+        <p:txBody>
+          <a:bodyPr rtlCol="0" anchor="ctr"/>
+          <a:lstStyle/>
+          <a:p>
+            <a:pPr algn="ctr"/>
+            <a:r>
+              <a:rPr lang="en-US" sz="1100" dirty="0"/>
+              <a:t>Execute Test Case(s)</a:t>
+            </a:r>
+          </a:p>
+        </p:txBody>
+      </p:sp>
+      <p:sp>
+        <p:nvSpPr>
+          <p:cNvPr id="30" name="Diamond 29">
+            <a:extLst>
+              <a:ext uri="{FF2B5EF4-FFF2-40B4-BE49-F238E27FC236}">
+                <a16:creationId xmlns:a16="http://schemas.microsoft.com/office/drawing/2014/main" id="{D58C1206-DFD6-8443-9EA9-4E00F16C141C}"/>
+              </a:ext>
+            </a:extLst>
+          </p:cNvPr>
+          <p:cNvSpPr/>
+          <p:nvPr/>
+        </p:nvSpPr>
+        <p:spPr>
+          <a:xfrm>
+            <a:off x="4253203" y="6580452"/>
+            <a:ext cx="1732383" cy="634482"/>
+          </a:xfrm>
+          <a:prstGeom prst="diamond">
+            <a:avLst/>
+          </a:prstGeom>
+        </p:spPr>
+        <p:style>
+          <a:lnRef idx="2">
+            <a:schemeClr val="dk1"/>
+          </a:lnRef>
+          <a:fillRef idx="1">
+            <a:schemeClr val="lt1"/>
+          </a:fillRef>
+          <a:effectRef idx="0">
+            <a:schemeClr val="dk1"/>
+          </a:effectRef>
+          <a:fontRef idx="minor">
+            <a:schemeClr val="dk1"/>
+          </a:fontRef>
+        </p:style>
+        <p:txBody>
+          <a:bodyPr rtlCol="0" anchor="ctr"/>
+          <a:lstStyle/>
+          <a:p>
+            <a:pPr algn="ctr"/>
+            <a:r>
+              <a:rPr lang="en-US" sz="1100" dirty="0"/>
+              <a:t>Test cases pass?</a:t>
+            </a:r>
+          </a:p>
+        </p:txBody>
+      </p:sp>
+      <p:sp>
+        <p:nvSpPr>
+          <p:cNvPr id="31" name="Rectangle 30">
+            <a:extLst>
+              <a:ext uri="{FF2B5EF4-FFF2-40B4-BE49-F238E27FC236}">
+                <a16:creationId xmlns:a16="http://schemas.microsoft.com/office/drawing/2014/main" id="{774BDC19-4CFA-B14B-BDD5-78838102D35C}"/>
+              </a:ext>
+            </a:extLst>
+          </p:cNvPr>
+          <p:cNvSpPr/>
+          <p:nvPr/>
+        </p:nvSpPr>
+        <p:spPr>
+          <a:xfrm>
+            <a:off x="4461585" y="7496984"/>
+            <a:ext cx="1315617" cy="601824"/>
+          </a:xfrm>
+          <a:prstGeom prst="rect">
+            <a:avLst/>
+          </a:prstGeom>
+          <a:solidFill>
+            <a:schemeClr val="tx2">
+              <a:lumMod val="20000"/>
+              <a:lumOff val="80000"/>
+            </a:schemeClr>
+          </a:solidFill>
+        </p:spPr>
+        <p:style>
+          <a:lnRef idx="1">
+            <a:schemeClr val="accent5"/>
+          </a:lnRef>
+          <a:fillRef idx="3">
+            <a:schemeClr val="accent5"/>
+          </a:fillRef>
+          <a:effectRef idx="2">
+            <a:schemeClr val="accent5"/>
+          </a:effectRef>
+          <a:fontRef idx="minor">
+            <a:schemeClr val="lt1"/>
+          </a:fontRef>
+        </p:style>
+        <p:txBody>
+          <a:bodyPr rtlCol="0" anchor="ctr"/>
+          <a:lstStyle/>
+          <a:p>
+            <a:pPr algn="ctr"/>
+            <a:r>
+              <a:rPr lang="en-US" sz="1100" dirty="0">
+                <a:solidFill>
+                  <a:schemeClr val="tx1"/>
+                </a:solidFill>
+              </a:rPr>
+              <a:t>Comment and Close Tracking Issue</a:t>
+            </a:r>
+          </a:p>
+        </p:txBody>
+      </p:sp>
+      <p:sp>
+        <p:nvSpPr>
+          <p:cNvPr id="32" name="Rounded Rectangle 31">
+            <a:extLst>
+              <a:ext uri="{FF2B5EF4-FFF2-40B4-BE49-F238E27FC236}">
+                <a16:creationId xmlns:a16="http://schemas.microsoft.com/office/drawing/2014/main" id="{CDA15E0B-A100-D74F-B1A4-83303CC3E157}"/>
+              </a:ext>
+            </a:extLst>
+          </p:cNvPr>
+          <p:cNvSpPr/>
+          <p:nvPr/>
+        </p:nvSpPr>
+        <p:spPr>
+          <a:xfrm>
+            <a:off x="9137779" y="7615949"/>
+            <a:ext cx="681135" cy="363894"/>
+          </a:xfrm>
+          <a:prstGeom prst="roundRect">
+            <a:avLst/>
+          </a:prstGeom>
+        </p:spPr>
+        <p:style>
+          <a:lnRef idx="2">
+            <a:schemeClr val="dk1"/>
+          </a:lnRef>
+          <a:fillRef idx="1">
+            <a:schemeClr val="lt1"/>
+          </a:fillRef>
+          <a:effectRef idx="0">
+            <a:schemeClr val="dk1"/>
+          </a:effectRef>
+          <a:fontRef idx="minor">
+            <a:schemeClr val="dk1"/>
+          </a:fontRef>
+        </p:style>
+        <p:txBody>
+          <a:bodyPr rtlCol="0" anchor="ctr"/>
+          <a:lstStyle/>
+          <a:p>
+            <a:pPr algn="ctr"/>
+            <a:r>
+              <a:rPr lang="en-US" sz="1100" dirty="0"/>
+              <a:t>End 1</a:t>
+            </a:r>
+            <a:r>
+              <a:rPr lang="en-US" sz="1100" baseline="30000" dirty="0"/>
+              <a:t>st</a:t>
+            </a:r>
+            <a:r>
+              <a:rPr lang="en-US" sz="1100" dirty="0"/>
+              <a:t> Stage</a:t>
+            </a:r>
+          </a:p>
+        </p:txBody>
+      </p:sp>
+      <p:cxnSp>
+        <p:nvCxnSpPr>
+          <p:cNvPr id="34" name="Straight Arrow Connector 33">
+            <a:extLst>
+              <a:ext uri="{FF2B5EF4-FFF2-40B4-BE49-F238E27FC236}">
+                <a16:creationId xmlns:a16="http://schemas.microsoft.com/office/drawing/2014/main" id="{14BFA5A0-1FC5-4B43-BDA2-A1DEE9DA58C6}"/>
+              </a:ext>
+            </a:extLst>
+          </p:cNvPr>
+          <p:cNvCxnSpPr>
+            <a:stCxn id="10" idx="2"/>
+            <a:endCxn id="32" idx="0"/>
+          </p:cNvCxnSpPr>
+          <p:nvPr/>
+        </p:nvCxnSpPr>
+        <p:spPr>
+          <a:xfrm flipH="1">
+            <a:off x="9478347" y="348342"/>
+            <a:ext cx="1" cy="7267607"/>
+          </a:xfrm>
+          <a:prstGeom prst="straightConnector1">
+            <a:avLst/>
+          </a:prstGeom>
+          <a:ln>
+            <a:tailEnd type="triangle"/>
+          </a:ln>
+        </p:spPr>
+        <p:style>
+          <a:lnRef idx="1">
+            <a:schemeClr val="accent1"/>
+          </a:lnRef>
+          <a:fillRef idx="0">
+            <a:schemeClr val="accent1"/>
+          </a:fillRef>
+          <a:effectRef idx="0">
+            <a:schemeClr val="accent1"/>
+          </a:effectRef>
+          <a:fontRef idx="minor">
+            <a:schemeClr val="tx1"/>
+          </a:fontRef>
+        </p:style>
+      </p:cxnSp>
+      <p:cxnSp>
+        <p:nvCxnSpPr>
+          <p:cNvPr id="35" name="Straight Arrow Connector 34">
+            <a:extLst>
+              <a:ext uri="{FF2B5EF4-FFF2-40B4-BE49-F238E27FC236}">
+                <a16:creationId xmlns:a16="http://schemas.microsoft.com/office/drawing/2014/main" id="{9DAF8D90-3DE2-DA40-8BEE-953AD5A0B1A8}"/>
+              </a:ext>
+            </a:extLst>
+          </p:cNvPr>
+          <p:cNvCxnSpPr>
+            <a:cxnSpLocks/>
+            <a:stCxn id="8" idx="0"/>
+            <a:endCxn id="10" idx="1"/>
+          </p:cNvCxnSpPr>
+          <p:nvPr/>
+        </p:nvCxnSpPr>
+        <p:spPr>
+          <a:xfrm flipV="1">
+            <a:off x="8543731" y="47430"/>
+            <a:ext cx="276808" cy="1167"/>
+          </a:xfrm>
+          <a:prstGeom prst="straightConnector1">
+            <a:avLst/>
+          </a:prstGeom>
+          <a:ln>
+            <a:tailEnd type="triangle"/>
+          </a:ln>
+        </p:spPr>
+        <p:style>
+          <a:lnRef idx="1">
+            <a:schemeClr val="accent1"/>
+          </a:lnRef>
+          <a:fillRef idx="0">
+            <a:schemeClr val="accent1"/>
+          </a:fillRef>
+          <a:effectRef idx="0">
+            <a:schemeClr val="accent1"/>
+          </a:effectRef>
+          <a:fontRef idx="minor">
+            <a:schemeClr val="tx1"/>
+          </a:fontRef>
+        </p:style>
+      </p:cxnSp>
+      <p:cxnSp>
+        <p:nvCxnSpPr>
+          <p:cNvPr id="38" name="Straight Arrow Connector 37">
+            <a:extLst>
+              <a:ext uri="{FF2B5EF4-FFF2-40B4-BE49-F238E27FC236}">
+                <a16:creationId xmlns:a16="http://schemas.microsoft.com/office/drawing/2014/main" id="{C76965F8-BFC4-4747-B4DB-8F851729C69F}"/>
+              </a:ext>
+            </a:extLst>
+          </p:cNvPr>
+          <p:cNvCxnSpPr>
+            <a:cxnSpLocks/>
+            <a:stCxn id="9" idx="3"/>
+            <a:endCxn id="8" idx="2"/>
+          </p:cNvCxnSpPr>
+          <p:nvPr/>
+        </p:nvCxnSpPr>
+        <p:spPr>
+          <a:xfrm flipV="1">
+            <a:off x="6951306" y="48597"/>
+            <a:ext cx="276808" cy="1166"/>
+          </a:xfrm>
+          <a:prstGeom prst="straightConnector1">
+            <a:avLst/>
+          </a:prstGeom>
+          <a:ln>
+            <a:tailEnd type="triangle"/>
+          </a:ln>
+        </p:spPr>
+        <p:style>
+          <a:lnRef idx="1">
+            <a:schemeClr val="accent1"/>
+          </a:lnRef>
+          <a:fillRef idx="0">
+            <a:schemeClr val="accent1"/>
+          </a:fillRef>
+          <a:effectRef idx="0">
+            <a:schemeClr val="accent1"/>
+          </a:effectRef>
+          <a:fontRef idx="minor">
+            <a:schemeClr val="tx1"/>
+          </a:fontRef>
+        </p:style>
+      </p:cxnSp>
+      <p:cxnSp>
+        <p:nvCxnSpPr>
+          <p:cNvPr id="41" name="Straight Arrow Connector 40">
+            <a:extLst>
+              <a:ext uri="{FF2B5EF4-FFF2-40B4-BE49-F238E27FC236}">
+                <a16:creationId xmlns:a16="http://schemas.microsoft.com/office/drawing/2014/main" id="{AEDEC335-F536-C44C-9B2E-4058DBC7DA64}"/>
+              </a:ext>
+            </a:extLst>
+          </p:cNvPr>
+          <p:cNvCxnSpPr>
+            <a:cxnSpLocks/>
+            <a:stCxn id="12" idx="3"/>
+            <a:endCxn id="9" idx="1"/>
+          </p:cNvCxnSpPr>
+          <p:nvPr/>
+        </p:nvCxnSpPr>
+        <p:spPr>
+          <a:xfrm>
+            <a:off x="4911013" y="47431"/>
+            <a:ext cx="307910" cy="2332"/>
+          </a:xfrm>
+          <a:prstGeom prst="straightConnector1">
+            <a:avLst/>
+          </a:prstGeom>
+          <a:ln>
+            <a:tailEnd type="triangle"/>
+          </a:ln>
+        </p:spPr>
+        <p:style>
+          <a:lnRef idx="1">
+            <a:schemeClr val="accent1"/>
+          </a:lnRef>
+          <a:fillRef idx="0">
+            <a:schemeClr val="accent1"/>
+          </a:fillRef>
+          <a:effectRef idx="0">
+            <a:schemeClr val="accent1"/>
+          </a:effectRef>
+          <a:fontRef idx="minor">
+            <a:schemeClr val="tx1"/>
+          </a:fontRef>
+        </p:style>
+      </p:cxnSp>
+      <p:cxnSp>
+        <p:nvCxnSpPr>
+          <p:cNvPr id="44" name="Straight Arrow Connector 43">
+            <a:extLst>
+              <a:ext uri="{FF2B5EF4-FFF2-40B4-BE49-F238E27FC236}">
+                <a16:creationId xmlns:a16="http://schemas.microsoft.com/office/drawing/2014/main" id="{1F5A149A-94AE-8746-A497-2C44E3CF4846}"/>
+              </a:ext>
+            </a:extLst>
+          </p:cNvPr>
+          <p:cNvCxnSpPr>
+            <a:cxnSpLocks/>
+            <a:stCxn id="11" idx="3"/>
+            <a:endCxn id="12" idx="1"/>
+          </p:cNvCxnSpPr>
+          <p:nvPr/>
+        </p:nvCxnSpPr>
+        <p:spPr>
+          <a:xfrm>
+            <a:off x="3287486" y="47431"/>
+            <a:ext cx="307910" cy="0"/>
+          </a:xfrm>
+          <a:prstGeom prst="straightConnector1">
+            <a:avLst/>
+          </a:prstGeom>
+          <a:ln>
+            <a:tailEnd type="triangle"/>
+          </a:ln>
+        </p:spPr>
+        <p:style>
+          <a:lnRef idx="1">
+            <a:schemeClr val="accent1"/>
+          </a:lnRef>
+          <a:fillRef idx="0">
+            <a:schemeClr val="accent1"/>
+          </a:fillRef>
+          <a:effectRef idx="0">
+            <a:schemeClr val="accent1"/>
+          </a:effectRef>
+          <a:fontRef idx="minor">
+            <a:schemeClr val="tx1"/>
+          </a:fontRef>
+        </p:style>
+      </p:cxnSp>
+      <p:cxnSp>
+        <p:nvCxnSpPr>
+          <p:cNvPr id="47" name="Straight Arrow Connector 46">
+            <a:extLst>
+              <a:ext uri="{FF2B5EF4-FFF2-40B4-BE49-F238E27FC236}">
+                <a16:creationId xmlns:a16="http://schemas.microsoft.com/office/drawing/2014/main" id="{E8EE296F-26CF-814B-90BD-6DDFF635E1A4}"/>
+              </a:ext>
+            </a:extLst>
+          </p:cNvPr>
+          <p:cNvCxnSpPr>
+            <a:cxnSpLocks/>
+            <a:stCxn id="7" idx="3"/>
+            <a:endCxn id="11" idx="1"/>
+          </p:cNvCxnSpPr>
+          <p:nvPr/>
+        </p:nvCxnSpPr>
+        <p:spPr>
+          <a:xfrm>
+            <a:off x="1663957" y="47430"/>
+            <a:ext cx="307912" cy="1"/>
+          </a:xfrm>
+          <a:prstGeom prst="straightConnector1">
+            <a:avLst/>
+          </a:prstGeom>
+          <a:ln>
+            <a:tailEnd type="triangle"/>
+          </a:ln>
+        </p:spPr>
+        <p:style>
+          <a:lnRef idx="1">
+            <a:schemeClr val="accent1"/>
+          </a:lnRef>
+          <a:fillRef idx="0">
+            <a:schemeClr val="accent1"/>
+          </a:fillRef>
+          <a:effectRef idx="0">
+            <a:schemeClr val="accent1"/>
+          </a:effectRef>
+          <a:fontRef idx="minor">
+            <a:schemeClr val="tx1"/>
+          </a:fontRef>
+        </p:style>
+      </p:cxnSp>
+      <p:cxnSp>
+        <p:nvCxnSpPr>
+          <p:cNvPr id="50" name="Straight Arrow Connector 49">
+            <a:extLst>
+              <a:ext uri="{FF2B5EF4-FFF2-40B4-BE49-F238E27FC236}">
+                <a16:creationId xmlns:a16="http://schemas.microsoft.com/office/drawing/2014/main" id="{59170FC1-B4C9-014C-983D-8E93137E9769}"/>
+              </a:ext>
+            </a:extLst>
+          </p:cNvPr>
+          <p:cNvCxnSpPr>
+            <a:cxnSpLocks/>
+            <a:stCxn id="19" idx="3"/>
+            <a:endCxn id="20" idx="1"/>
+          </p:cNvCxnSpPr>
+          <p:nvPr/>
+        </p:nvCxnSpPr>
+        <p:spPr>
+          <a:xfrm flipV="1">
+            <a:off x="5985587" y="2689915"/>
+            <a:ext cx="430764" cy="2333"/>
+          </a:xfrm>
+          <a:prstGeom prst="straightConnector1">
+            <a:avLst/>
+          </a:prstGeom>
+          <a:ln>
+            <a:tailEnd type="triangle"/>
+          </a:ln>
+        </p:spPr>
+        <p:style>
+          <a:lnRef idx="1">
+            <a:schemeClr val="accent1"/>
+          </a:lnRef>
+          <a:fillRef idx="0">
+            <a:schemeClr val="accent1"/>
+          </a:fillRef>
+          <a:effectRef idx="0">
+            <a:schemeClr val="accent1"/>
+          </a:effectRef>
+          <a:fontRef idx="minor">
+            <a:schemeClr val="tx1"/>
+          </a:fontRef>
+        </p:style>
+      </p:cxnSp>
+      <p:cxnSp>
+        <p:nvCxnSpPr>
+          <p:cNvPr id="53" name="Straight Arrow Connector 52">
+            <a:extLst>
+              <a:ext uri="{FF2B5EF4-FFF2-40B4-BE49-F238E27FC236}">
+                <a16:creationId xmlns:a16="http://schemas.microsoft.com/office/drawing/2014/main" id="{4AD01ABE-3942-DF4B-9A0A-1CE6511F125D}"/>
+              </a:ext>
+            </a:extLst>
+          </p:cNvPr>
+          <p:cNvCxnSpPr>
+            <a:cxnSpLocks/>
+            <a:stCxn id="18" idx="3"/>
+            <a:endCxn id="19" idx="1"/>
+          </p:cNvCxnSpPr>
+          <p:nvPr/>
+        </p:nvCxnSpPr>
+        <p:spPr>
+          <a:xfrm>
+            <a:off x="3945294" y="2689916"/>
+            <a:ext cx="307910" cy="2332"/>
+          </a:xfrm>
+          <a:prstGeom prst="straightConnector1">
+            <a:avLst/>
+          </a:prstGeom>
+          <a:ln>
+            <a:tailEnd type="triangle"/>
+          </a:ln>
+        </p:spPr>
+        <p:style>
+          <a:lnRef idx="1">
+            <a:schemeClr val="accent1"/>
+          </a:lnRef>
+          <a:fillRef idx="0">
+            <a:schemeClr val="accent1"/>
+          </a:fillRef>
+          <a:effectRef idx="0">
+            <a:schemeClr val="accent1"/>
+          </a:effectRef>
+          <a:fontRef idx="minor">
+            <a:schemeClr val="tx1"/>
+          </a:fontRef>
+        </p:style>
+      </p:cxnSp>
+      <p:cxnSp>
+        <p:nvCxnSpPr>
+          <p:cNvPr id="56" name="Straight Arrow Connector 55">
+            <a:extLst>
+              <a:ext uri="{FF2B5EF4-FFF2-40B4-BE49-F238E27FC236}">
+                <a16:creationId xmlns:a16="http://schemas.microsoft.com/office/drawing/2014/main" id="{14CC4B1A-4CA2-9E4E-AA24-AADD56829DD0}"/>
+              </a:ext>
+            </a:extLst>
+          </p:cNvPr>
+          <p:cNvCxnSpPr>
+            <a:cxnSpLocks/>
+            <a:stCxn id="15" idx="3"/>
+            <a:endCxn id="18" idx="1"/>
+          </p:cNvCxnSpPr>
+          <p:nvPr/>
+        </p:nvCxnSpPr>
+        <p:spPr>
+          <a:xfrm flipV="1">
+            <a:off x="2321767" y="2689916"/>
+            <a:ext cx="307910" cy="1"/>
+          </a:xfrm>
+          <a:prstGeom prst="straightConnector1">
+            <a:avLst/>
+          </a:prstGeom>
+          <a:ln>
+            <a:tailEnd type="triangle"/>
+          </a:ln>
+        </p:spPr>
+        <p:style>
+          <a:lnRef idx="1">
+            <a:schemeClr val="accent1"/>
+          </a:lnRef>
+          <a:fillRef idx="0">
+            <a:schemeClr val="accent1"/>
+          </a:fillRef>
+          <a:effectRef idx="0">
+            <a:schemeClr val="accent1"/>
+          </a:effectRef>
+          <a:fontRef idx="minor">
+            <a:schemeClr val="tx1"/>
+          </a:fontRef>
+        </p:style>
+      </p:cxnSp>
+      <p:cxnSp>
+        <p:nvCxnSpPr>
+          <p:cNvPr id="59" name="Straight Arrow Connector 58">
+            <a:extLst>
+              <a:ext uri="{FF2B5EF4-FFF2-40B4-BE49-F238E27FC236}">
+                <a16:creationId xmlns:a16="http://schemas.microsoft.com/office/drawing/2014/main" id="{FEA9915F-98CB-6D4F-B1D8-35B56F8B1C94}"/>
+              </a:ext>
+            </a:extLst>
+          </p:cNvPr>
+          <p:cNvCxnSpPr>
+            <a:cxnSpLocks/>
+            <a:stCxn id="9" idx="2"/>
+            <a:endCxn id="17" idx="0"/>
+          </p:cNvCxnSpPr>
+          <p:nvPr/>
+        </p:nvCxnSpPr>
+        <p:spPr>
+          <a:xfrm flipH="1">
+            <a:off x="6085114" y="367004"/>
+            <a:ext cx="1" cy="223158"/>
+          </a:xfrm>
+          <a:prstGeom prst="straightConnector1">
+            <a:avLst/>
+          </a:prstGeom>
+          <a:ln>
+            <a:tailEnd type="triangle"/>
+          </a:ln>
+        </p:spPr>
+        <p:style>
+          <a:lnRef idx="1">
+            <a:schemeClr val="accent1"/>
+          </a:lnRef>
+          <a:fillRef idx="0">
+            <a:schemeClr val="accent1"/>
+          </a:fillRef>
+          <a:effectRef idx="0">
+            <a:schemeClr val="accent1"/>
+          </a:effectRef>
+          <a:fontRef idx="minor">
+            <a:schemeClr val="tx1"/>
+          </a:fontRef>
+        </p:style>
+      </p:cxnSp>
+      <p:cxnSp>
+        <p:nvCxnSpPr>
+          <p:cNvPr id="63" name="Straight Arrow Connector 62">
+            <a:extLst>
+              <a:ext uri="{FF2B5EF4-FFF2-40B4-BE49-F238E27FC236}">
+                <a16:creationId xmlns:a16="http://schemas.microsoft.com/office/drawing/2014/main" id="{49555FA2-FC29-EC4D-AE4D-4D9302BA3EFD}"/>
+              </a:ext>
+            </a:extLst>
+          </p:cNvPr>
+          <p:cNvCxnSpPr>
+            <a:cxnSpLocks/>
+            <a:stCxn id="17" idx="1"/>
+            <a:endCxn id="16" idx="0"/>
+          </p:cNvCxnSpPr>
+          <p:nvPr/>
+        </p:nvCxnSpPr>
+        <p:spPr>
+          <a:xfrm flipH="1">
+            <a:off x="4908678" y="907403"/>
+            <a:ext cx="310244" cy="775"/>
+          </a:xfrm>
+          <a:prstGeom prst="straightConnector1">
+            <a:avLst/>
+          </a:prstGeom>
+          <a:ln>
+            <a:tailEnd type="triangle"/>
+          </a:ln>
+        </p:spPr>
+        <p:style>
+          <a:lnRef idx="1">
+            <a:schemeClr val="accent1"/>
+          </a:lnRef>
+          <a:fillRef idx="0">
+            <a:schemeClr val="accent1"/>
+          </a:fillRef>
+          <a:effectRef idx="0">
+            <a:schemeClr val="accent1"/>
+          </a:effectRef>
+          <a:fontRef idx="minor">
+            <a:schemeClr val="tx1"/>
+          </a:fontRef>
+        </p:style>
+      </p:cxnSp>
+      <p:cxnSp>
+        <p:nvCxnSpPr>
+          <p:cNvPr id="66" name="Straight Arrow Connector 65">
+            <a:extLst>
+              <a:ext uri="{FF2B5EF4-FFF2-40B4-BE49-F238E27FC236}">
+                <a16:creationId xmlns:a16="http://schemas.microsoft.com/office/drawing/2014/main" id="{523DB6B7-5180-8B46-9A4C-717B4EC68A9C}"/>
+              </a:ext>
+            </a:extLst>
+          </p:cNvPr>
+          <p:cNvCxnSpPr>
+            <a:cxnSpLocks/>
+            <a:stCxn id="20" idx="2"/>
+            <a:endCxn id="21" idx="0"/>
+          </p:cNvCxnSpPr>
+          <p:nvPr/>
+        </p:nvCxnSpPr>
+        <p:spPr>
+          <a:xfrm flipH="1">
+            <a:off x="7074159" y="2990827"/>
+            <a:ext cx="1" cy="209161"/>
+          </a:xfrm>
+          <a:prstGeom prst="straightConnector1">
+            <a:avLst/>
+          </a:prstGeom>
+          <a:ln>
+            <a:tailEnd type="triangle"/>
+          </a:ln>
+        </p:spPr>
+        <p:style>
+          <a:lnRef idx="1">
+            <a:schemeClr val="accent1"/>
+          </a:lnRef>
+          <a:fillRef idx="0">
+            <a:schemeClr val="accent1"/>
+          </a:fillRef>
+          <a:effectRef idx="0">
+            <a:schemeClr val="accent1"/>
+          </a:effectRef>
+          <a:fontRef idx="minor">
+            <a:schemeClr val="tx1"/>
+          </a:fontRef>
+        </p:style>
+      </p:cxnSp>
+      <p:cxnSp>
+        <p:nvCxnSpPr>
+          <p:cNvPr id="69" name="Straight Arrow Connector 68">
+            <a:extLst>
+              <a:ext uri="{FF2B5EF4-FFF2-40B4-BE49-F238E27FC236}">
+                <a16:creationId xmlns:a16="http://schemas.microsoft.com/office/drawing/2014/main" id="{DA9AE9CC-3D2B-684D-A897-27C262CFA507}"/>
+              </a:ext>
+            </a:extLst>
+          </p:cNvPr>
+          <p:cNvCxnSpPr>
+            <a:cxnSpLocks/>
+            <a:stCxn id="27" idx="2"/>
+            <a:endCxn id="28" idx="0"/>
+          </p:cNvCxnSpPr>
+          <p:nvPr/>
+        </p:nvCxnSpPr>
+        <p:spPr>
+          <a:xfrm flipH="1">
+            <a:off x="7240551" y="4727443"/>
+            <a:ext cx="1" cy="233797"/>
+          </a:xfrm>
+          <a:prstGeom prst="straightConnector1">
+            <a:avLst/>
+          </a:prstGeom>
+          <a:ln>
+            <a:tailEnd type="triangle"/>
+          </a:ln>
+        </p:spPr>
+        <p:style>
+          <a:lnRef idx="1">
+            <a:schemeClr val="accent1"/>
+          </a:lnRef>
+          <a:fillRef idx="0">
+            <a:schemeClr val="accent1"/>
+          </a:fillRef>
+          <a:effectRef idx="0">
+            <a:schemeClr val="accent1"/>
+          </a:effectRef>
+          <a:fontRef idx="minor">
+            <a:schemeClr val="tx1"/>
+          </a:fontRef>
+        </p:style>
+      </p:cxnSp>
+      <p:cxnSp>
+        <p:nvCxnSpPr>
+          <p:cNvPr id="72" name="Straight Arrow Connector 71">
+            <a:extLst>
+              <a:ext uri="{FF2B5EF4-FFF2-40B4-BE49-F238E27FC236}">
+                <a16:creationId xmlns:a16="http://schemas.microsoft.com/office/drawing/2014/main" id="{7EC654C6-F9FA-4944-A412-7AD075812A44}"/>
+              </a:ext>
+            </a:extLst>
+          </p:cNvPr>
+          <p:cNvCxnSpPr>
+            <a:cxnSpLocks/>
+            <a:stCxn id="28" idx="2"/>
+            <a:endCxn id="29" idx="0"/>
+          </p:cNvCxnSpPr>
+          <p:nvPr/>
+        </p:nvCxnSpPr>
+        <p:spPr>
+          <a:xfrm>
+            <a:off x="7240551" y="5600387"/>
+            <a:ext cx="0" cy="298528"/>
+          </a:xfrm>
+          <a:prstGeom prst="straightConnector1">
+            <a:avLst/>
+          </a:prstGeom>
+          <a:ln>
+            <a:tailEnd type="triangle"/>
+          </a:ln>
+        </p:spPr>
+        <p:style>
+          <a:lnRef idx="1">
+            <a:schemeClr val="accent1"/>
+          </a:lnRef>
+          <a:fillRef idx="0">
+            <a:schemeClr val="accent1"/>
+          </a:fillRef>
+          <a:effectRef idx="0">
+            <a:schemeClr val="accent1"/>
+          </a:effectRef>
+          <a:fontRef idx="minor">
+            <a:schemeClr val="tx1"/>
+          </a:fontRef>
+        </p:style>
+      </p:cxnSp>
+      <p:cxnSp>
+        <p:nvCxnSpPr>
+          <p:cNvPr id="75" name="Straight Arrow Connector 74">
+            <a:extLst>
+              <a:ext uri="{FF2B5EF4-FFF2-40B4-BE49-F238E27FC236}">
+                <a16:creationId xmlns:a16="http://schemas.microsoft.com/office/drawing/2014/main" id="{2A92C733-FCD2-E949-AE00-20BC5D8B8608}"/>
+              </a:ext>
+            </a:extLst>
+          </p:cNvPr>
+          <p:cNvCxnSpPr>
+            <a:cxnSpLocks/>
+            <a:stCxn id="30" idx="2"/>
+            <a:endCxn id="31" idx="0"/>
+          </p:cNvCxnSpPr>
+          <p:nvPr/>
+        </p:nvCxnSpPr>
+        <p:spPr>
+          <a:xfrm flipH="1">
+            <a:off x="5119394" y="7214934"/>
+            <a:ext cx="1" cy="282050"/>
+          </a:xfrm>
+          <a:prstGeom prst="straightConnector1">
+            <a:avLst/>
+          </a:prstGeom>
+          <a:ln>
+            <a:tailEnd type="triangle"/>
+          </a:ln>
+        </p:spPr>
+        <p:style>
+          <a:lnRef idx="1">
+            <a:schemeClr val="accent1"/>
+          </a:lnRef>
+          <a:fillRef idx="0">
+            <a:schemeClr val="accent1"/>
+          </a:fillRef>
+          <a:effectRef idx="0">
+            <a:schemeClr val="accent1"/>
+          </a:effectRef>
+          <a:fontRef idx="minor">
+            <a:schemeClr val="tx1"/>
+          </a:fontRef>
+        </p:style>
+      </p:cxnSp>
+      <p:sp>
+        <p:nvSpPr>
+          <p:cNvPr id="78" name="TextBox 77">
+            <a:extLst>
+              <a:ext uri="{FF2B5EF4-FFF2-40B4-BE49-F238E27FC236}">
+                <a16:creationId xmlns:a16="http://schemas.microsoft.com/office/drawing/2014/main" id="{2A46517F-71FA-034F-9B5D-A74E54758F30}"/>
+              </a:ext>
+            </a:extLst>
+          </p:cNvPr>
+          <p:cNvSpPr txBox="1"/>
+          <p:nvPr/>
+        </p:nvSpPr>
+        <p:spPr>
+          <a:xfrm>
+            <a:off x="6852565" y="-197670"/>
+            <a:ext cx="391880" cy="261610"/>
+          </a:xfrm>
+          <a:prstGeom prst="rect">
+            <a:avLst/>
+          </a:prstGeom>
+          <a:noFill/>
+        </p:spPr>
+        <p:txBody>
+          <a:bodyPr wrap="square" rtlCol="0">
+            <a:spAutoFit/>
+          </a:bodyPr>
+          <a:lstStyle/>
+          <a:p>
+            <a:pPr algn="ctr"/>
+            <a:r>
+              <a:rPr lang="en-US" sz="1100" dirty="0"/>
+              <a:t>No</a:t>
+            </a:r>
+          </a:p>
+        </p:txBody>
+      </p:sp>
+      <p:cxnSp>
+        <p:nvCxnSpPr>
+          <p:cNvPr id="89" name="Straight Connector 88">
+            <a:extLst>
+              <a:ext uri="{FF2B5EF4-FFF2-40B4-BE49-F238E27FC236}">
+                <a16:creationId xmlns:a16="http://schemas.microsoft.com/office/drawing/2014/main" id="{4BD8B7BA-9779-C544-A643-D0880A171BAD}"/>
+              </a:ext>
+            </a:extLst>
+          </p:cNvPr>
+          <p:cNvCxnSpPr>
+            <a:cxnSpLocks/>
+          </p:cNvCxnSpPr>
+          <p:nvPr/>
+        </p:nvCxnSpPr>
+        <p:spPr>
+          <a:xfrm>
+            <a:off x="6100888" y="1973085"/>
+            <a:ext cx="0" cy="215570"/>
+          </a:xfrm>
+          <a:prstGeom prst="line">
+            <a:avLst/>
+          </a:prstGeom>
+        </p:spPr>
+        <p:style>
+          <a:lnRef idx="1">
+            <a:schemeClr val="accent1"/>
+          </a:lnRef>
+          <a:fillRef idx="0">
+            <a:schemeClr val="accent1"/>
+          </a:fillRef>
+          <a:effectRef idx="0">
+            <a:schemeClr val="accent1"/>
+          </a:effectRef>
+          <a:fontRef idx="minor">
+            <a:schemeClr val="tx1"/>
+          </a:fontRef>
+        </p:style>
+      </p:cxnSp>
+      <p:cxnSp>
+        <p:nvCxnSpPr>
+          <p:cNvPr id="90" name="Straight Connector 89">
+            <a:extLst>
+              <a:ext uri="{FF2B5EF4-FFF2-40B4-BE49-F238E27FC236}">
+                <a16:creationId xmlns:a16="http://schemas.microsoft.com/office/drawing/2014/main" id="{8464BDB6-2A40-9E46-903D-B6E97486DC99}"/>
+              </a:ext>
+            </a:extLst>
+          </p:cNvPr>
+          <p:cNvCxnSpPr>
+            <a:cxnSpLocks/>
+          </p:cNvCxnSpPr>
+          <p:nvPr/>
+        </p:nvCxnSpPr>
+        <p:spPr>
+          <a:xfrm flipH="1" flipV="1">
+            <a:off x="1663959" y="2179070"/>
+            <a:ext cx="4432040" cy="3039"/>
+          </a:xfrm>
+          <a:prstGeom prst="line">
+            <a:avLst/>
+          </a:prstGeom>
+        </p:spPr>
+        <p:style>
+          <a:lnRef idx="1">
+            <a:schemeClr val="accent1"/>
+          </a:lnRef>
+          <a:fillRef idx="0">
+            <a:schemeClr val="accent1"/>
+          </a:fillRef>
+          <a:effectRef idx="0">
+            <a:schemeClr val="accent1"/>
+          </a:effectRef>
+          <a:fontRef idx="minor">
+            <a:schemeClr val="tx1"/>
+          </a:fontRef>
+        </p:style>
+      </p:cxnSp>
+      <p:cxnSp>
+        <p:nvCxnSpPr>
+          <p:cNvPr id="98" name="Straight Arrow Connector 97">
+            <a:extLst>
+              <a:ext uri="{FF2B5EF4-FFF2-40B4-BE49-F238E27FC236}">
+                <a16:creationId xmlns:a16="http://schemas.microsoft.com/office/drawing/2014/main" id="{4B339B4D-E673-4444-9350-EECE4B56396E}"/>
+              </a:ext>
+            </a:extLst>
+          </p:cNvPr>
+          <p:cNvCxnSpPr>
+            <a:cxnSpLocks/>
+            <a:endCxn id="15" idx="0"/>
+          </p:cNvCxnSpPr>
+          <p:nvPr/>
+        </p:nvCxnSpPr>
+        <p:spPr>
+          <a:xfrm>
+            <a:off x="1663956" y="2179068"/>
+            <a:ext cx="3" cy="174169"/>
+          </a:xfrm>
+          <a:prstGeom prst="straightConnector1">
+            <a:avLst/>
+          </a:prstGeom>
+          <a:ln>
+            <a:tailEnd type="triangle"/>
+          </a:ln>
+        </p:spPr>
+        <p:style>
+          <a:lnRef idx="1">
+            <a:schemeClr val="accent1"/>
+          </a:lnRef>
+          <a:fillRef idx="0">
+            <a:schemeClr val="accent1"/>
+          </a:fillRef>
+          <a:effectRef idx="0">
+            <a:schemeClr val="accent1"/>
+          </a:effectRef>
+          <a:fontRef idx="minor">
+            <a:schemeClr val="tx1"/>
+          </a:fontRef>
+        </p:style>
+      </p:cxnSp>
+      <p:cxnSp>
+        <p:nvCxnSpPr>
+          <p:cNvPr id="102" name="Straight Connector 101">
+            <a:extLst>
+              <a:ext uri="{FF2B5EF4-FFF2-40B4-BE49-F238E27FC236}">
+                <a16:creationId xmlns:a16="http://schemas.microsoft.com/office/drawing/2014/main" id="{340D2010-22D8-654C-9975-5A32D4D3DA71}"/>
+              </a:ext>
+            </a:extLst>
+          </p:cNvPr>
+          <p:cNvCxnSpPr>
+            <a:cxnSpLocks/>
+            <a:stCxn id="16" idx="2"/>
+          </p:cNvCxnSpPr>
+          <p:nvPr/>
+        </p:nvCxnSpPr>
+        <p:spPr>
+          <a:xfrm flipH="1">
+            <a:off x="1663956" y="908178"/>
+            <a:ext cx="1929105" cy="9722"/>
+          </a:xfrm>
+          <a:prstGeom prst="line">
+            <a:avLst/>
+          </a:prstGeom>
+        </p:spPr>
+        <p:style>
+          <a:lnRef idx="1">
+            <a:schemeClr val="accent1"/>
+          </a:lnRef>
+          <a:fillRef idx="0">
+            <a:schemeClr val="accent1"/>
+          </a:fillRef>
+          <a:effectRef idx="0">
+            <a:schemeClr val="accent1"/>
+          </a:effectRef>
+          <a:fontRef idx="minor">
+            <a:schemeClr val="tx1"/>
+          </a:fontRef>
+        </p:style>
+      </p:cxnSp>
+      <p:cxnSp>
+        <p:nvCxnSpPr>
+          <p:cNvPr id="105" name="Straight Connector 104">
+            <a:extLst>
+              <a:ext uri="{FF2B5EF4-FFF2-40B4-BE49-F238E27FC236}">
+                <a16:creationId xmlns:a16="http://schemas.microsoft.com/office/drawing/2014/main" id="{BF9AFCB6-797B-5143-92CD-D009D85F54A9}"/>
+              </a:ext>
+            </a:extLst>
+          </p:cNvPr>
+          <p:cNvCxnSpPr>
+            <a:cxnSpLocks/>
+          </p:cNvCxnSpPr>
+          <p:nvPr/>
+        </p:nvCxnSpPr>
+        <p:spPr>
+          <a:xfrm flipH="1">
+            <a:off x="1663953" y="917900"/>
+            <a:ext cx="3" cy="1348252"/>
+          </a:xfrm>
+          <a:prstGeom prst="line">
+            <a:avLst/>
+          </a:prstGeom>
+        </p:spPr>
+        <p:style>
+          <a:lnRef idx="1">
+            <a:schemeClr val="accent1"/>
+          </a:lnRef>
+          <a:fillRef idx="0">
+            <a:schemeClr val="accent1"/>
+          </a:fillRef>
+          <a:effectRef idx="0">
+            <a:schemeClr val="accent1"/>
+          </a:effectRef>
+          <a:fontRef idx="minor">
+            <a:schemeClr val="tx1"/>
+          </a:fontRef>
+        </p:style>
+      </p:cxnSp>
+      <p:sp>
+        <p:nvSpPr>
+          <p:cNvPr id="110" name="TextBox 109">
+            <a:extLst>
+              <a:ext uri="{FF2B5EF4-FFF2-40B4-BE49-F238E27FC236}">
+                <a16:creationId xmlns:a16="http://schemas.microsoft.com/office/drawing/2014/main" id="{1473E5DF-73F7-744F-8FE7-3C9CE7326794}"/>
+              </a:ext>
+            </a:extLst>
+          </p:cNvPr>
+          <p:cNvSpPr txBox="1"/>
+          <p:nvPr/>
+        </p:nvSpPr>
+        <p:spPr>
+          <a:xfrm>
+            <a:off x="4759824" y="678139"/>
+            <a:ext cx="643809" cy="261610"/>
+          </a:xfrm>
+          <a:prstGeom prst="rect">
+            <a:avLst/>
+          </a:prstGeom>
+          <a:noFill/>
+        </p:spPr>
+        <p:txBody>
+          <a:bodyPr wrap="square" rtlCol="0">
+            <a:spAutoFit/>
+          </a:bodyPr>
+          <a:lstStyle/>
+          <a:p>
+            <a:pPr algn="ctr"/>
+            <a:r>
+              <a:rPr lang="en-US" sz="1100" dirty="0"/>
+              <a:t>Yes</a:t>
+            </a:r>
+          </a:p>
+        </p:txBody>
+      </p:sp>
+      <p:sp>
+        <p:nvSpPr>
+          <p:cNvPr id="112" name="TextBox 111">
+            <a:extLst>
+              <a:ext uri="{FF2B5EF4-FFF2-40B4-BE49-F238E27FC236}">
+                <a16:creationId xmlns:a16="http://schemas.microsoft.com/office/drawing/2014/main" id="{6032B0F2-4A57-1C4D-85D3-9E1D34EE24ED}"/>
+              </a:ext>
+            </a:extLst>
+          </p:cNvPr>
+          <p:cNvSpPr txBox="1"/>
+          <p:nvPr/>
+        </p:nvSpPr>
+        <p:spPr>
+          <a:xfrm>
+            <a:off x="5876263" y="2456598"/>
+            <a:ext cx="561341" cy="266286"/>
+          </a:xfrm>
+          <a:prstGeom prst="rect">
+            <a:avLst/>
+          </a:prstGeom>
+          <a:noFill/>
+        </p:spPr>
+        <p:txBody>
+          <a:bodyPr wrap="square" rtlCol="0">
+            <a:spAutoFit/>
+          </a:bodyPr>
+          <a:lstStyle/>
+          <a:p>
+            <a:pPr algn="ctr"/>
+            <a:r>
+              <a:rPr lang="en-US" sz="1100" dirty="0"/>
+              <a:t>Yes</a:t>
+            </a:r>
+          </a:p>
+        </p:txBody>
+      </p:sp>
+      <p:cxnSp>
+        <p:nvCxnSpPr>
+          <p:cNvPr id="113" name="Straight Connector 112">
+            <a:extLst>
+              <a:ext uri="{FF2B5EF4-FFF2-40B4-BE49-F238E27FC236}">
+                <a16:creationId xmlns:a16="http://schemas.microsoft.com/office/drawing/2014/main" id="{C15F6A7F-D973-F14E-92D2-1DA1B25B6DC9}"/>
+              </a:ext>
+            </a:extLst>
+          </p:cNvPr>
+          <p:cNvCxnSpPr>
+            <a:cxnSpLocks/>
+            <a:stCxn id="19" idx="2"/>
+          </p:cNvCxnSpPr>
+          <p:nvPr/>
+        </p:nvCxnSpPr>
+        <p:spPr>
+          <a:xfrm flipH="1">
+            <a:off x="5119394" y="3009489"/>
+            <a:ext cx="2" cy="141442"/>
+          </a:xfrm>
+          <a:prstGeom prst="line">
+            <a:avLst/>
+          </a:prstGeom>
+        </p:spPr>
+        <p:style>
+          <a:lnRef idx="1">
+            <a:schemeClr val="accent1"/>
+          </a:lnRef>
+          <a:fillRef idx="0">
+            <a:schemeClr val="accent1"/>
+          </a:fillRef>
+          <a:effectRef idx="0">
+            <a:schemeClr val="accent1"/>
+          </a:effectRef>
+          <a:fontRef idx="minor">
+            <a:schemeClr val="tx1"/>
+          </a:fontRef>
+        </p:style>
+      </p:cxnSp>
+      <p:cxnSp>
+        <p:nvCxnSpPr>
+          <p:cNvPr id="114" name="Straight Connector 113">
+            <a:extLst>
+              <a:ext uri="{FF2B5EF4-FFF2-40B4-BE49-F238E27FC236}">
+                <a16:creationId xmlns:a16="http://schemas.microsoft.com/office/drawing/2014/main" id="{37E3B6C6-A975-B645-AA9D-C4A4F0D25EED}"/>
+              </a:ext>
+            </a:extLst>
+          </p:cNvPr>
+          <p:cNvCxnSpPr>
+            <a:cxnSpLocks/>
+          </p:cNvCxnSpPr>
+          <p:nvPr/>
+        </p:nvCxnSpPr>
+        <p:spPr>
+          <a:xfrm flipH="1">
+            <a:off x="1663956" y="3150931"/>
+            <a:ext cx="3455438" cy="0"/>
+          </a:xfrm>
+          <a:prstGeom prst="line">
+            <a:avLst/>
+          </a:prstGeom>
+        </p:spPr>
+        <p:style>
+          <a:lnRef idx="1">
+            <a:schemeClr val="accent1"/>
+          </a:lnRef>
+          <a:fillRef idx="0">
+            <a:schemeClr val="accent1"/>
+          </a:fillRef>
+          <a:effectRef idx="0">
+            <a:schemeClr val="accent1"/>
+          </a:effectRef>
+          <a:fontRef idx="minor">
+            <a:schemeClr val="tx1"/>
+          </a:fontRef>
+        </p:style>
+      </p:cxnSp>
+      <p:cxnSp>
+        <p:nvCxnSpPr>
+          <p:cNvPr id="119" name="Straight Arrow Connector 118">
+            <a:extLst>
+              <a:ext uri="{FF2B5EF4-FFF2-40B4-BE49-F238E27FC236}">
+                <a16:creationId xmlns:a16="http://schemas.microsoft.com/office/drawing/2014/main" id="{2C81C1C4-28F1-1945-B57B-DA3711EA5C7A}"/>
+              </a:ext>
+            </a:extLst>
+          </p:cNvPr>
+          <p:cNvCxnSpPr>
+            <a:cxnSpLocks/>
+            <a:endCxn id="15" idx="2"/>
+          </p:cNvCxnSpPr>
+          <p:nvPr/>
+        </p:nvCxnSpPr>
+        <p:spPr>
+          <a:xfrm flipV="1">
+            <a:off x="1663956" y="3026596"/>
+            <a:ext cx="3" cy="124335"/>
+          </a:xfrm>
+          <a:prstGeom prst="straightConnector1">
+            <a:avLst/>
+          </a:prstGeom>
+          <a:ln>
+            <a:tailEnd type="triangle"/>
+          </a:ln>
+        </p:spPr>
+        <p:style>
+          <a:lnRef idx="1">
+            <a:schemeClr val="accent1"/>
+          </a:lnRef>
+          <a:fillRef idx="0">
+            <a:schemeClr val="accent1"/>
+          </a:fillRef>
+          <a:effectRef idx="0">
+            <a:schemeClr val="accent1"/>
+          </a:effectRef>
+          <a:fontRef idx="minor">
+            <a:schemeClr val="tx1"/>
+          </a:fontRef>
+        </p:style>
+      </p:cxnSp>
+      <p:cxnSp>
+        <p:nvCxnSpPr>
+          <p:cNvPr id="124" name="Straight Connector 123">
+            <a:extLst>
+              <a:ext uri="{FF2B5EF4-FFF2-40B4-BE49-F238E27FC236}">
+                <a16:creationId xmlns:a16="http://schemas.microsoft.com/office/drawing/2014/main" id="{53E19FF6-1E15-2B4C-8D7B-4114834EC507}"/>
+              </a:ext>
+            </a:extLst>
+          </p:cNvPr>
+          <p:cNvCxnSpPr>
+            <a:cxnSpLocks/>
+            <a:stCxn id="21" idx="1"/>
+          </p:cNvCxnSpPr>
+          <p:nvPr/>
+        </p:nvCxnSpPr>
+        <p:spPr>
+          <a:xfrm flipH="1">
+            <a:off x="1663956" y="3517229"/>
+            <a:ext cx="4544011" cy="0"/>
+          </a:xfrm>
+          <a:prstGeom prst="line">
+            <a:avLst/>
+          </a:prstGeom>
+        </p:spPr>
+        <p:style>
+          <a:lnRef idx="1">
+            <a:schemeClr val="accent1"/>
+          </a:lnRef>
+          <a:fillRef idx="0">
+            <a:schemeClr val="accent1"/>
+          </a:fillRef>
+          <a:effectRef idx="0">
+            <a:schemeClr val="accent1"/>
+          </a:effectRef>
+          <a:fontRef idx="minor">
+            <a:schemeClr val="tx1"/>
+          </a:fontRef>
+        </p:style>
+      </p:cxnSp>
+      <p:cxnSp>
+        <p:nvCxnSpPr>
+          <p:cNvPr id="127" name="Straight Connector 126">
+            <a:extLst>
+              <a:ext uri="{FF2B5EF4-FFF2-40B4-BE49-F238E27FC236}">
+                <a16:creationId xmlns:a16="http://schemas.microsoft.com/office/drawing/2014/main" id="{B588222F-E3E6-0F41-A51E-E13D2B413AFA}"/>
+              </a:ext>
+            </a:extLst>
+          </p:cNvPr>
+          <p:cNvCxnSpPr>
+            <a:cxnSpLocks/>
+          </p:cNvCxnSpPr>
+          <p:nvPr/>
+        </p:nvCxnSpPr>
+        <p:spPr>
+          <a:xfrm>
+            <a:off x="1663956" y="3149211"/>
+            <a:ext cx="0" cy="368018"/>
+          </a:xfrm>
+          <a:prstGeom prst="line">
+            <a:avLst/>
+          </a:prstGeom>
+        </p:spPr>
+        <p:style>
+          <a:lnRef idx="1">
+            <a:schemeClr val="accent1"/>
+          </a:lnRef>
+          <a:fillRef idx="0">
+            <a:schemeClr val="accent1"/>
+          </a:fillRef>
+          <a:effectRef idx="0">
+            <a:schemeClr val="accent1"/>
+          </a:effectRef>
+          <a:fontRef idx="minor">
+            <a:schemeClr val="tx1"/>
+          </a:fontRef>
+        </p:style>
+      </p:cxnSp>
+      <p:sp>
+        <p:nvSpPr>
+          <p:cNvPr id="131" name="TextBox 130">
+            <a:extLst>
+              <a:ext uri="{FF2B5EF4-FFF2-40B4-BE49-F238E27FC236}">
+                <a16:creationId xmlns:a16="http://schemas.microsoft.com/office/drawing/2014/main" id="{EC5DC30D-4613-3D4B-BC48-70CEA99A29A3}"/>
+              </a:ext>
+            </a:extLst>
+          </p:cNvPr>
+          <p:cNvSpPr txBox="1"/>
+          <p:nvPr/>
+        </p:nvSpPr>
+        <p:spPr>
+          <a:xfrm>
+            <a:off x="5850300" y="3301390"/>
+            <a:ext cx="391880" cy="261610"/>
+          </a:xfrm>
+          <a:prstGeom prst="rect">
+            <a:avLst/>
+          </a:prstGeom>
+          <a:noFill/>
+        </p:spPr>
+        <p:txBody>
+          <a:bodyPr wrap="square" rtlCol="0">
+            <a:spAutoFit/>
+          </a:bodyPr>
+          <a:lstStyle/>
+          <a:p>
+            <a:pPr algn="ctr"/>
+            <a:r>
+              <a:rPr lang="en-US" sz="1100" dirty="0"/>
+              <a:t>No</a:t>
+            </a:r>
+          </a:p>
+        </p:txBody>
+      </p:sp>
+      <p:sp>
+        <p:nvSpPr>
+          <p:cNvPr id="132" name="TextBox 131">
+            <a:extLst>
+              <a:ext uri="{FF2B5EF4-FFF2-40B4-BE49-F238E27FC236}">
+                <a16:creationId xmlns:a16="http://schemas.microsoft.com/office/drawing/2014/main" id="{67BF373B-2215-5340-8A16-845A853FD184}"/>
+              </a:ext>
+            </a:extLst>
+          </p:cNvPr>
+          <p:cNvSpPr txBox="1"/>
+          <p:nvPr/>
+        </p:nvSpPr>
+        <p:spPr>
+          <a:xfrm>
+            <a:off x="4652868" y="2927550"/>
+            <a:ext cx="391880" cy="261610"/>
+          </a:xfrm>
+          <a:prstGeom prst="rect">
+            <a:avLst/>
+          </a:prstGeom>
+          <a:noFill/>
+        </p:spPr>
+        <p:txBody>
+          <a:bodyPr wrap="square" rtlCol="0">
+            <a:spAutoFit/>
+          </a:bodyPr>
+          <a:lstStyle/>
+          <a:p>
+            <a:pPr algn="ctr"/>
+            <a:r>
+              <a:rPr lang="en-US" sz="1100" dirty="0"/>
+              <a:t>No</a:t>
+            </a:r>
+          </a:p>
+        </p:txBody>
+      </p:sp>
+      <p:cxnSp>
+        <p:nvCxnSpPr>
+          <p:cNvPr id="133" name="Straight Connector 132">
+            <a:extLst>
+              <a:ext uri="{FF2B5EF4-FFF2-40B4-BE49-F238E27FC236}">
+                <a16:creationId xmlns:a16="http://schemas.microsoft.com/office/drawing/2014/main" id="{DF2407FF-A953-9646-9E21-4A13AF0F4B6A}"/>
+              </a:ext>
+            </a:extLst>
+          </p:cNvPr>
+          <p:cNvCxnSpPr>
+            <a:cxnSpLocks/>
+            <a:stCxn id="21" idx="2"/>
+          </p:cNvCxnSpPr>
+          <p:nvPr/>
+        </p:nvCxnSpPr>
+        <p:spPr>
+          <a:xfrm>
+            <a:off x="7074159" y="3834470"/>
+            <a:ext cx="0" cy="106951"/>
+          </a:xfrm>
+          <a:prstGeom prst="line">
+            <a:avLst/>
+          </a:prstGeom>
+        </p:spPr>
+        <p:style>
+          <a:lnRef idx="1">
+            <a:schemeClr val="accent1"/>
+          </a:lnRef>
+          <a:fillRef idx="0">
+            <a:schemeClr val="accent1"/>
+          </a:fillRef>
+          <a:effectRef idx="0">
+            <a:schemeClr val="accent1"/>
+          </a:effectRef>
+          <a:fontRef idx="minor">
+            <a:schemeClr val="tx1"/>
+          </a:fontRef>
+        </p:style>
+      </p:cxnSp>
+      <p:cxnSp>
+        <p:nvCxnSpPr>
+          <p:cNvPr id="138" name="Straight Connector 137">
+            <a:extLst>
+              <a:ext uri="{FF2B5EF4-FFF2-40B4-BE49-F238E27FC236}">
+                <a16:creationId xmlns:a16="http://schemas.microsoft.com/office/drawing/2014/main" id="{3FB26BCA-CAEB-7E49-A61C-111BDBCBA6FE}"/>
+              </a:ext>
+            </a:extLst>
+          </p:cNvPr>
+          <p:cNvCxnSpPr>
+            <a:cxnSpLocks/>
+          </p:cNvCxnSpPr>
+          <p:nvPr/>
+        </p:nvCxnSpPr>
+        <p:spPr>
+          <a:xfrm flipH="1">
+            <a:off x="1779429" y="3941838"/>
+            <a:ext cx="5294734" cy="0"/>
+          </a:xfrm>
+          <a:prstGeom prst="line">
+            <a:avLst/>
+          </a:prstGeom>
+        </p:spPr>
+        <p:style>
+          <a:lnRef idx="1">
+            <a:schemeClr val="accent1"/>
+          </a:lnRef>
+          <a:fillRef idx="0">
+            <a:schemeClr val="accent1"/>
+          </a:fillRef>
+          <a:effectRef idx="0">
+            <a:schemeClr val="accent1"/>
+          </a:effectRef>
+          <a:fontRef idx="minor">
+            <a:schemeClr val="tx1"/>
+          </a:fontRef>
+        </p:style>
+      </p:cxnSp>
+      <p:cxnSp>
+        <p:nvCxnSpPr>
+          <p:cNvPr id="143" name="Straight Arrow Connector 142">
+            <a:extLst>
+              <a:ext uri="{FF2B5EF4-FFF2-40B4-BE49-F238E27FC236}">
+                <a16:creationId xmlns:a16="http://schemas.microsoft.com/office/drawing/2014/main" id="{0E80AE61-7846-EB41-96FC-5DCA416B6C1E}"/>
+              </a:ext>
+            </a:extLst>
+          </p:cNvPr>
+          <p:cNvCxnSpPr>
+            <a:cxnSpLocks/>
+            <a:endCxn id="22" idx="0"/>
+          </p:cNvCxnSpPr>
+          <p:nvPr/>
+        </p:nvCxnSpPr>
+        <p:spPr>
+          <a:xfrm>
+            <a:off x="1781178" y="3941421"/>
+            <a:ext cx="0" cy="103354"/>
+          </a:xfrm>
+          <a:prstGeom prst="straightConnector1">
+            <a:avLst/>
+          </a:prstGeom>
+          <a:ln>
+            <a:tailEnd type="triangle"/>
+          </a:ln>
+        </p:spPr>
+        <p:style>
+          <a:lnRef idx="1">
+            <a:schemeClr val="accent1"/>
+          </a:lnRef>
+          <a:fillRef idx="0">
+            <a:schemeClr val="accent1"/>
+          </a:fillRef>
+          <a:effectRef idx="0">
+            <a:schemeClr val="accent1"/>
+          </a:effectRef>
+          <a:fontRef idx="minor">
+            <a:schemeClr val="tx1"/>
+          </a:fontRef>
+        </p:style>
+      </p:cxnSp>
+      <p:cxnSp>
+        <p:nvCxnSpPr>
+          <p:cNvPr id="146" name="Straight Connector 145">
+            <a:extLst>
+              <a:ext uri="{FF2B5EF4-FFF2-40B4-BE49-F238E27FC236}">
+                <a16:creationId xmlns:a16="http://schemas.microsoft.com/office/drawing/2014/main" id="{2472BE78-0DF6-7547-B15E-C50B8D62E315}"/>
+              </a:ext>
+            </a:extLst>
+          </p:cNvPr>
+          <p:cNvCxnSpPr>
+            <a:cxnSpLocks/>
+            <a:stCxn id="27" idx="0"/>
+          </p:cNvCxnSpPr>
+          <p:nvPr/>
+        </p:nvCxnSpPr>
+        <p:spPr>
+          <a:xfrm flipV="1">
+            <a:off x="7240552" y="3895416"/>
+            <a:ext cx="0" cy="197545"/>
+          </a:xfrm>
+          <a:prstGeom prst="line">
+            <a:avLst/>
+          </a:prstGeom>
+        </p:spPr>
+        <p:style>
+          <a:lnRef idx="1">
+            <a:schemeClr val="accent1"/>
+          </a:lnRef>
+          <a:fillRef idx="0">
+            <a:schemeClr val="accent1"/>
+          </a:fillRef>
+          <a:effectRef idx="0">
+            <a:schemeClr val="accent1"/>
+          </a:effectRef>
+          <a:fontRef idx="minor">
+            <a:schemeClr val="tx1"/>
+          </a:fontRef>
+        </p:style>
+      </p:cxnSp>
+      <p:cxnSp>
+        <p:nvCxnSpPr>
+          <p:cNvPr id="149" name="Straight Connector 148">
+            <a:extLst>
+              <a:ext uri="{FF2B5EF4-FFF2-40B4-BE49-F238E27FC236}">
+                <a16:creationId xmlns:a16="http://schemas.microsoft.com/office/drawing/2014/main" id="{6246E5D5-3B9C-224E-98D6-E98ED16B8C13}"/>
+              </a:ext>
+            </a:extLst>
+          </p:cNvPr>
+          <p:cNvCxnSpPr>
+            <a:cxnSpLocks/>
+          </p:cNvCxnSpPr>
+          <p:nvPr/>
+        </p:nvCxnSpPr>
+        <p:spPr>
+          <a:xfrm flipH="1">
+            <a:off x="7103896" y="3888966"/>
+            <a:ext cx="138406" cy="0"/>
+          </a:xfrm>
+          <a:prstGeom prst="line">
+            <a:avLst/>
+          </a:prstGeom>
+        </p:spPr>
+        <p:style>
+          <a:lnRef idx="1">
+            <a:schemeClr val="accent1"/>
+          </a:lnRef>
+          <a:fillRef idx="0">
+            <a:schemeClr val="accent1"/>
+          </a:fillRef>
+          <a:effectRef idx="0">
+            <a:schemeClr val="accent1"/>
+          </a:effectRef>
+          <a:fontRef idx="minor">
+            <a:schemeClr val="tx1"/>
+          </a:fontRef>
+        </p:style>
+      </p:cxnSp>
       <p:grpSp>
         <p:nvGrpSpPr>
-          <p:cNvPr id="159" name="Group 158">
-            <a:extLst>
-              <a:ext uri="{FF2B5EF4-FFF2-40B4-BE49-F238E27FC236}">
-                <a16:creationId xmlns:a16="http://schemas.microsoft.com/office/drawing/2014/main" id="{30877404-275E-774A-8A55-2BFF87B45C91}"/>
+          <p:cNvPr id="162" name="Group 161">
+            <a:extLst>
+              <a:ext uri="{FF2B5EF4-FFF2-40B4-BE49-F238E27FC236}">
+                <a16:creationId xmlns:a16="http://schemas.microsoft.com/office/drawing/2014/main" id="{51402C51-B3AB-CB4E-A681-BC992E677C38}"/>
               </a:ext>
             </a:extLst>
           </p:cNvPr>
@@ -3341,7 +6089,7 @@
         </p:nvGrpSpPr>
         <p:grpSpPr>
           <a:xfrm>
-            <a:off x="11289760" y="7670771"/>
+            <a:off x="7043861" y="3863082"/>
             <a:ext cx="60593" cy="26281"/>
             <a:chOff x="6857797" y="3503369"/>
             <a:chExt cx="60593" cy="26281"/>
@@ -3349,10 +6097,10 @@
         </p:grpSpPr>
         <p:cxnSp>
           <p:nvCxnSpPr>
-            <p:cNvPr id="153" name="Straight Connector 152">
+            <p:cNvPr id="163" name="Straight Connector 162">
               <a:extLst>
                 <a:ext uri="{FF2B5EF4-FFF2-40B4-BE49-F238E27FC236}">
-                  <a16:creationId xmlns:a16="http://schemas.microsoft.com/office/drawing/2014/main" id="{49C1AB56-FB37-F342-8324-518808BC0391}"/>
+                  <a16:creationId xmlns:a16="http://schemas.microsoft.com/office/drawing/2014/main" id="{3BBC80CC-E277-B44B-83C9-1E75B7C0DF21}"/>
                 </a:ext>
               </a:extLst>
             </p:cNvPr>
@@ -3387,10 +6135,10 @@
         </p:cxnSp>
         <p:cxnSp>
           <p:nvCxnSpPr>
-            <p:cNvPr id="155" name="Straight Connector 154">
+            <p:cNvPr id="164" name="Straight Connector 163">
               <a:extLst>
                 <a:ext uri="{FF2B5EF4-FFF2-40B4-BE49-F238E27FC236}">
-                  <a16:creationId xmlns:a16="http://schemas.microsoft.com/office/drawing/2014/main" id="{432D97BA-BDCA-3743-9C9D-ED3E1D7DC3B9}"/>
+                  <a16:creationId xmlns:a16="http://schemas.microsoft.com/office/drawing/2014/main" id="{2D4CECB0-D882-3C40-A79C-7BDFB3C49F3B}"/>
                 </a:ext>
               </a:extLst>
             </p:cNvPr>
@@ -3425,10 +6173,10 @@
         </p:cxnSp>
         <p:cxnSp>
           <p:nvCxnSpPr>
-            <p:cNvPr id="156" name="Straight Connector 155">
+            <p:cNvPr id="165" name="Straight Connector 164">
               <a:extLst>
                 <a:ext uri="{FF2B5EF4-FFF2-40B4-BE49-F238E27FC236}">
-                  <a16:creationId xmlns:a16="http://schemas.microsoft.com/office/drawing/2014/main" id="{DCBCB61B-0998-2B4C-A95E-D6FFE3554A71}"/>
+                  <a16:creationId xmlns:a16="http://schemas.microsoft.com/office/drawing/2014/main" id="{F551A818-82B3-B44A-961E-176C68E993A5}"/>
                 </a:ext>
               </a:extLst>
             </p:cNvPr>
@@ -3462,3958 +6210,1298 @@
           </p:style>
         </p:cxnSp>
       </p:grpSp>
-      <p:grpSp>
-        <p:nvGrpSpPr>
-          <p:cNvPr id="3" name="Group 2">
-            <a:extLst>
-              <a:ext uri="{FF2B5EF4-FFF2-40B4-BE49-F238E27FC236}">
-                <a16:creationId xmlns:a16="http://schemas.microsoft.com/office/drawing/2014/main" id="{77D299B8-8C7C-5245-BB11-84005594E2F3}"/>
-              </a:ext>
-            </a:extLst>
-          </p:cNvPr>
-          <p:cNvGrpSpPr/>
-          <p:nvPr/>
-        </p:nvGrpSpPr>
-        <p:grpSpPr>
+      <p:cxnSp>
+        <p:nvCxnSpPr>
+          <p:cNvPr id="166" name="Straight Connector 165">
+            <a:extLst>
+              <a:ext uri="{FF2B5EF4-FFF2-40B4-BE49-F238E27FC236}">
+                <a16:creationId xmlns:a16="http://schemas.microsoft.com/office/drawing/2014/main" id="{0C21F460-EB1D-C240-A04D-A5A91EFAFE97}"/>
+              </a:ext>
+            </a:extLst>
+          </p:cNvPr>
+          <p:cNvCxnSpPr>
+            <a:cxnSpLocks/>
+          </p:cNvCxnSpPr>
+          <p:nvPr/>
+        </p:nvCxnSpPr>
+        <p:spPr>
+          <a:xfrm flipH="1">
+            <a:off x="1663953" y="3885791"/>
+            <a:ext cx="5379908" cy="0"/>
+          </a:xfrm>
+          <a:prstGeom prst="line">
+            <a:avLst/>
+          </a:prstGeom>
+        </p:spPr>
+        <p:style>
+          <a:lnRef idx="1">
+            <a:schemeClr val="accent1"/>
+          </a:lnRef>
+          <a:fillRef idx="0">
+            <a:schemeClr val="accent1"/>
+          </a:fillRef>
+          <a:effectRef idx="0">
+            <a:schemeClr val="accent1"/>
+          </a:effectRef>
+          <a:fontRef idx="minor">
+            <a:schemeClr val="tx1"/>
+          </a:fontRef>
+        </p:style>
+      </p:cxnSp>
+      <p:cxnSp>
+        <p:nvCxnSpPr>
+          <p:cNvPr id="172" name="Straight Connector 171">
+            <a:extLst>
+              <a:ext uri="{FF2B5EF4-FFF2-40B4-BE49-F238E27FC236}">
+                <a16:creationId xmlns:a16="http://schemas.microsoft.com/office/drawing/2014/main" id="{C5796BCE-B200-0A4D-B1F2-7BF8635966DA}"/>
+              </a:ext>
+            </a:extLst>
+          </p:cNvPr>
+          <p:cNvCxnSpPr>
+            <a:cxnSpLocks/>
+          </p:cNvCxnSpPr>
+          <p:nvPr/>
+        </p:nvCxnSpPr>
+        <p:spPr>
           <a:xfrm>
-            <a:off x="702644" y="-272143"/>
-            <a:ext cx="10180423" cy="7562707"/>
-            <a:chOff x="-211756" y="32657"/>
-            <a:chExt cx="10180423" cy="7562707"/>
-          </a:xfrm>
-        </p:grpSpPr>
-        <p:sp>
-          <p:nvSpPr>
-            <p:cNvPr id="189" name="TextBox 188">
-              <a:extLst>
-                <a:ext uri="{FF2B5EF4-FFF2-40B4-BE49-F238E27FC236}">
-                  <a16:creationId xmlns:a16="http://schemas.microsoft.com/office/drawing/2014/main" id="{EDC19CB6-E186-5B46-B39B-268ED8D6E616}"/>
-                </a:ext>
-              </a:extLst>
-            </p:cNvPr>
-            <p:cNvSpPr txBox="1"/>
-            <p:nvPr/>
-          </p:nvSpPr>
-          <p:spPr>
-            <a:xfrm>
-              <a:off x="761312" y="4208106"/>
-              <a:ext cx="597154" cy="261610"/>
-            </a:xfrm>
-            <a:prstGeom prst="rect">
-              <a:avLst/>
-            </a:prstGeom>
-            <a:noFill/>
-          </p:spPr>
-          <p:txBody>
-            <a:bodyPr wrap="square" rtlCol="0">
-              <a:spAutoFit/>
-            </a:bodyPr>
-            <a:lstStyle/>
-            <a:p>
-              <a:pPr algn="ctr"/>
-              <a:r>
-                <a:rPr lang="en-US" sz="1100" dirty="0"/>
-                <a:t>Yes</a:t>
-              </a:r>
-            </a:p>
-          </p:txBody>
-        </p:sp>
-        <p:sp>
-          <p:nvSpPr>
-            <p:cNvPr id="111" name="TextBox 110">
-              <a:extLst>
-                <a:ext uri="{FF2B5EF4-FFF2-40B4-BE49-F238E27FC236}">
-                  <a16:creationId xmlns:a16="http://schemas.microsoft.com/office/drawing/2014/main" id="{0358ADFB-0F0C-394C-A839-49FED6D18FA7}"/>
-                </a:ext>
-              </a:extLst>
-            </p:cNvPr>
-            <p:cNvSpPr txBox="1"/>
-            <p:nvPr/>
-          </p:nvSpPr>
-          <p:spPr>
-            <a:xfrm>
-              <a:off x="4862802" y="1468928"/>
-              <a:ext cx="391880" cy="261610"/>
-            </a:xfrm>
-            <a:prstGeom prst="rect">
-              <a:avLst/>
-            </a:prstGeom>
-            <a:noFill/>
-          </p:spPr>
-          <p:txBody>
-            <a:bodyPr wrap="square" rtlCol="0">
-              <a:spAutoFit/>
-            </a:bodyPr>
-            <a:lstStyle/>
-            <a:p>
-              <a:pPr algn="ctr"/>
-              <a:r>
-                <a:rPr lang="en-US" sz="1100" dirty="0"/>
-                <a:t>No</a:t>
-              </a:r>
-            </a:p>
-          </p:txBody>
-        </p:sp>
-        <p:sp>
-          <p:nvSpPr>
-            <p:cNvPr id="79" name="TextBox 78">
-              <a:extLst>
-                <a:ext uri="{FF2B5EF4-FFF2-40B4-BE49-F238E27FC236}">
-                  <a16:creationId xmlns:a16="http://schemas.microsoft.com/office/drawing/2014/main" id="{3610F1B7-CC50-B841-B30C-40D016EDD0F9}"/>
-                </a:ext>
-              </a:extLst>
-            </p:cNvPr>
-            <p:cNvSpPr txBox="1"/>
-            <p:nvPr/>
-          </p:nvSpPr>
-          <p:spPr>
-            <a:xfrm>
-              <a:off x="5013308" y="633351"/>
-              <a:ext cx="695879" cy="261610"/>
-            </a:xfrm>
-            <a:prstGeom prst="rect">
-              <a:avLst/>
-            </a:prstGeom>
-            <a:noFill/>
-          </p:spPr>
-          <p:txBody>
-            <a:bodyPr wrap="square" rtlCol="0">
-              <a:spAutoFit/>
-            </a:bodyPr>
-            <a:lstStyle/>
-            <a:p>
-              <a:pPr algn="ctr"/>
-              <a:r>
-                <a:rPr lang="en-US" sz="1100" dirty="0"/>
-                <a:t>Yes</a:t>
-              </a:r>
-            </a:p>
-          </p:txBody>
-        </p:sp>
-        <p:sp>
-          <p:nvSpPr>
-            <p:cNvPr id="7" name="Rounded Rectangle 6">
-              <a:extLst>
-                <a:ext uri="{FF2B5EF4-FFF2-40B4-BE49-F238E27FC236}">
-                  <a16:creationId xmlns:a16="http://schemas.microsoft.com/office/drawing/2014/main" id="{2C37C6F3-0A47-794F-B682-7DC69CD102D3}"/>
-                </a:ext>
-              </a:extLst>
-            </p:cNvPr>
-            <p:cNvSpPr/>
-            <p:nvPr/>
-          </p:nvSpPr>
-          <p:spPr>
-            <a:xfrm>
-              <a:off x="68422" y="170283"/>
-              <a:ext cx="681135" cy="363894"/>
-            </a:xfrm>
-            <a:prstGeom prst="roundRect">
-              <a:avLst/>
-            </a:prstGeom>
-          </p:spPr>
-          <p:style>
-            <a:lnRef idx="2">
-              <a:schemeClr val="dk1"/>
-            </a:lnRef>
-            <a:fillRef idx="1">
-              <a:schemeClr val="lt1"/>
-            </a:fillRef>
-            <a:effectRef idx="0">
-              <a:schemeClr val="dk1"/>
-            </a:effectRef>
-            <a:fontRef idx="minor">
-              <a:schemeClr val="dk1"/>
-            </a:fontRef>
-          </p:style>
-          <p:txBody>
-            <a:bodyPr rtlCol="0" anchor="ctr"/>
-            <a:lstStyle/>
-            <a:p>
-              <a:pPr algn="ctr"/>
-              <a:r>
-                <a:rPr lang="en-US" sz="1100" dirty="0"/>
-                <a:t>Start</a:t>
-              </a:r>
-            </a:p>
-          </p:txBody>
-        </p:sp>
-        <p:sp>
-          <p:nvSpPr>
-            <p:cNvPr id="8" name="Snip Single Corner Rectangle 7">
-              <a:extLst>
-                <a:ext uri="{FF2B5EF4-FFF2-40B4-BE49-F238E27FC236}">
-                  <a16:creationId xmlns:a16="http://schemas.microsoft.com/office/drawing/2014/main" id="{B624958B-7E7B-B643-87F2-FF3064742673}"/>
-                </a:ext>
-              </a:extLst>
-            </p:cNvPr>
-            <p:cNvSpPr/>
-            <p:nvPr/>
-          </p:nvSpPr>
-          <p:spPr>
-            <a:xfrm>
-              <a:off x="6313714" y="34989"/>
-              <a:ext cx="1315617" cy="636815"/>
-            </a:xfrm>
-            <a:prstGeom prst="snip1Rect">
-              <a:avLst/>
-            </a:prstGeom>
-          </p:spPr>
-          <p:style>
-            <a:lnRef idx="2">
-              <a:schemeClr val="dk1"/>
-            </a:lnRef>
-            <a:fillRef idx="1">
-              <a:schemeClr val="lt1"/>
-            </a:fillRef>
-            <a:effectRef idx="0">
-              <a:schemeClr val="dk1"/>
-            </a:effectRef>
-            <a:fontRef idx="minor">
-              <a:schemeClr val="dk1"/>
-            </a:fontRef>
-          </p:style>
-          <p:txBody>
-            <a:bodyPr rtlCol="0" anchor="ctr"/>
-            <a:lstStyle/>
-            <a:p>
-              <a:pPr algn="ctr"/>
-              <a:r>
-                <a:rPr lang="en-US" sz="1100" dirty="0"/>
-                <a:t>Notify User or Developer of decision</a:t>
-              </a:r>
-            </a:p>
-          </p:txBody>
-        </p:sp>
-        <p:sp>
-          <p:nvSpPr>
-            <p:cNvPr id="9" name="Diamond 8">
-              <a:extLst>
-                <a:ext uri="{FF2B5EF4-FFF2-40B4-BE49-F238E27FC236}">
-                  <a16:creationId xmlns:a16="http://schemas.microsoft.com/office/drawing/2014/main" id="{74345D4F-B502-4948-9275-B594689B9A4F}"/>
-                </a:ext>
-              </a:extLst>
-            </p:cNvPr>
-            <p:cNvSpPr/>
-            <p:nvPr/>
-          </p:nvSpPr>
-          <p:spPr>
-            <a:xfrm>
-              <a:off x="4304523" y="37322"/>
-              <a:ext cx="1732383" cy="634482"/>
-            </a:xfrm>
-            <a:prstGeom prst="diamond">
-              <a:avLst/>
-            </a:prstGeom>
-          </p:spPr>
-          <p:style>
-            <a:lnRef idx="2">
-              <a:schemeClr val="dk1"/>
-            </a:lnRef>
-            <a:fillRef idx="1">
-              <a:schemeClr val="lt1"/>
-            </a:fillRef>
-            <a:effectRef idx="0">
-              <a:schemeClr val="dk1"/>
-            </a:effectRef>
-            <a:fontRef idx="minor">
-              <a:schemeClr val="dk1"/>
-            </a:fontRef>
-          </p:style>
-          <p:txBody>
-            <a:bodyPr rtlCol="0" anchor="ctr"/>
-            <a:lstStyle/>
-            <a:p>
-              <a:pPr algn="ctr"/>
-              <a:r>
-                <a:rPr lang="en-US" sz="1100" dirty="0"/>
-                <a:t>Implement Change?</a:t>
-              </a:r>
-            </a:p>
-          </p:txBody>
-        </p:sp>
-        <p:sp>
-          <p:nvSpPr>
-            <p:cNvPr id="10" name="Rectangle 9">
-              <a:extLst>
-                <a:ext uri="{FF2B5EF4-FFF2-40B4-BE49-F238E27FC236}">
-                  <a16:creationId xmlns:a16="http://schemas.microsoft.com/office/drawing/2014/main" id="{209D6D2C-50E9-EC44-8355-2D161F637265}"/>
-                </a:ext>
-              </a:extLst>
-            </p:cNvPr>
-            <p:cNvSpPr/>
-            <p:nvPr/>
-          </p:nvSpPr>
-          <p:spPr>
-            <a:xfrm>
-              <a:off x="7906139" y="51318"/>
-              <a:ext cx="1315617" cy="601824"/>
-            </a:xfrm>
-            <a:prstGeom prst="rect">
-              <a:avLst/>
-            </a:prstGeom>
-            <a:solidFill>
-              <a:schemeClr val="tx2">
-                <a:lumMod val="20000"/>
-                <a:lumOff val="80000"/>
-              </a:schemeClr>
-            </a:solidFill>
-          </p:spPr>
-          <p:style>
-            <a:lnRef idx="1">
-              <a:schemeClr val="accent5"/>
-            </a:lnRef>
-            <a:fillRef idx="3">
-              <a:schemeClr val="accent5"/>
-            </a:fillRef>
-            <a:effectRef idx="2">
-              <a:schemeClr val="accent5"/>
-            </a:effectRef>
-            <a:fontRef idx="minor">
-              <a:schemeClr val="lt1"/>
-            </a:fontRef>
-          </p:style>
-          <p:txBody>
-            <a:bodyPr rtlCol="0" anchor="ctr"/>
-            <a:lstStyle/>
-            <a:p>
-              <a:pPr algn="ctr"/>
-              <a:r>
-                <a:rPr lang="en-US" sz="1100" dirty="0">
-                  <a:solidFill>
-                    <a:schemeClr val="tx1"/>
-                  </a:solidFill>
-                </a:rPr>
-                <a:t>Comment and Close Tracking Issue</a:t>
-              </a:r>
-            </a:p>
-          </p:txBody>
-        </p:sp>
-        <p:sp>
-          <p:nvSpPr>
-            <p:cNvPr id="11" name="Rectangle 10">
-              <a:extLst>
-                <a:ext uri="{FF2B5EF4-FFF2-40B4-BE49-F238E27FC236}">
-                  <a16:creationId xmlns:a16="http://schemas.microsoft.com/office/drawing/2014/main" id="{DDF623B6-34A2-884E-A623-A75CE97D7931}"/>
-                </a:ext>
-              </a:extLst>
-            </p:cNvPr>
-            <p:cNvSpPr/>
-            <p:nvPr/>
-          </p:nvSpPr>
-          <p:spPr>
-            <a:xfrm>
-              <a:off x="1057469" y="32657"/>
-              <a:ext cx="1315617" cy="639147"/>
-            </a:xfrm>
-            <a:prstGeom prst="rect">
-              <a:avLst/>
-            </a:prstGeom>
-          </p:spPr>
-          <p:style>
-            <a:lnRef idx="2">
-              <a:schemeClr val="dk1"/>
-            </a:lnRef>
-            <a:fillRef idx="1">
-              <a:schemeClr val="lt1"/>
-            </a:fillRef>
-            <a:effectRef idx="0">
-              <a:schemeClr val="dk1"/>
-            </a:effectRef>
-            <a:fontRef idx="minor">
-              <a:schemeClr val="dk1"/>
-            </a:fontRef>
-          </p:style>
-          <p:txBody>
-            <a:bodyPr rtlCol="0" anchor="ctr"/>
-            <a:lstStyle/>
-            <a:p>
-              <a:pPr algn="ctr"/>
-              <a:r>
-                <a:rPr lang="en-US" sz="1100" dirty="0"/>
-                <a:t>Tracking Issue Submitted by User or Developer</a:t>
-              </a:r>
-            </a:p>
-          </p:txBody>
-        </p:sp>
-        <p:sp>
-          <p:nvSpPr>
-            <p:cNvPr id="12" name="Rectangle 11">
-              <a:extLst>
-                <a:ext uri="{FF2B5EF4-FFF2-40B4-BE49-F238E27FC236}">
-                  <a16:creationId xmlns:a16="http://schemas.microsoft.com/office/drawing/2014/main" id="{E9C10BA5-5F1B-5241-AC8C-540B5E3EF3B1}"/>
-                </a:ext>
-              </a:extLst>
-            </p:cNvPr>
-            <p:cNvSpPr/>
-            <p:nvPr/>
-          </p:nvSpPr>
-          <p:spPr>
-            <a:xfrm>
-              <a:off x="2680996" y="32657"/>
-              <a:ext cx="1315617" cy="639147"/>
-            </a:xfrm>
-            <a:prstGeom prst="rect">
-              <a:avLst/>
-            </a:prstGeom>
-          </p:spPr>
-          <p:style>
-            <a:lnRef idx="2">
-              <a:schemeClr val="dk1"/>
-            </a:lnRef>
-            <a:fillRef idx="1">
-              <a:schemeClr val="lt1"/>
-            </a:fillRef>
-            <a:effectRef idx="0">
-              <a:schemeClr val="dk1"/>
-            </a:effectRef>
-            <a:fontRef idx="minor">
-              <a:schemeClr val="dk1"/>
-            </a:fontRef>
-          </p:style>
-          <p:txBody>
-            <a:bodyPr rtlCol="0" anchor="ctr"/>
-            <a:lstStyle/>
-            <a:p>
-              <a:pPr algn="ctr"/>
-              <a:r>
-                <a:rPr lang="en-US" sz="1100" dirty="0"/>
-                <a:t>Tracking Issue Reviewed by CCB</a:t>
-              </a:r>
-            </a:p>
-          </p:txBody>
-        </p:sp>
-        <p:sp>
-          <p:nvSpPr>
-            <p:cNvPr id="15" name="Rectangle 14">
-              <a:extLst>
-                <a:ext uri="{FF2B5EF4-FFF2-40B4-BE49-F238E27FC236}">
-                  <a16:creationId xmlns:a16="http://schemas.microsoft.com/office/drawing/2014/main" id="{16DDFCDC-B884-FC43-BA83-CAC62D5E275B}"/>
-                </a:ext>
-              </a:extLst>
-            </p:cNvPr>
-            <p:cNvSpPr/>
-            <p:nvPr/>
-          </p:nvSpPr>
-          <p:spPr>
-            <a:xfrm>
-              <a:off x="91750" y="1849793"/>
-              <a:ext cx="1315617" cy="673359"/>
-            </a:xfrm>
-            <a:prstGeom prst="rect">
-              <a:avLst/>
-            </a:prstGeom>
-            <a:solidFill>
-              <a:schemeClr val="tx2">
-                <a:lumMod val="20000"/>
-                <a:lumOff val="80000"/>
-              </a:schemeClr>
-            </a:solidFill>
-          </p:spPr>
-          <p:style>
-            <a:lnRef idx="1">
-              <a:schemeClr val="accent5"/>
-            </a:lnRef>
-            <a:fillRef idx="3">
-              <a:schemeClr val="accent5"/>
-            </a:fillRef>
-            <a:effectRef idx="2">
-              <a:schemeClr val="accent5"/>
-            </a:effectRef>
-            <a:fontRef idx="minor">
-              <a:schemeClr val="lt1"/>
-            </a:fontRef>
-          </p:style>
-          <p:txBody>
-            <a:bodyPr rtlCol="0" anchor="ctr"/>
-            <a:lstStyle/>
-            <a:p>
-              <a:pPr algn="ctr"/>
-              <a:r>
-                <a:rPr lang="en-US" sz="1100" dirty="0">
-                  <a:solidFill>
-                    <a:schemeClr val="tx1"/>
-                  </a:solidFill>
-                </a:rPr>
-                <a:t>Implement Change</a:t>
-              </a:r>
-            </a:p>
-          </p:txBody>
-        </p:sp>
-        <p:sp>
-          <p:nvSpPr>
-            <p:cNvPr id="16" name="Snip Single Corner Rectangle 15">
-              <a:extLst>
-                <a:ext uri="{FF2B5EF4-FFF2-40B4-BE49-F238E27FC236}">
-                  <a16:creationId xmlns:a16="http://schemas.microsoft.com/office/drawing/2014/main" id="{01DA5978-63E2-F14B-AB79-904DC45B2EA0}"/>
-                </a:ext>
-              </a:extLst>
-            </p:cNvPr>
-            <p:cNvSpPr/>
-            <p:nvPr/>
-          </p:nvSpPr>
-          <p:spPr>
-            <a:xfrm>
-              <a:off x="2678661" y="876298"/>
-              <a:ext cx="1315617" cy="673359"/>
-            </a:xfrm>
-            <a:prstGeom prst="snip1Rect">
-              <a:avLst/>
-            </a:prstGeom>
-          </p:spPr>
-          <p:style>
-            <a:lnRef idx="2">
-              <a:schemeClr val="dk1"/>
-            </a:lnRef>
-            <a:fillRef idx="1">
-              <a:schemeClr val="lt1"/>
-            </a:fillRef>
-            <a:effectRef idx="0">
-              <a:schemeClr val="dk1"/>
-            </a:effectRef>
-            <a:fontRef idx="minor">
-              <a:schemeClr val="dk1"/>
-            </a:fontRef>
-          </p:style>
-          <p:txBody>
-            <a:bodyPr rtlCol="0" anchor="ctr"/>
-            <a:lstStyle/>
-            <a:p>
-              <a:pPr algn="ctr"/>
-              <a:r>
-                <a:rPr lang="en-US" sz="1100" dirty="0"/>
-                <a:t>Notify User of impact and corrective action plan</a:t>
-              </a:r>
-            </a:p>
-          </p:txBody>
-        </p:sp>
-        <p:sp>
-          <p:nvSpPr>
-            <p:cNvPr id="17" name="Diamond 16">
-              <a:extLst>
-                <a:ext uri="{FF2B5EF4-FFF2-40B4-BE49-F238E27FC236}">
-                  <a16:creationId xmlns:a16="http://schemas.microsoft.com/office/drawing/2014/main" id="{9568DE98-2BC0-854A-8DFF-8CD13A2A1315}"/>
-                </a:ext>
-              </a:extLst>
-            </p:cNvPr>
-            <p:cNvSpPr/>
-            <p:nvPr/>
-          </p:nvSpPr>
-          <p:spPr>
-            <a:xfrm>
-              <a:off x="4304522" y="894962"/>
-              <a:ext cx="1732383" cy="634482"/>
-            </a:xfrm>
-            <a:prstGeom prst="diamond">
-              <a:avLst/>
-            </a:prstGeom>
-          </p:spPr>
-          <p:style>
-            <a:lnRef idx="2">
-              <a:schemeClr val="dk1"/>
-            </a:lnRef>
-            <a:fillRef idx="1">
-              <a:schemeClr val="lt1"/>
-            </a:fillRef>
-            <a:effectRef idx="0">
-              <a:schemeClr val="dk1"/>
-            </a:effectRef>
-            <a:fontRef idx="minor">
-              <a:schemeClr val="dk1"/>
-            </a:fontRef>
-          </p:style>
-          <p:txBody>
-            <a:bodyPr rtlCol="0" anchor="ctr"/>
-            <a:lstStyle/>
-            <a:p>
-              <a:pPr algn="ctr"/>
-              <a:r>
-                <a:rPr lang="en-US" sz="1100" dirty="0"/>
-                <a:t>Error?</a:t>
-              </a:r>
-            </a:p>
-          </p:txBody>
-        </p:sp>
-        <p:sp>
-          <p:nvSpPr>
-            <p:cNvPr id="18" name="Rectangle 17">
-              <a:extLst>
-                <a:ext uri="{FF2B5EF4-FFF2-40B4-BE49-F238E27FC236}">
-                  <a16:creationId xmlns:a16="http://schemas.microsoft.com/office/drawing/2014/main" id="{23BC297F-0C87-D241-B350-FEFD4BB986C4}"/>
-                </a:ext>
-              </a:extLst>
-            </p:cNvPr>
-            <p:cNvSpPr/>
-            <p:nvPr/>
-          </p:nvSpPr>
-          <p:spPr>
-            <a:xfrm>
-              <a:off x="1715277" y="1866898"/>
-              <a:ext cx="1315617" cy="639147"/>
-            </a:xfrm>
-            <a:prstGeom prst="rect">
-              <a:avLst/>
-            </a:prstGeom>
-          </p:spPr>
-          <p:style>
-            <a:lnRef idx="2">
-              <a:schemeClr val="dk1"/>
-            </a:lnRef>
-            <a:fillRef idx="1">
-              <a:schemeClr val="lt1"/>
-            </a:fillRef>
-            <a:effectRef idx="0">
-              <a:schemeClr val="dk1"/>
-            </a:effectRef>
-            <a:fontRef idx="minor">
-              <a:schemeClr val="dk1"/>
-            </a:fontRef>
-          </p:style>
-          <p:txBody>
-            <a:bodyPr rtlCol="0" anchor="ctr"/>
-            <a:lstStyle/>
-            <a:p>
-              <a:pPr algn="ctr"/>
-              <a:r>
-                <a:rPr lang="en-US" sz="1100" dirty="0"/>
-                <a:t>Initial Automated testing</a:t>
-              </a:r>
-            </a:p>
-          </p:txBody>
-        </p:sp>
-        <p:sp>
-          <p:nvSpPr>
-            <p:cNvPr id="19" name="Diamond 18">
-              <a:extLst>
-                <a:ext uri="{FF2B5EF4-FFF2-40B4-BE49-F238E27FC236}">
-                  <a16:creationId xmlns:a16="http://schemas.microsoft.com/office/drawing/2014/main" id="{82B17E35-86E0-F74F-9C9B-80E97C2DC5B0}"/>
-                </a:ext>
-              </a:extLst>
-            </p:cNvPr>
-            <p:cNvSpPr/>
-            <p:nvPr/>
-          </p:nvSpPr>
-          <p:spPr>
-            <a:xfrm>
-              <a:off x="3338804" y="1871563"/>
-              <a:ext cx="1732383" cy="634482"/>
-            </a:xfrm>
-            <a:prstGeom prst="diamond">
-              <a:avLst/>
-            </a:prstGeom>
-          </p:spPr>
-          <p:style>
-            <a:lnRef idx="2">
-              <a:schemeClr val="dk1"/>
-            </a:lnRef>
-            <a:fillRef idx="1">
-              <a:schemeClr val="lt1"/>
-            </a:fillRef>
-            <a:effectRef idx="0">
-              <a:schemeClr val="dk1"/>
-            </a:effectRef>
-            <a:fontRef idx="minor">
-              <a:schemeClr val="dk1"/>
-            </a:fontRef>
-          </p:style>
-          <p:txBody>
-            <a:bodyPr rtlCol="0" anchor="ctr"/>
-            <a:lstStyle/>
-            <a:p>
-              <a:pPr algn="ctr"/>
-              <a:r>
-                <a:rPr lang="en-US" sz="1100" dirty="0"/>
-                <a:t>Pass Initial testing?</a:t>
-              </a:r>
-            </a:p>
-          </p:txBody>
-        </p:sp>
-        <p:sp>
-          <p:nvSpPr>
-            <p:cNvPr id="20" name="Rectangle 19">
-              <a:extLst>
-                <a:ext uri="{FF2B5EF4-FFF2-40B4-BE49-F238E27FC236}">
-                  <a16:creationId xmlns:a16="http://schemas.microsoft.com/office/drawing/2014/main" id="{83EBAFC2-938D-D242-B1BB-CC1357A697E9}"/>
-                </a:ext>
-              </a:extLst>
-            </p:cNvPr>
-            <p:cNvSpPr/>
-            <p:nvPr/>
-          </p:nvSpPr>
-          <p:spPr>
-            <a:xfrm>
-              <a:off x="5501951" y="1885559"/>
-              <a:ext cx="1315617" cy="601824"/>
-            </a:xfrm>
-            <a:prstGeom prst="rect">
-              <a:avLst/>
-            </a:prstGeom>
-            <a:solidFill>
-              <a:schemeClr val="tx2">
-                <a:lumMod val="20000"/>
-                <a:lumOff val="80000"/>
-              </a:schemeClr>
-            </a:solidFill>
-          </p:spPr>
-          <p:style>
-            <a:lnRef idx="1">
-              <a:schemeClr val="accent5"/>
-            </a:lnRef>
-            <a:fillRef idx="3">
-              <a:schemeClr val="accent5"/>
-            </a:fillRef>
-            <a:effectRef idx="2">
-              <a:schemeClr val="accent5"/>
-            </a:effectRef>
-            <a:fontRef idx="minor">
-              <a:schemeClr val="lt1"/>
-            </a:fontRef>
-          </p:style>
-          <p:txBody>
-            <a:bodyPr rtlCol="0" anchor="ctr"/>
-            <a:lstStyle/>
-            <a:p>
-              <a:pPr algn="ctr"/>
-              <a:r>
-                <a:rPr lang="en-US" sz="1100" dirty="0">
-                  <a:solidFill>
-                    <a:schemeClr val="tx1"/>
-                  </a:solidFill>
-                </a:rPr>
-                <a:t>Peer Review of Changes</a:t>
-              </a:r>
-            </a:p>
-          </p:txBody>
-        </p:sp>
-        <p:sp>
-          <p:nvSpPr>
-            <p:cNvPr id="21" name="Diamond 20">
-              <a:extLst>
-                <a:ext uri="{FF2B5EF4-FFF2-40B4-BE49-F238E27FC236}">
-                  <a16:creationId xmlns:a16="http://schemas.microsoft.com/office/drawing/2014/main" id="{092787EC-4ED3-BE48-AC15-AFC4FB9548A8}"/>
-                </a:ext>
-              </a:extLst>
-            </p:cNvPr>
-            <p:cNvSpPr/>
-            <p:nvPr/>
-          </p:nvSpPr>
-          <p:spPr>
-            <a:xfrm>
-              <a:off x="5293567" y="2696544"/>
-              <a:ext cx="1732383" cy="634482"/>
-            </a:xfrm>
-            <a:prstGeom prst="diamond">
-              <a:avLst/>
-            </a:prstGeom>
-          </p:spPr>
-          <p:style>
-            <a:lnRef idx="2">
-              <a:schemeClr val="dk1"/>
-            </a:lnRef>
-            <a:fillRef idx="1">
-              <a:schemeClr val="lt1"/>
-            </a:fillRef>
-            <a:effectRef idx="0">
-              <a:schemeClr val="dk1"/>
-            </a:effectRef>
-            <a:fontRef idx="minor">
-              <a:schemeClr val="dk1"/>
-            </a:fontRef>
-          </p:style>
-          <p:txBody>
-            <a:bodyPr rtlCol="0" anchor="ctr"/>
-            <a:lstStyle/>
-            <a:p>
-              <a:pPr algn="ctr"/>
-              <a:r>
-                <a:rPr lang="en-US" sz="1100" dirty="0"/>
-                <a:t>Pass Peer Review?</a:t>
-              </a:r>
-            </a:p>
-          </p:txBody>
-        </p:sp>
-        <p:grpSp>
-          <p:nvGrpSpPr>
-            <p:cNvPr id="24" name="Group 23">
-              <a:extLst>
-                <a:ext uri="{FF2B5EF4-FFF2-40B4-BE49-F238E27FC236}">
-                  <a16:creationId xmlns:a16="http://schemas.microsoft.com/office/drawing/2014/main" id="{D3227AAC-14DD-2F41-A7C7-C7E64F3593E2}"/>
-                </a:ext>
-              </a:extLst>
-            </p:cNvPr>
-            <p:cNvGrpSpPr/>
-            <p:nvPr/>
-          </p:nvGrpSpPr>
-          <p:grpSpPr>
-            <a:xfrm>
-              <a:off x="586" y="3541331"/>
-              <a:ext cx="1732383" cy="724674"/>
-              <a:chOff x="0" y="3293706"/>
-              <a:chExt cx="1732383" cy="724674"/>
-            </a:xfrm>
-          </p:grpSpPr>
-          <p:sp>
-            <p:nvSpPr>
-              <p:cNvPr id="22" name="Diamond 21">
-                <a:extLst>
-                  <a:ext uri="{FF2B5EF4-FFF2-40B4-BE49-F238E27FC236}">
-                    <a16:creationId xmlns:a16="http://schemas.microsoft.com/office/drawing/2014/main" id="{88D80A77-3B84-D14D-8B95-861C15E0D480}"/>
-                  </a:ext>
-                </a:extLst>
-              </p:cNvPr>
-              <p:cNvSpPr/>
-              <p:nvPr/>
-            </p:nvSpPr>
-            <p:spPr>
-              <a:xfrm>
-                <a:off x="0" y="3293706"/>
-                <a:ext cx="1732383" cy="724674"/>
-              </a:xfrm>
-              <a:prstGeom prst="diamond">
-                <a:avLst/>
-              </a:prstGeom>
-            </p:spPr>
-            <p:style>
-              <a:lnRef idx="2">
-                <a:schemeClr val="dk1"/>
-              </a:lnRef>
-              <a:fillRef idx="1">
-                <a:schemeClr val="lt1"/>
-              </a:fillRef>
-              <a:effectRef idx="0">
-                <a:schemeClr val="dk1"/>
-              </a:effectRef>
-              <a:fontRef idx="minor">
-                <a:schemeClr val="dk1"/>
-              </a:fontRef>
-            </p:style>
-            <p:txBody>
-              <a:bodyPr rtlCol="0" anchor="ctr"/>
-              <a:lstStyle/>
-              <a:p>
-                <a:pPr algn="ctr"/>
-                <a:endParaRPr lang="en-US" sz="1100" dirty="0"/>
-              </a:p>
-            </p:txBody>
-          </p:sp>
-          <p:sp>
-            <p:nvSpPr>
-              <p:cNvPr id="23" name="TextBox 22">
-                <a:extLst>
-                  <a:ext uri="{FF2B5EF4-FFF2-40B4-BE49-F238E27FC236}">
-                    <a16:creationId xmlns:a16="http://schemas.microsoft.com/office/drawing/2014/main" id="{5E4AE3E5-79E5-F849-9D2C-24E46DCA858D}"/>
-                  </a:ext>
-                </a:extLst>
-              </p:cNvPr>
-              <p:cNvSpPr txBox="1"/>
-              <p:nvPr/>
-            </p:nvSpPr>
-            <p:spPr>
-              <a:xfrm>
-                <a:off x="371667" y="3337299"/>
-                <a:ext cx="1026368" cy="600164"/>
-              </a:xfrm>
-              <a:prstGeom prst="rect">
-                <a:avLst/>
-              </a:prstGeom>
-              <a:noFill/>
-            </p:spPr>
-            <p:txBody>
-              <a:bodyPr wrap="square" rtlCol="0">
-                <a:spAutoFit/>
-              </a:bodyPr>
-              <a:lstStyle/>
-              <a:p>
-                <a:pPr algn="ctr"/>
-                <a:r>
-                  <a:rPr lang="en-US" sz="1100" dirty="0"/>
-                  <a:t>Test case includes requirements?</a:t>
-                </a:r>
-              </a:p>
-            </p:txBody>
-          </p:sp>
-        </p:grpSp>
-        <p:sp>
-          <p:nvSpPr>
-            <p:cNvPr id="25" name="Rectangle 24">
-              <a:extLst>
-                <a:ext uri="{FF2B5EF4-FFF2-40B4-BE49-F238E27FC236}">
-                  <a16:creationId xmlns:a16="http://schemas.microsoft.com/office/drawing/2014/main" id="{7441944B-E572-2F4C-8FDE-995931F69904}"/>
-                </a:ext>
-              </a:extLst>
-            </p:cNvPr>
-            <p:cNvSpPr/>
-            <p:nvPr/>
-          </p:nvSpPr>
-          <p:spPr>
-            <a:xfrm>
-              <a:off x="2156926" y="3588394"/>
-              <a:ext cx="1315617" cy="639147"/>
-            </a:xfrm>
-            <a:prstGeom prst="rect">
-              <a:avLst/>
-            </a:prstGeom>
-          </p:spPr>
-          <p:style>
-            <a:lnRef idx="2">
-              <a:schemeClr val="dk1"/>
-            </a:lnRef>
-            <a:fillRef idx="1">
-              <a:schemeClr val="lt1"/>
-            </a:fillRef>
-            <a:effectRef idx="0">
-              <a:schemeClr val="dk1"/>
-            </a:effectRef>
-            <a:fontRef idx="minor">
-              <a:schemeClr val="dk1"/>
-            </a:fontRef>
-          </p:style>
-          <p:txBody>
-            <a:bodyPr rtlCol="0" anchor="ctr"/>
-            <a:lstStyle/>
-            <a:p>
-              <a:pPr algn="ctr"/>
-              <a:r>
-                <a:rPr lang="en-US" sz="1100" dirty="0"/>
-                <a:t>Merge to Development branch</a:t>
-              </a:r>
-            </a:p>
-          </p:txBody>
-        </p:sp>
-        <p:sp>
-          <p:nvSpPr>
-            <p:cNvPr id="26" name="Rectangle 25">
-              <a:extLst>
-                <a:ext uri="{FF2B5EF4-FFF2-40B4-BE49-F238E27FC236}">
-                  <a16:creationId xmlns:a16="http://schemas.microsoft.com/office/drawing/2014/main" id="{86F178BC-C45A-1246-B3D8-702C9AAFDEA2}"/>
-                </a:ext>
-              </a:extLst>
-            </p:cNvPr>
-            <p:cNvSpPr/>
-            <p:nvPr/>
-          </p:nvSpPr>
-          <p:spPr>
-            <a:xfrm>
-              <a:off x="3808443" y="3588393"/>
-              <a:ext cx="1315617" cy="639147"/>
-            </a:xfrm>
-            <a:prstGeom prst="rect">
-              <a:avLst/>
-            </a:prstGeom>
-          </p:spPr>
-          <p:style>
-            <a:lnRef idx="2">
-              <a:schemeClr val="dk1"/>
-            </a:lnRef>
-            <a:fillRef idx="1">
-              <a:schemeClr val="lt1"/>
-            </a:fillRef>
-            <a:effectRef idx="0">
-              <a:schemeClr val="dk1"/>
-            </a:effectRef>
-            <a:fontRef idx="minor">
-              <a:schemeClr val="dk1"/>
-            </a:fontRef>
-          </p:style>
-          <p:txBody>
-            <a:bodyPr rtlCol="0" anchor="ctr"/>
-            <a:lstStyle/>
-            <a:p>
-              <a:pPr algn="ctr"/>
-              <a:r>
-                <a:rPr lang="en-US" sz="1100" dirty="0"/>
-                <a:t>Execute Test Case(s)</a:t>
-              </a:r>
-            </a:p>
-          </p:txBody>
-        </p:sp>
-        <p:sp>
-          <p:nvSpPr>
-            <p:cNvPr id="27" name="Diamond 26">
-              <a:extLst>
-                <a:ext uri="{FF2B5EF4-FFF2-40B4-BE49-F238E27FC236}">
-                  <a16:creationId xmlns:a16="http://schemas.microsoft.com/office/drawing/2014/main" id="{52E7BE16-ED9A-4F46-B89F-0416ACA7E4F3}"/>
-                </a:ext>
-              </a:extLst>
-            </p:cNvPr>
-            <p:cNvSpPr/>
-            <p:nvPr/>
-          </p:nvSpPr>
-          <p:spPr>
-            <a:xfrm>
-              <a:off x="5459960" y="3589517"/>
-              <a:ext cx="1732383" cy="634482"/>
-            </a:xfrm>
-            <a:prstGeom prst="diamond">
-              <a:avLst/>
-            </a:prstGeom>
-          </p:spPr>
-          <p:style>
-            <a:lnRef idx="2">
-              <a:schemeClr val="dk1"/>
-            </a:lnRef>
-            <a:fillRef idx="1">
-              <a:schemeClr val="lt1"/>
-            </a:fillRef>
-            <a:effectRef idx="0">
-              <a:schemeClr val="dk1"/>
-            </a:effectRef>
-            <a:fontRef idx="minor">
-              <a:schemeClr val="dk1"/>
-            </a:fontRef>
-          </p:style>
-          <p:txBody>
-            <a:bodyPr rtlCol="0" anchor="ctr"/>
-            <a:lstStyle/>
-            <a:p>
-              <a:pPr algn="ctr"/>
-              <a:r>
-                <a:rPr lang="en-US" sz="1100" dirty="0"/>
-                <a:t>Test cases pass?</a:t>
-              </a:r>
-            </a:p>
-          </p:txBody>
-        </p:sp>
-        <p:sp>
-          <p:nvSpPr>
-            <p:cNvPr id="28" name="Rectangle 27">
-              <a:extLst>
-                <a:ext uri="{FF2B5EF4-FFF2-40B4-BE49-F238E27FC236}">
-                  <a16:creationId xmlns:a16="http://schemas.microsoft.com/office/drawing/2014/main" id="{E8CF49DF-0150-674D-B176-4AF8639F9BCC}"/>
-                </a:ext>
-              </a:extLst>
-            </p:cNvPr>
-            <p:cNvSpPr/>
-            <p:nvPr/>
-          </p:nvSpPr>
-          <p:spPr>
-            <a:xfrm>
-              <a:off x="5668342" y="4457796"/>
-              <a:ext cx="1315617" cy="639147"/>
-            </a:xfrm>
-            <a:prstGeom prst="rect">
-              <a:avLst/>
-            </a:prstGeom>
-          </p:spPr>
-          <p:style>
-            <a:lnRef idx="2">
-              <a:schemeClr val="dk1"/>
-            </a:lnRef>
-            <a:fillRef idx="1">
-              <a:schemeClr val="lt1"/>
-            </a:fillRef>
-            <a:effectRef idx="0">
-              <a:schemeClr val="dk1"/>
-            </a:effectRef>
-            <a:fontRef idx="minor">
-              <a:schemeClr val="dk1"/>
-            </a:fontRef>
-          </p:style>
-          <p:txBody>
-            <a:bodyPr rtlCol="0" anchor="ctr"/>
-            <a:lstStyle/>
-            <a:p>
-              <a:pPr algn="ctr"/>
-              <a:r>
-                <a:rPr lang="en-US" sz="1100" dirty="0"/>
-                <a:t>Automated check in changes into Master Branch</a:t>
-              </a:r>
-            </a:p>
-          </p:txBody>
-        </p:sp>
-        <p:sp>
-          <p:nvSpPr>
-            <p:cNvPr id="29" name="Rectangle 28">
-              <a:extLst>
-                <a:ext uri="{FF2B5EF4-FFF2-40B4-BE49-F238E27FC236}">
-                  <a16:creationId xmlns:a16="http://schemas.microsoft.com/office/drawing/2014/main" id="{7911B33D-8369-5A48-A1EE-3363C6D700DA}"/>
-                </a:ext>
-              </a:extLst>
-            </p:cNvPr>
-            <p:cNvSpPr/>
-            <p:nvPr/>
-          </p:nvSpPr>
-          <p:spPr>
-            <a:xfrm>
-              <a:off x="5668342" y="5395471"/>
-              <a:ext cx="1315617" cy="639147"/>
-            </a:xfrm>
-            <a:prstGeom prst="rect">
-              <a:avLst/>
-            </a:prstGeom>
-          </p:spPr>
-          <p:style>
-            <a:lnRef idx="2">
-              <a:schemeClr val="dk1"/>
-            </a:lnRef>
-            <a:fillRef idx="1">
-              <a:schemeClr val="lt1"/>
-            </a:fillRef>
-            <a:effectRef idx="0">
-              <a:schemeClr val="dk1"/>
-            </a:effectRef>
-            <a:fontRef idx="minor">
-              <a:schemeClr val="dk1"/>
-            </a:fontRef>
-          </p:style>
-          <p:txBody>
-            <a:bodyPr rtlCol="0" anchor="ctr"/>
-            <a:lstStyle/>
-            <a:p>
-              <a:pPr algn="ctr"/>
-              <a:r>
-                <a:rPr lang="en-US" sz="1100" dirty="0"/>
-                <a:t>Execute Test Case(s)</a:t>
-              </a:r>
-            </a:p>
-          </p:txBody>
-        </p:sp>
-        <p:sp>
-          <p:nvSpPr>
-            <p:cNvPr id="30" name="Diamond 29">
-              <a:extLst>
-                <a:ext uri="{FF2B5EF4-FFF2-40B4-BE49-F238E27FC236}">
-                  <a16:creationId xmlns:a16="http://schemas.microsoft.com/office/drawing/2014/main" id="{D58C1206-DFD6-8443-9EA9-4E00F16C141C}"/>
-                </a:ext>
-              </a:extLst>
-            </p:cNvPr>
-            <p:cNvSpPr/>
-            <p:nvPr/>
-          </p:nvSpPr>
-          <p:spPr>
-            <a:xfrm>
-              <a:off x="3338803" y="6077008"/>
-              <a:ext cx="1732383" cy="634482"/>
-            </a:xfrm>
-            <a:prstGeom prst="diamond">
-              <a:avLst/>
-            </a:prstGeom>
-          </p:spPr>
-          <p:style>
-            <a:lnRef idx="2">
-              <a:schemeClr val="dk1"/>
-            </a:lnRef>
-            <a:fillRef idx="1">
-              <a:schemeClr val="lt1"/>
-            </a:fillRef>
-            <a:effectRef idx="0">
-              <a:schemeClr val="dk1"/>
-            </a:effectRef>
-            <a:fontRef idx="minor">
-              <a:schemeClr val="dk1"/>
-            </a:fontRef>
-          </p:style>
-          <p:txBody>
-            <a:bodyPr rtlCol="0" anchor="ctr"/>
-            <a:lstStyle/>
-            <a:p>
-              <a:pPr algn="ctr"/>
-              <a:r>
-                <a:rPr lang="en-US" sz="1100" dirty="0"/>
-                <a:t>Test cases pass?</a:t>
-              </a:r>
-            </a:p>
-          </p:txBody>
-        </p:sp>
-        <p:sp>
-          <p:nvSpPr>
-            <p:cNvPr id="31" name="Rectangle 30">
-              <a:extLst>
-                <a:ext uri="{FF2B5EF4-FFF2-40B4-BE49-F238E27FC236}">
-                  <a16:creationId xmlns:a16="http://schemas.microsoft.com/office/drawing/2014/main" id="{774BDC19-4CFA-B14B-BDD5-78838102D35C}"/>
-                </a:ext>
-              </a:extLst>
-            </p:cNvPr>
-            <p:cNvSpPr/>
-            <p:nvPr/>
-          </p:nvSpPr>
-          <p:spPr>
-            <a:xfrm>
-              <a:off x="3547185" y="6993540"/>
-              <a:ext cx="1315617" cy="601824"/>
-            </a:xfrm>
-            <a:prstGeom prst="rect">
-              <a:avLst/>
-            </a:prstGeom>
-            <a:solidFill>
-              <a:schemeClr val="tx2">
-                <a:lumMod val="20000"/>
-                <a:lumOff val="80000"/>
-              </a:schemeClr>
-            </a:solidFill>
-          </p:spPr>
-          <p:style>
-            <a:lnRef idx="1">
-              <a:schemeClr val="accent5"/>
-            </a:lnRef>
-            <a:fillRef idx="3">
-              <a:schemeClr val="accent5"/>
-            </a:fillRef>
-            <a:effectRef idx="2">
-              <a:schemeClr val="accent5"/>
-            </a:effectRef>
-            <a:fontRef idx="minor">
-              <a:schemeClr val="lt1"/>
-            </a:fontRef>
-          </p:style>
-          <p:txBody>
-            <a:bodyPr rtlCol="0" anchor="ctr"/>
-            <a:lstStyle/>
-            <a:p>
-              <a:pPr algn="ctr"/>
-              <a:r>
-                <a:rPr lang="en-US" sz="1100" dirty="0">
-                  <a:solidFill>
-                    <a:schemeClr val="tx1"/>
-                  </a:solidFill>
-                </a:rPr>
-                <a:t>Comment and Close Tracking Issue</a:t>
-              </a:r>
-            </a:p>
-          </p:txBody>
-        </p:sp>
-        <p:sp>
-          <p:nvSpPr>
-            <p:cNvPr id="32" name="Rounded Rectangle 31">
-              <a:extLst>
-                <a:ext uri="{FF2B5EF4-FFF2-40B4-BE49-F238E27FC236}">
-                  <a16:creationId xmlns:a16="http://schemas.microsoft.com/office/drawing/2014/main" id="{CDA15E0B-A100-D74F-B1A4-83303CC3E157}"/>
-                </a:ext>
-              </a:extLst>
-            </p:cNvPr>
-            <p:cNvSpPr/>
-            <p:nvPr/>
-          </p:nvSpPr>
-          <p:spPr>
-            <a:xfrm>
-              <a:off x="8223379" y="7112505"/>
-              <a:ext cx="681135" cy="363894"/>
-            </a:xfrm>
-            <a:prstGeom prst="roundRect">
-              <a:avLst/>
-            </a:prstGeom>
-          </p:spPr>
-          <p:style>
-            <a:lnRef idx="2">
-              <a:schemeClr val="dk1"/>
-            </a:lnRef>
-            <a:fillRef idx="1">
-              <a:schemeClr val="lt1"/>
-            </a:fillRef>
-            <a:effectRef idx="0">
-              <a:schemeClr val="dk1"/>
-            </a:effectRef>
-            <a:fontRef idx="minor">
-              <a:schemeClr val="dk1"/>
-            </a:fontRef>
-          </p:style>
-          <p:txBody>
-            <a:bodyPr rtlCol="0" anchor="ctr"/>
-            <a:lstStyle/>
-            <a:p>
-              <a:pPr algn="ctr"/>
-              <a:r>
-                <a:rPr lang="en-US" sz="1100" dirty="0"/>
-                <a:t>End 1</a:t>
-              </a:r>
-              <a:r>
-                <a:rPr lang="en-US" sz="1100" baseline="30000" dirty="0"/>
-                <a:t>st</a:t>
-              </a:r>
-              <a:r>
-                <a:rPr lang="en-US" sz="1100" dirty="0"/>
-                <a:t> Stage</a:t>
-              </a:r>
-            </a:p>
-          </p:txBody>
-        </p:sp>
-        <p:cxnSp>
-          <p:nvCxnSpPr>
-            <p:cNvPr id="34" name="Straight Arrow Connector 33">
-              <a:extLst>
-                <a:ext uri="{FF2B5EF4-FFF2-40B4-BE49-F238E27FC236}">
-                  <a16:creationId xmlns:a16="http://schemas.microsoft.com/office/drawing/2014/main" id="{14BFA5A0-1FC5-4B43-BDA2-A1DEE9DA58C6}"/>
-                </a:ext>
-              </a:extLst>
-            </p:cNvPr>
-            <p:cNvCxnSpPr>
-              <a:stCxn id="10" idx="2"/>
-              <a:endCxn id="32" idx="0"/>
-            </p:cNvCxnSpPr>
-            <p:nvPr/>
-          </p:nvCxnSpPr>
-          <p:spPr>
-            <a:xfrm flipH="1">
-              <a:off x="8563947" y="653142"/>
-              <a:ext cx="1" cy="6459363"/>
-            </a:xfrm>
-            <a:prstGeom prst="straightConnector1">
-              <a:avLst/>
-            </a:prstGeom>
-            <a:ln>
-              <a:tailEnd type="triangle"/>
-            </a:ln>
-          </p:spPr>
-          <p:style>
-            <a:lnRef idx="1">
-              <a:schemeClr val="accent1"/>
-            </a:lnRef>
-            <a:fillRef idx="0">
-              <a:schemeClr val="accent1"/>
-            </a:fillRef>
-            <a:effectRef idx="0">
-              <a:schemeClr val="accent1"/>
-            </a:effectRef>
-            <a:fontRef idx="minor">
-              <a:schemeClr val="tx1"/>
-            </a:fontRef>
-          </p:style>
-        </p:cxnSp>
-        <p:cxnSp>
-          <p:nvCxnSpPr>
-            <p:cNvPr id="35" name="Straight Arrow Connector 34">
-              <a:extLst>
-                <a:ext uri="{FF2B5EF4-FFF2-40B4-BE49-F238E27FC236}">
-                  <a16:creationId xmlns:a16="http://schemas.microsoft.com/office/drawing/2014/main" id="{9DAF8D90-3DE2-DA40-8BEE-953AD5A0B1A8}"/>
-                </a:ext>
-              </a:extLst>
-            </p:cNvPr>
-            <p:cNvCxnSpPr>
-              <a:cxnSpLocks/>
-              <a:stCxn id="8" idx="0"/>
-              <a:endCxn id="10" idx="1"/>
-            </p:cNvCxnSpPr>
-            <p:nvPr/>
-          </p:nvCxnSpPr>
-          <p:spPr>
-            <a:xfrm flipV="1">
-              <a:off x="7629331" y="352230"/>
-              <a:ext cx="276808" cy="1167"/>
-            </a:xfrm>
-            <a:prstGeom prst="straightConnector1">
-              <a:avLst/>
-            </a:prstGeom>
-            <a:ln>
-              <a:tailEnd type="triangle"/>
-            </a:ln>
-          </p:spPr>
-          <p:style>
-            <a:lnRef idx="1">
-              <a:schemeClr val="accent1"/>
-            </a:lnRef>
-            <a:fillRef idx="0">
-              <a:schemeClr val="accent1"/>
-            </a:fillRef>
-            <a:effectRef idx="0">
-              <a:schemeClr val="accent1"/>
-            </a:effectRef>
-            <a:fontRef idx="minor">
-              <a:schemeClr val="tx1"/>
-            </a:fontRef>
-          </p:style>
-        </p:cxnSp>
-        <p:cxnSp>
-          <p:nvCxnSpPr>
-            <p:cNvPr id="38" name="Straight Arrow Connector 37">
-              <a:extLst>
-                <a:ext uri="{FF2B5EF4-FFF2-40B4-BE49-F238E27FC236}">
-                  <a16:creationId xmlns:a16="http://schemas.microsoft.com/office/drawing/2014/main" id="{C76965F8-BFC4-4747-B4DB-8F851729C69F}"/>
-                </a:ext>
-              </a:extLst>
-            </p:cNvPr>
-            <p:cNvCxnSpPr>
-              <a:cxnSpLocks/>
-              <a:stCxn id="9" idx="3"/>
-              <a:endCxn id="8" idx="2"/>
-            </p:cNvCxnSpPr>
-            <p:nvPr/>
-          </p:nvCxnSpPr>
-          <p:spPr>
-            <a:xfrm flipV="1">
-              <a:off x="6036906" y="353397"/>
-              <a:ext cx="276808" cy="1166"/>
-            </a:xfrm>
-            <a:prstGeom prst="straightConnector1">
-              <a:avLst/>
-            </a:prstGeom>
-            <a:ln>
-              <a:tailEnd type="triangle"/>
-            </a:ln>
-          </p:spPr>
-          <p:style>
-            <a:lnRef idx="1">
-              <a:schemeClr val="accent1"/>
-            </a:lnRef>
-            <a:fillRef idx="0">
-              <a:schemeClr val="accent1"/>
-            </a:fillRef>
-            <a:effectRef idx="0">
-              <a:schemeClr val="accent1"/>
-            </a:effectRef>
-            <a:fontRef idx="minor">
-              <a:schemeClr val="tx1"/>
-            </a:fontRef>
-          </p:style>
-        </p:cxnSp>
-        <p:cxnSp>
-          <p:nvCxnSpPr>
-            <p:cNvPr id="41" name="Straight Arrow Connector 40">
-              <a:extLst>
-                <a:ext uri="{FF2B5EF4-FFF2-40B4-BE49-F238E27FC236}">
-                  <a16:creationId xmlns:a16="http://schemas.microsoft.com/office/drawing/2014/main" id="{AEDEC335-F536-C44C-9B2E-4058DBC7DA64}"/>
-                </a:ext>
-              </a:extLst>
-            </p:cNvPr>
-            <p:cNvCxnSpPr>
-              <a:cxnSpLocks/>
-              <a:stCxn id="12" idx="3"/>
-              <a:endCxn id="9" idx="1"/>
-            </p:cNvCxnSpPr>
-            <p:nvPr/>
-          </p:nvCxnSpPr>
-          <p:spPr>
-            <a:xfrm>
-              <a:off x="3996613" y="352231"/>
-              <a:ext cx="307910" cy="2332"/>
-            </a:xfrm>
-            <a:prstGeom prst="straightConnector1">
-              <a:avLst/>
-            </a:prstGeom>
-            <a:ln>
-              <a:tailEnd type="triangle"/>
-            </a:ln>
-          </p:spPr>
-          <p:style>
-            <a:lnRef idx="1">
-              <a:schemeClr val="accent1"/>
-            </a:lnRef>
-            <a:fillRef idx="0">
-              <a:schemeClr val="accent1"/>
-            </a:fillRef>
-            <a:effectRef idx="0">
-              <a:schemeClr val="accent1"/>
-            </a:effectRef>
-            <a:fontRef idx="minor">
-              <a:schemeClr val="tx1"/>
-            </a:fontRef>
-          </p:style>
-        </p:cxnSp>
-        <p:cxnSp>
-          <p:nvCxnSpPr>
-            <p:cNvPr id="44" name="Straight Arrow Connector 43">
-              <a:extLst>
-                <a:ext uri="{FF2B5EF4-FFF2-40B4-BE49-F238E27FC236}">
-                  <a16:creationId xmlns:a16="http://schemas.microsoft.com/office/drawing/2014/main" id="{1F5A149A-94AE-8746-A497-2C44E3CF4846}"/>
-                </a:ext>
-              </a:extLst>
-            </p:cNvPr>
-            <p:cNvCxnSpPr>
-              <a:cxnSpLocks/>
-              <a:stCxn id="11" idx="3"/>
-              <a:endCxn id="12" idx="1"/>
-            </p:cNvCxnSpPr>
-            <p:nvPr/>
-          </p:nvCxnSpPr>
-          <p:spPr>
-            <a:xfrm>
-              <a:off x="2373086" y="352231"/>
-              <a:ext cx="307910" cy="0"/>
-            </a:xfrm>
-            <a:prstGeom prst="straightConnector1">
-              <a:avLst/>
-            </a:prstGeom>
-            <a:ln>
-              <a:tailEnd type="triangle"/>
-            </a:ln>
-          </p:spPr>
-          <p:style>
-            <a:lnRef idx="1">
-              <a:schemeClr val="accent1"/>
-            </a:lnRef>
-            <a:fillRef idx="0">
-              <a:schemeClr val="accent1"/>
-            </a:fillRef>
-            <a:effectRef idx="0">
-              <a:schemeClr val="accent1"/>
-            </a:effectRef>
-            <a:fontRef idx="minor">
-              <a:schemeClr val="tx1"/>
-            </a:fontRef>
-          </p:style>
-        </p:cxnSp>
-        <p:cxnSp>
-          <p:nvCxnSpPr>
-            <p:cNvPr id="47" name="Straight Arrow Connector 46">
-              <a:extLst>
-                <a:ext uri="{FF2B5EF4-FFF2-40B4-BE49-F238E27FC236}">
-                  <a16:creationId xmlns:a16="http://schemas.microsoft.com/office/drawing/2014/main" id="{E8EE296F-26CF-814B-90BD-6DDFF635E1A4}"/>
-                </a:ext>
-              </a:extLst>
-            </p:cNvPr>
-            <p:cNvCxnSpPr>
-              <a:cxnSpLocks/>
-              <a:stCxn id="7" idx="3"/>
-              <a:endCxn id="11" idx="1"/>
-            </p:cNvCxnSpPr>
-            <p:nvPr/>
-          </p:nvCxnSpPr>
-          <p:spPr>
-            <a:xfrm>
-              <a:off x="749557" y="352230"/>
-              <a:ext cx="307912" cy="1"/>
-            </a:xfrm>
-            <a:prstGeom prst="straightConnector1">
-              <a:avLst/>
-            </a:prstGeom>
-            <a:ln>
-              <a:tailEnd type="triangle"/>
-            </a:ln>
-          </p:spPr>
-          <p:style>
-            <a:lnRef idx="1">
-              <a:schemeClr val="accent1"/>
-            </a:lnRef>
-            <a:fillRef idx="0">
-              <a:schemeClr val="accent1"/>
-            </a:fillRef>
-            <a:effectRef idx="0">
-              <a:schemeClr val="accent1"/>
-            </a:effectRef>
-            <a:fontRef idx="minor">
-              <a:schemeClr val="tx1"/>
-            </a:fontRef>
-          </p:style>
-        </p:cxnSp>
-        <p:cxnSp>
-          <p:nvCxnSpPr>
-            <p:cNvPr id="50" name="Straight Arrow Connector 49">
-              <a:extLst>
-                <a:ext uri="{FF2B5EF4-FFF2-40B4-BE49-F238E27FC236}">
-                  <a16:creationId xmlns:a16="http://schemas.microsoft.com/office/drawing/2014/main" id="{59170FC1-B4C9-014C-983D-8E93137E9769}"/>
-                </a:ext>
-              </a:extLst>
-            </p:cNvPr>
-            <p:cNvCxnSpPr>
-              <a:cxnSpLocks/>
-              <a:stCxn id="19" idx="3"/>
-              <a:endCxn id="20" idx="1"/>
-            </p:cNvCxnSpPr>
-            <p:nvPr/>
-          </p:nvCxnSpPr>
-          <p:spPr>
-            <a:xfrm flipV="1">
-              <a:off x="5071187" y="2186471"/>
-              <a:ext cx="430764" cy="2333"/>
-            </a:xfrm>
-            <a:prstGeom prst="straightConnector1">
-              <a:avLst/>
-            </a:prstGeom>
-            <a:ln>
-              <a:tailEnd type="triangle"/>
-            </a:ln>
-          </p:spPr>
-          <p:style>
-            <a:lnRef idx="1">
-              <a:schemeClr val="accent1"/>
-            </a:lnRef>
-            <a:fillRef idx="0">
-              <a:schemeClr val="accent1"/>
-            </a:fillRef>
-            <a:effectRef idx="0">
-              <a:schemeClr val="accent1"/>
-            </a:effectRef>
-            <a:fontRef idx="minor">
-              <a:schemeClr val="tx1"/>
-            </a:fontRef>
-          </p:style>
-        </p:cxnSp>
-        <p:cxnSp>
-          <p:nvCxnSpPr>
-            <p:cNvPr id="53" name="Straight Arrow Connector 52">
-              <a:extLst>
-                <a:ext uri="{FF2B5EF4-FFF2-40B4-BE49-F238E27FC236}">
-                  <a16:creationId xmlns:a16="http://schemas.microsoft.com/office/drawing/2014/main" id="{4AD01ABE-3942-DF4B-9A0A-1CE6511F125D}"/>
-                </a:ext>
-              </a:extLst>
-            </p:cNvPr>
-            <p:cNvCxnSpPr>
-              <a:cxnSpLocks/>
-              <a:stCxn id="18" idx="3"/>
-              <a:endCxn id="19" idx="1"/>
-            </p:cNvCxnSpPr>
-            <p:nvPr/>
-          </p:nvCxnSpPr>
-          <p:spPr>
-            <a:xfrm>
-              <a:off x="3030894" y="2186472"/>
-              <a:ext cx="307910" cy="2332"/>
-            </a:xfrm>
-            <a:prstGeom prst="straightConnector1">
-              <a:avLst/>
-            </a:prstGeom>
-            <a:ln>
-              <a:tailEnd type="triangle"/>
-            </a:ln>
-          </p:spPr>
-          <p:style>
-            <a:lnRef idx="1">
-              <a:schemeClr val="accent1"/>
-            </a:lnRef>
-            <a:fillRef idx="0">
-              <a:schemeClr val="accent1"/>
-            </a:fillRef>
-            <a:effectRef idx="0">
-              <a:schemeClr val="accent1"/>
-            </a:effectRef>
-            <a:fontRef idx="minor">
-              <a:schemeClr val="tx1"/>
-            </a:fontRef>
-          </p:style>
-        </p:cxnSp>
-        <p:cxnSp>
-          <p:nvCxnSpPr>
-            <p:cNvPr id="56" name="Straight Arrow Connector 55">
-              <a:extLst>
-                <a:ext uri="{FF2B5EF4-FFF2-40B4-BE49-F238E27FC236}">
-                  <a16:creationId xmlns:a16="http://schemas.microsoft.com/office/drawing/2014/main" id="{14CC4B1A-4CA2-9E4E-AA24-AADD56829DD0}"/>
-                </a:ext>
-              </a:extLst>
-            </p:cNvPr>
-            <p:cNvCxnSpPr>
-              <a:cxnSpLocks/>
-              <a:stCxn id="15" idx="3"/>
-              <a:endCxn id="18" idx="1"/>
-            </p:cNvCxnSpPr>
-            <p:nvPr/>
-          </p:nvCxnSpPr>
-          <p:spPr>
-            <a:xfrm flipV="1">
-              <a:off x="1407367" y="2186472"/>
-              <a:ext cx="307910" cy="1"/>
-            </a:xfrm>
-            <a:prstGeom prst="straightConnector1">
-              <a:avLst/>
-            </a:prstGeom>
-            <a:ln>
-              <a:tailEnd type="triangle"/>
-            </a:ln>
-          </p:spPr>
-          <p:style>
-            <a:lnRef idx="1">
-              <a:schemeClr val="accent1"/>
-            </a:lnRef>
-            <a:fillRef idx="0">
-              <a:schemeClr val="accent1"/>
-            </a:fillRef>
-            <a:effectRef idx="0">
-              <a:schemeClr val="accent1"/>
-            </a:effectRef>
-            <a:fontRef idx="minor">
-              <a:schemeClr val="tx1"/>
-            </a:fontRef>
-          </p:style>
-        </p:cxnSp>
-        <p:cxnSp>
-          <p:nvCxnSpPr>
-            <p:cNvPr id="59" name="Straight Arrow Connector 58">
-              <a:extLst>
-                <a:ext uri="{FF2B5EF4-FFF2-40B4-BE49-F238E27FC236}">
-                  <a16:creationId xmlns:a16="http://schemas.microsoft.com/office/drawing/2014/main" id="{FEA9915F-98CB-6D4F-B1D8-35B56F8B1C94}"/>
-                </a:ext>
-              </a:extLst>
-            </p:cNvPr>
-            <p:cNvCxnSpPr>
-              <a:cxnSpLocks/>
-              <a:stCxn id="9" idx="2"/>
-              <a:endCxn id="17" idx="0"/>
-            </p:cNvCxnSpPr>
-            <p:nvPr/>
-          </p:nvCxnSpPr>
-          <p:spPr>
-            <a:xfrm flipH="1">
-              <a:off x="5170714" y="671804"/>
-              <a:ext cx="1" cy="223158"/>
-            </a:xfrm>
-            <a:prstGeom prst="straightConnector1">
-              <a:avLst/>
-            </a:prstGeom>
-            <a:ln>
-              <a:tailEnd type="triangle"/>
-            </a:ln>
-          </p:spPr>
-          <p:style>
-            <a:lnRef idx="1">
-              <a:schemeClr val="accent1"/>
-            </a:lnRef>
-            <a:fillRef idx="0">
-              <a:schemeClr val="accent1"/>
-            </a:fillRef>
-            <a:effectRef idx="0">
-              <a:schemeClr val="accent1"/>
-            </a:effectRef>
-            <a:fontRef idx="minor">
-              <a:schemeClr val="tx1"/>
-            </a:fontRef>
-          </p:style>
-        </p:cxnSp>
-        <p:cxnSp>
-          <p:nvCxnSpPr>
-            <p:cNvPr id="63" name="Straight Arrow Connector 62">
-              <a:extLst>
-                <a:ext uri="{FF2B5EF4-FFF2-40B4-BE49-F238E27FC236}">
-                  <a16:creationId xmlns:a16="http://schemas.microsoft.com/office/drawing/2014/main" id="{49555FA2-FC29-EC4D-AE4D-4D9302BA3EFD}"/>
-                </a:ext>
-              </a:extLst>
-            </p:cNvPr>
-            <p:cNvCxnSpPr>
-              <a:cxnSpLocks/>
-              <a:stCxn id="17" idx="1"/>
-              <a:endCxn id="16" idx="0"/>
-            </p:cNvCxnSpPr>
-            <p:nvPr/>
-          </p:nvCxnSpPr>
-          <p:spPr>
-            <a:xfrm flipH="1">
-              <a:off x="3994278" y="1212203"/>
-              <a:ext cx="310244" cy="775"/>
-            </a:xfrm>
-            <a:prstGeom prst="straightConnector1">
-              <a:avLst/>
-            </a:prstGeom>
-            <a:ln>
-              <a:tailEnd type="triangle"/>
-            </a:ln>
-          </p:spPr>
-          <p:style>
-            <a:lnRef idx="1">
-              <a:schemeClr val="accent1"/>
-            </a:lnRef>
-            <a:fillRef idx="0">
-              <a:schemeClr val="accent1"/>
-            </a:fillRef>
-            <a:effectRef idx="0">
-              <a:schemeClr val="accent1"/>
-            </a:effectRef>
-            <a:fontRef idx="minor">
-              <a:schemeClr val="tx1"/>
-            </a:fontRef>
-          </p:style>
-        </p:cxnSp>
-        <p:cxnSp>
-          <p:nvCxnSpPr>
-            <p:cNvPr id="66" name="Straight Arrow Connector 65">
-              <a:extLst>
-                <a:ext uri="{FF2B5EF4-FFF2-40B4-BE49-F238E27FC236}">
-                  <a16:creationId xmlns:a16="http://schemas.microsoft.com/office/drawing/2014/main" id="{523DB6B7-5180-8B46-9A4C-717B4EC68A9C}"/>
-                </a:ext>
-              </a:extLst>
-            </p:cNvPr>
-            <p:cNvCxnSpPr>
-              <a:cxnSpLocks/>
-              <a:stCxn id="20" idx="2"/>
-              <a:endCxn id="21" idx="0"/>
-            </p:cNvCxnSpPr>
-            <p:nvPr/>
-          </p:nvCxnSpPr>
-          <p:spPr>
-            <a:xfrm flipH="1">
-              <a:off x="6159759" y="2487383"/>
-              <a:ext cx="1" cy="209161"/>
-            </a:xfrm>
-            <a:prstGeom prst="straightConnector1">
-              <a:avLst/>
-            </a:prstGeom>
-            <a:ln>
-              <a:tailEnd type="triangle"/>
-            </a:ln>
-          </p:spPr>
-          <p:style>
-            <a:lnRef idx="1">
-              <a:schemeClr val="accent1"/>
-            </a:lnRef>
-            <a:fillRef idx="0">
-              <a:schemeClr val="accent1"/>
-            </a:fillRef>
-            <a:effectRef idx="0">
-              <a:schemeClr val="accent1"/>
-            </a:effectRef>
-            <a:fontRef idx="minor">
-              <a:schemeClr val="tx1"/>
-            </a:fontRef>
-          </p:style>
-        </p:cxnSp>
-        <p:cxnSp>
-          <p:nvCxnSpPr>
-            <p:cNvPr id="69" name="Straight Arrow Connector 68">
-              <a:extLst>
-                <a:ext uri="{FF2B5EF4-FFF2-40B4-BE49-F238E27FC236}">
-                  <a16:creationId xmlns:a16="http://schemas.microsoft.com/office/drawing/2014/main" id="{DA9AE9CC-3D2B-684D-A897-27C262CFA507}"/>
-                </a:ext>
-              </a:extLst>
-            </p:cNvPr>
-            <p:cNvCxnSpPr>
-              <a:cxnSpLocks/>
-              <a:stCxn id="27" idx="2"/>
-              <a:endCxn id="28" idx="0"/>
-            </p:cNvCxnSpPr>
-            <p:nvPr/>
-          </p:nvCxnSpPr>
-          <p:spPr>
-            <a:xfrm flipH="1">
-              <a:off x="6326151" y="4223999"/>
-              <a:ext cx="1" cy="233797"/>
-            </a:xfrm>
-            <a:prstGeom prst="straightConnector1">
-              <a:avLst/>
-            </a:prstGeom>
-            <a:ln>
-              <a:tailEnd type="triangle"/>
-            </a:ln>
-          </p:spPr>
-          <p:style>
-            <a:lnRef idx="1">
-              <a:schemeClr val="accent1"/>
-            </a:lnRef>
-            <a:fillRef idx="0">
-              <a:schemeClr val="accent1"/>
-            </a:fillRef>
-            <a:effectRef idx="0">
-              <a:schemeClr val="accent1"/>
-            </a:effectRef>
-            <a:fontRef idx="minor">
-              <a:schemeClr val="tx1"/>
-            </a:fontRef>
-          </p:style>
-        </p:cxnSp>
-        <p:cxnSp>
-          <p:nvCxnSpPr>
-            <p:cNvPr id="72" name="Straight Arrow Connector 71">
-              <a:extLst>
-                <a:ext uri="{FF2B5EF4-FFF2-40B4-BE49-F238E27FC236}">
-                  <a16:creationId xmlns:a16="http://schemas.microsoft.com/office/drawing/2014/main" id="{7EC654C6-F9FA-4944-A412-7AD075812A44}"/>
-                </a:ext>
-              </a:extLst>
-            </p:cNvPr>
-            <p:cNvCxnSpPr>
-              <a:cxnSpLocks/>
-              <a:stCxn id="28" idx="2"/>
-              <a:endCxn id="29" idx="0"/>
-            </p:cNvCxnSpPr>
-            <p:nvPr/>
-          </p:nvCxnSpPr>
-          <p:spPr>
-            <a:xfrm>
-              <a:off x="6326151" y="5096943"/>
-              <a:ext cx="0" cy="298528"/>
-            </a:xfrm>
-            <a:prstGeom prst="straightConnector1">
-              <a:avLst/>
-            </a:prstGeom>
-            <a:ln>
-              <a:tailEnd type="triangle"/>
-            </a:ln>
-          </p:spPr>
-          <p:style>
-            <a:lnRef idx="1">
-              <a:schemeClr val="accent1"/>
-            </a:lnRef>
-            <a:fillRef idx="0">
-              <a:schemeClr val="accent1"/>
-            </a:fillRef>
-            <a:effectRef idx="0">
-              <a:schemeClr val="accent1"/>
-            </a:effectRef>
-            <a:fontRef idx="minor">
-              <a:schemeClr val="tx1"/>
-            </a:fontRef>
-          </p:style>
-        </p:cxnSp>
-        <p:cxnSp>
-          <p:nvCxnSpPr>
-            <p:cNvPr id="75" name="Straight Arrow Connector 74">
-              <a:extLst>
-                <a:ext uri="{FF2B5EF4-FFF2-40B4-BE49-F238E27FC236}">
-                  <a16:creationId xmlns:a16="http://schemas.microsoft.com/office/drawing/2014/main" id="{2A92C733-FCD2-E949-AE00-20BC5D8B8608}"/>
-                </a:ext>
-              </a:extLst>
-            </p:cNvPr>
-            <p:cNvCxnSpPr>
-              <a:cxnSpLocks/>
-              <a:stCxn id="30" idx="2"/>
-              <a:endCxn id="31" idx="0"/>
-            </p:cNvCxnSpPr>
-            <p:nvPr/>
-          </p:nvCxnSpPr>
-          <p:spPr>
-            <a:xfrm flipH="1">
-              <a:off x="4204994" y="6711490"/>
-              <a:ext cx="1" cy="282050"/>
-            </a:xfrm>
-            <a:prstGeom prst="straightConnector1">
-              <a:avLst/>
-            </a:prstGeom>
-            <a:ln>
-              <a:tailEnd type="triangle"/>
-            </a:ln>
-          </p:spPr>
-          <p:style>
-            <a:lnRef idx="1">
-              <a:schemeClr val="accent1"/>
-            </a:lnRef>
-            <a:fillRef idx="0">
-              <a:schemeClr val="accent1"/>
-            </a:fillRef>
-            <a:effectRef idx="0">
-              <a:schemeClr val="accent1"/>
-            </a:effectRef>
-            <a:fontRef idx="minor">
-              <a:schemeClr val="tx1"/>
-            </a:fontRef>
-          </p:style>
-        </p:cxnSp>
-        <p:sp>
-          <p:nvSpPr>
-            <p:cNvPr id="78" name="TextBox 77">
-              <a:extLst>
-                <a:ext uri="{FF2B5EF4-FFF2-40B4-BE49-F238E27FC236}">
-                  <a16:creationId xmlns:a16="http://schemas.microsoft.com/office/drawing/2014/main" id="{2A46517F-71FA-034F-9B5D-A74E54758F30}"/>
-                </a:ext>
-              </a:extLst>
-            </p:cNvPr>
-            <p:cNvSpPr txBox="1"/>
-            <p:nvPr/>
-          </p:nvSpPr>
-          <p:spPr>
-            <a:xfrm>
-              <a:off x="5938165" y="107130"/>
-              <a:ext cx="391880" cy="261610"/>
-            </a:xfrm>
-            <a:prstGeom prst="rect">
-              <a:avLst/>
-            </a:prstGeom>
-            <a:noFill/>
-          </p:spPr>
-          <p:txBody>
-            <a:bodyPr wrap="square" rtlCol="0">
-              <a:spAutoFit/>
-            </a:bodyPr>
-            <a:lstStyle/>
-            <a:p>
-              <a:pPr algn="ctr"/>
-              <a:r>
-                <a:rPr lang="en-US" sz="1100" dirty="0"/>
-                <a:t>No</a:t>
-              </a:r>
-            </a:p>
-          </p:txBody>
-        </p:sp>
-        <p:grpSp>
-          <p:nvGrpSpPr>
-            <p:cNvPr id="101" name="Group 100">
-              <a:extLst>
-                <a:ext uri="{FF2B5EF4-FFF2-40B4-BE49-F238E27FC236}">
-                  <a16:creationId xmlns:a16="http://schemas.microsoft.com/office/drawing/2014/main" id="{E70F5E8E-0C98-A04F-9FD8-50C3C37CD43C}"/>
-                </a:ext>
-              </a:extLst>
-            </p:cNvPr>
-            <p:cNvGrpSpPr/>
-            <p:nvPr/>
-          </p:nvGrpSpPr>
-          <p:grpSpPr>
-            <a:xfrm>
-              <a:off x="749556" y="1529444"/>
-              <a:ext cx="4421158" cy="320349"/>
-              <a:chOff x="749556" y="1529444"/>
-              <a:chExt cx="4421158" cy="320349"/>
-            </a:xfrm>
-          </p:grpSpPr>
-          <p:cxnSp>
-            <p:nvCxnSpPr>
-              <p:cNvPr id="89" name="Straight Connector 88">
-                <a:extLst>
-                  <a:ext uri="{FF2B5EF4-FFF2-40B4-BE49-F238E27FC236}">
-                    <a16:creationId xmlns:a16="http://schemas.microsoft.com/office/drawing/2014/main" id="{4BD8B7BA-9779-C544-A643-D0880A171BAD}"/>
-                  </a:ext>
-                </a:extLst>
-              </p:cNvPr>
-              <p:cNvCxnSpPr>
-                <a:cxnSpLocks/>
-                <a:stCxn id="17" idx="2"/>
-              </p:cNvCxnSpPr>
-              <p:nvPr/>
-            </p:nvCxnSpPr>
-            <p:spPr>
-              <a:xfrm>
-                <a:off x="5170714" y="1529444"/>
-                <a:ext cx="0" cy="146180"/>
-              </a:xfrm>
-              <a:prstGeom prst="line">
-                <a:avLst/>
-              </a:prstGeom>
-            </p:spPr>
-            <p:style>
-              <a:lnRef idx="1">
-                <a:schemeClr val="accent1"/>
-              </a:lnRef>
-              <a:fillRef idx="0">
-                <a:schemeClr val="accent1"/>
-              </a:fillRef>
-              <a:effectRef idx="0">
-                <a:schemeClr val="accent1"/>
-              </a:effectRef>
-              <a:fontRef idx="minor">
-                <a:schemeClr val="tx1"/>
-              </a:fontRef>
-            </p:style>
-          </p:cxnSp>
-          <p:cxnSp>
-            <p:nvCxnSpPr>
-              <p:cNvPr id="90" name="Straight Connector 89">
-                <a:extLst>
-                  <a:ext uri="{FF2B5EF4-FFF2-40B4-BE49-F238E27FC236}">
-                    <a16:creationId xmlns:a16="http://schemas.microsoft.com/office/drawing/2014/main" id="{8464BDB6-2A40-9E46-903D-B6E97486DC99}"/>
-                  </a:ext>
-                </a:extLst>
-              </p:cNvPr>
-              <p:cNvCxnSpPr>
-                <a:cxnSpLocks/>
-              </p:cNvCxnSpPr>
-              <p:nvPr/>
-            </p:nvCxnSpPr>
-            <p:spPr>
-              <a:xfrm flipH="1">
-                <a:off x="749557" y="1675624"/>
-                <a:ext cx="4421157" cy="0"/>
-              </a:xfrm>
-              <a:prstGeom prst="line">
-                <a:avLst/>
-              </a:prstGeom>
-            </p:spPr>
-            <p:style>
-              <a:lnRef idx="1">
-                <a:schemeClr val="accent1"/>
-              </a:lnRef>
-              <a:fillRef idx="0">
-                <a:schemeClr val="accent1"/>
-              </a:fillRef>
-              <a:effectRef idx="0">
-                <a:schemeClr val="accent1"/>
-              </a:effectRef>
-              <a:fontRef idx="minor">
-                <a:schemeClr val="tx1"/>
-              </a:fontRef>
-            </p:style>
-          </p:cxnSp>
-          <p:cxnSp>
-            <p:nvCxnSpPr>
-              <p:cNvPr id="98" name="Straight Arrow Connector 97">
-                <a:extLst>
-                  <a:ext uri="{FF2B5EF4-FFF2-40B4-BE49-F238E27FC236}">
-                    <a16:creationId xmlns:a16="http://schemas.microsoft.com/office/drawing/2014/main" id="{4B339B4D-E673-4444-9350-EECE4B56396E}"/>
-                  </a:ext>
-                </a:extLst>
-              </p:cNvPr>
-              <p:cNvCxnSpPr>
-                <a:cxnSpLocks/>
-                <a:endCxn id="15" idx="0"/>
-              </p:cNvCxnSpPr>
-              <p:nvPr/>
-            </p:nvCxnSpPr>
-            <p:spPr>
-              <a:xfrm>
-                <a:off x="749556" y="1675624"/>
-                <a:ext cx="3" cy="174169"/>
-              </a:xfrm>
-              <a:prstGeom prst="straightConnector1">
-                <a:avLst/>
-              </a:prstGeom>
-              <a:ln>
-                <a:tailEnd type="triangle"/>
-              </a:ln>
-            </p:spPr>
-            <p:style>
-              <a:lnRef idx="1">
-                <a:schemeClr val="accent1"/>
-              </a:lnRef>
-              <a:fillRef idx="0">
-                <a:schemeClr val="accent1"/>
-              </a:fillRef>
-              <a:effectRef idx="0">
-                <a:schemeClr val="accent1"/>
-              </a:effectRef>
-              <a:fontRef idx="minor">
-                <a:schemeClr val="tx1"/>
-              </a:fontRef>
-            </p:style>
-          </p:cxnSp>
-        </p:grpSp>
-        <p:grpSp>
-          <p:nvGrpSpPr>
-            <p:cNvPr id="108" name="Group 107">
-              <a:extLst>
-                <a:ext uri="{FF2B5EF4-FFF2-40B4-BE49-F238E27FC236}">
-                  <a16:creationId xmlns:a16="http://schemas.microsoft.com/office/drawing/2014/main" id="{E913ED43-DBD2-E942-9D1A-5107233C7704}"/>
-                </a:ext>
-              </a:extLst>
-            </p:cNvPr>
-            <p:cNvGrpSpPr/>
-            <p:nvPr/>
-          </p:nvGrpSpPr>
-          <p:grpSpPr>
-            <a:xfrm>
-              <a:off x="749556" y="1212978"/>
-              <a:ext cx="1929105" cy="462646"/>
-              <a:chOff x="749556" y="1212978"/>
-              <a:chExt cx="1929105" cy="462646"/>
-            </a:xfrm>
-          </p:grpSpPr>
-          <p:cxnSp>
-            <p:nvCxnSpPr>
-              <p:cNvPr id="102" name="Straight Connector 101">
-                <a:extLst>
-                  <a:ext uri="{FF2B5EF4-FFF2-40B4-BE49-F238E27FC236}">
-                    <a16:creationId xmlns:a16="http://schemas.microsoft.com/office/drawing/2014/main" id="{340D2010-22D8-654C-9975-5A32D4D3DA71}"/>
-                  </a:ext>
-                </a:extLst>
-              </p:cNvPr>
-              <p:cNvCxnSpPr>
-                <a:cxnSpLocks/>
-                <a:stCxn id="16" idx="2"/>
-              </p:cNvCxnSpPr>
-              <p:nvPr/>
-            </p:nvCxnSpPr>
-            <p:spPr>
-              <a:xfrm flipH="1">
-                <a:off x="749556" y="1212978"/>
-                <a:ext cx="1929105" cy="9722"/>
-              </a:xfrm>
-              <a:prstGeom prst="line">
-                <a:avLst/>
-              </a:prstGeom>
-            </p:spPr>
-            <p:style>
-              <a:lnRef idx="1">
-                <a:schemeClr val="accent1"/>
-              </a:lnRef>
-              <a:fillRef idx="0">
-                <a:schemeClr val="accent1"/>
-              </a:fillRef>
-              <a:effectRef idx="0">
-                <a:schemeClr val="accent1"/>
-              </a:effectRef>
-              <a:fontRef idx="minor">
-                <a:schemeClr val="tx1"/>
-              </a:fontRef>
-            </p:style>
-          </p:cxnSp>
-          <p:cxnSp>
-            <p:nvCxnSpPr>
-              <p:cNvPr id="105" name="Straight Connector 104">
-                <a:extLst>
-                  <a:ext uri="{FF2B5EF4-FFF2-40B4-BE49-F238E27FC236}">
-                    <a16:creationId xmlns:a16="http://schemas.microsoft.com/office/drawing/2014/main" id="{BF9AFCB6-797B-5143-92CD-D009D85F54A9}"/>
-                  </a:ext>
-                </a:extLst>
-              </p:cNvPr>
-              <p:cNvCxnSpPr>
-                <a:cxnSpLocks/>
-              </p:cNvCxnSpPr>
-              <p:nvPr/>
-            </p:nvCxnSpPr>
-            <p:spPr>
-              <a:xfrm>
-                <a:off x="749556" y="1222700"/>
-                <a:ext cx="0" cy="452924"/>
-              </a:xfrm>
-              <a:prstGeom prst="line">
-                <a:avLst/>
-              </a:prstGeom>
-            </p:spPr>
-            <p:style>
-              <a:lnRef idx="1">
-                <a:schemeClr val="accent1"/>
-              </a:lnRef>
-              <a:fillRef idx="0">
-                <a:schemeClr val="accent1"/>
-              </a:fillRef>
-              <a:effectRef idx="0">
-                <a:schemeClr val="accent1"/>
-              </a:effectRef>
-              <a:fontRef idx="minor">
-                <a:schemeClr val="tx1"/>
-              </a:fontRef>
-            </p:style>
-          </p:cxnSp>
-        </p:grpSp>
-        <p:sp>
-          <p:nvSpPr>
-            <p:cNvPr id="110" name="TextBox 109">
-              <a:extLst>
-                <a:ext uri="{FF2B5EF4-FFF2-40B4-BE49-F238E27FC236}">
-                  <a16:creationId xmlns:a16="http://schemas.microsoft.com/office/drawing/2014/main" id="{1473E5DF-73F7-744F-8FE7-3C9CE7326794}"/>
-                </a:ext>
-              </a:extLst>
-            </p:cNvPr>
-            <p:cNvSpPr txBox="1"/>
-            <p:nvPr/>
-          </p:nvSpPr>
-          <p:spPr>
-            <a:xfrm>
-              <a:off x="3845424" y="982939"/>
-              <a:ext cx="643809" cy="261610"/>
-            </a:xfrm>
-            <a:prstGeom prst="rect">
-              <a:avLst/>
-            </a:prstGeom>
-            <a:noFill/>
-          </p:spPr>
-          <p:txBody>
-            <a:bodyPr wrap="square" rtlCol="0">
-              <a:spAutoFit/>
-            </a:bodyPr>
-            <a:lstStyle/>
-            <a:p>
-              <a:pPr algn="ctr"/>
-              <a:r>
-                <a:rPr lang="en-US" sz="1100" dirty="0"/>
-                <a:t>Yes</a:t>
-              </a:r>
-            </a:p>
-          </p:txBody>
-        </p:sp>
-        <p:sp>
-          <p:nvSpPr>
-            <p:cNvPr id="112" name="TextBox 111">
-              <a:extLst>
-                <a:ext uri="{FF2B5EF4-FFF2-40B4-BE49-F238E27FC236}">
-                  <a16:creationId xmlns:a16="http://schemas.microsoft.com/office/drawing/2014/main" id="{6032B0F2-4A57-1C4D-85D3-9E1D34EE24ED}"/>
-                </a:ext>
-              </a:extLst>
-            </p:cNvPr>
-            <p:cNvSpPr txBox="1"/>
-            <p:nvPr/>
-          </p:nvSpPr>
-          <p:spPr>
-            <a:xfrm>
-              <a:off x="4961863" y="1953154"/>
-              <a:ext cx="561341" cy="266286"/>
-            </a:xfrm>
-            <a:prstGeom prst="rect">
-              <a:avLst/>
-            </a:prstGeom>
-            <a:noFill/>
-          </p:spPr>
-          <p:txBody>
-            <a:bodyPr wrap="square" rtlCol="0">
-              <a:spAutoFit/>
-            </a:bodyPr>
-            <a:lstStyle/>
-            <a:p>
-              <a:pPr algn="ctr"/>
-              <a:r>
-                <a:rPr lang="en-US" sz="1100" dirty="0"/>
-                <a:t>Yes</a:t>
-              </a:r>
-            </a:p>
-          </p:txBody>
-        </p:sp>
-        <p:cxnSp>
-          <p:nvCxnSpPr>
-            <p:cNvPr id="113" name="Straight Connector 112">
-              <a:extLst>
-                <a:ext uri="{FF2B5EF4-FFF2-40B4-BE49-F238E27FC236}">
-                  <a16:creationId xmlns:a16="http://schemas.microsoft.com/office/drawing/2014/main" id="{C15F6A7F-D973-F14E-92D2-1DA1B25B6DC9}"/>
-                </a:ext>
-              </a:extLst>
-            </p:cNvPr>
-            <p:cNvCxnSpPr>
-              <a:cxnSpLocks/>
-              <a:stCxn id="19" idx="2"/>
-            </p:cNvCxnSpPr>
-            <p:nvPr/>
-          </p:nvCxnSpPr>
-          <p:spPr>
-            <a:xfrm flipH="1">
-              <a:off x="4204994" y="2506045"/>
-              <a:ext cx="2" cy="141442"/>
-            </a:xfrm>
-            <a:prstGeom prst="line">
-              <a:avLst/>
-            </a:prstGeom>
-          </p:spPr>
-          <p:style>
-            <a:lnRef idx="1">
-              <a:schemeClr val="accent1"/>
-            </a:lnRef>
-            <a:fillRef idx="0">
-              <a:schemeClr val="accent1"/>
-            </a:fillRef>
-            <a:effectRef idx="0">
-              <a:schemeClr val="accent1"/>
-            </a:effectRef>
-            <a:fontRef idx="minor">
-              <a:schemeClr val="tx1"/>
-            </a:fontRef>
-          </p:style>
-        </p:cxnSp>
-        <p:cxnSp>
-          <p:nvCxnSpPr>
-            <p:cNvPr id="114" name="Straight Connector 113">
-              <a:extLst>
-                <a:ext uri="{FF2B5EF4-FFF2-40B4-BE49-F238E27FC236}">
-                  <a16:creationId xmlns:a16="http://schemas.microsoft.com/office/drawing/2014/main" id="{37E3B6C6-A975-B645-AA9D-C4A4F0D25EED}"/>
-                </a:ext>
-              </a:extLst>
-            </p:cNvPr>
-            <p:cNvCxnSpPr>
-              <a:cxnSpLocks/>
-            </p:cNvCxnSpPr>
-            <p:nvPr/>
-          </p:nvCxnSpPr>
-          <p:spPr>
-            <a:xfrm flipH="1">
-              <a:off x="749556" y="2647487"/>
-              <a:ext cx="3455438" cy="0"/>
-            </a:xfrm>
-            <a:prstGeom prst="line">
-              <a:avLst/>
-            </a:prstGeom>
-          </p:spPr>
-          <p:style>
-            <a:lnRef idx="1">
-              <a:schemeClr val="accent1"/>
-            </a:lnRef>
-            <a:fillRef idx="0">
-              <a:schemeClr val="accent1"/>
-            </a:fillRef>
-            <a:effectRef idx="0">
-              <a:schemeClr val="accent1"/>
-            </a:effectRef>
-            <a:fontRef idx="minor">
-              <a:schemeClr val="tx1"/>
-            </a:fontRef>
-          </p:style>
-        </p:cxnSp>
-        <p:cxnSp>
-          <p:nvCxnSpPr>
-            <p:cNvPr id="119" name="Straight Arrow Connector 118">
-              <a:extLst>
-                <a:ext uri="{FF2B5EF4-FFF2-40B4-BE49-F238E27FC236}">
-                  <a16:creationId xmlns:a16="http://schemas.microsoft.com/office/drawing/2014/main" id="{2C81C1C4-28F1-1945-B57B-DA3711EA5C7A}"/>
-                </a:ext>
-              </a:extLst>
-            </p:cNvPr>
-            <p:cNvCxnSpPr>
-              <a:cxnSpLocks/>
-              <a:endCxn id="15" idx="2"/>
-            </p:cNvCxnSpPr>
-            <p:nvPr/>
-          </p:nvCxnSpPr>
-          <p:spPr>
-            <a:xfrm flipV="1">
-              <a:off x="749556" y="2523152"/>
-              <a:ext cx="3" cy="124335"/>
-            </a:xfrm>
-            <a:prstGeom prst="straightConnector1">
-              <a:avLst/>
-            </a:prstGeom>
-            <a:ln>
-              <a:tailEnd type="triangle"/>
-            </a:ln>
-          </p:spPr>
-          <p:style>
-            <a:lnRef idx="1">
-              <a:schemeClr val="accent1"/>
-            </a:lnRef>
-            <a:fillRef idx="0">
-              <a:schemeClr val="accent1"/>
-            </a:fillRef>
-            <a:effectRef idx="0">
-              <a:schemeClr val="accent1"/>
-            </a:effectRef>
-            <a:fontRef idx="minor">
-              <a:schemeClr val="tx1"/>
-            </a:fontRef>
-          </p:style>
-        </p:cxnSp>
-        <p:cxnSp>
-          <p:nvCxnSpPr>
-            <p:cNvPr id="124" name="Straight Connector 123">
-              <a:extLst>
-                <a:ext uri="{FF2B5EF4-FFF2-40B4-BE49-F238E27FC236}">
-                  <a16:creationId xmlns:a16="http://schemas.microsoft.com/office/drawing/2014/main" id="{53E19FF6-1E15-2B4C-8D7B-4114834EC507}"/>
-                </a:ext>
-              </a:extLst>
-            </p:cNvPr>
-            <p:cNvCxnSpPr>
-              <a:cxnSpLocks/>
-              <a:stCxn id="21" idx="1"/>
-            </p:cNvCxnSpPr>
-            <p:nvPr/>
-          </p:nvCxnSpPr>
-          <p:spPr>
-            <a:xfrm flipH="1">
-              <a:off x="749556" y="3013785"/>
-              <a:ext cx="4544011" cy="0"/>
-            </a:xfrm>
-            <a:prstGeom prst="line">
-              <a:avLst/>
-            </a:prstGeom>
-          </p:spPr>
-          <p:style>
-            <a:lnRef idx="1">
-              <a:schemeClr val="accent1"/>
-            </a:lnRef>
-            <a:fillRef idx="0">
-              <a:schemeClr val="accent1"/>
-            </a:fillRef>
-            <a:effectRef idx="0">
-              <a:schemeClr val="accent1"/>
-            </a:effectRef>
-            <a:fontRef idx="minor">
-              <a:schemeClr val="tx1"/>
-            </a:fontRef>
-          </p:style>
-        </p:cxnSp>
-        <p:cxnSp>
-          <p:nvCxnSpPr>
-            <p:cNvPr id="127" name="Straight Connector 126">
-              <a:extLst>
-                <a:ext uri="{FF2B5EF4-FFF2-40B4-BE49-F238E27FC236}">
-                  <a16:creationId xmlns:a16="http://schemas.microsoft.com/office/drawing/2014/main" id="{B588222F-E3E6-0F41-A51E-E13D2B413AFA}"/>
-                </a:ext>
-              </a:extLst>
-            </p:cNvPr>
-            <p:cNvCxnSpPr>
-              <a:cxnSpLocks/>
-            </p:cNvCxnSpPr>
-            <p:nvPr/>
-          </p:nvCxnSpPr>
-          <p:spPr>
-            <a:xfrm>
-              <a:off x="749556" y="2645767"/>
-              <a:ext cx="0" cy="368018"/>
-            </a:xfrm>
-            <a:prstGeom prst="line">
-              <a:avLst/>
-            </a:prstGeom>
-          </p:spPr>
-          <p:style>
-            <a:lnRef idx="1">
-              <a:schemeClr val="accent1"/>
-            </a:lnRef>
-            <a:fillRef idx="0">
-              <a:schemeClr val="accent1"/>
-            </a:fillRef>
-            <a:effectRef idx="0">
-              <a:schemeClr val="accent1"/>
-            </a:effectRef>
-            <a:fontRef idx="minor">
-              <a:schemeClr val="tx1"/>
-            </a:fontRef>
-          </p:style>
-        </p:cxnSp>
-        <p:sp>
-          <p:nvSpPr>
-            <p:cNvPr id="131" name="TextBox 130">
-              <a:extLst>
-                <a:ext uri="{FF2B5EF4-FFF2-40B4-BE49-F238E27FC236}">
-                  <a16:creationId xmlns:a16="http://schemas.microsoft.com/office/drawing/2014/main" id="{EC5DC30D-4613-3D4B-BC48-70CEA99A29A3}"/>
-                </a:ext>
-              </a:extLst>
-            </p:cNvPr>
-            <p:cNvSpPr txBox="1"/>
-            <p:nvPr/>
-          </p:nvSpPr>
-          <p:spPr>
-            <a:xfrm>
-              <a:off x="4935900" y="2797946"/>
-              <a:ext cx="391880" cy="261610"/>
-            </a:xfrm>
-            <a:prstGeom prst="rect">
-              <a:avLst/>
-            </a:prstGeom>
-            <a:noFill/>
-          </p:spPr>
-          <p:txBody>
-            <a:bodyPr wrap="square" rtlCol="0">
-              <a:spAutoFit/>
-            </a:bodyPr>
-            <a:lstStyle/>
-            <a:p>
-              <a:pPr algn="ctr"/>
-              <a:r>
-                <a:rPr lang="en-US" sz="1100" dirty="0"/>
-                <a:t>No</a:t>
-              </a:r>
-            </a:p>
-          </p:txBody>
-        </p:sp>
-        <p:sp>
-          <p:nvSpPr>
-            <p:cNvPr id="132" name="TextBox 131">
-              <a:extLst>
-                <a:ext uri="{FF2B5EF4-FFF2-40B4-BE49-F238E27FC236}">
-                  <a16:creationId xmlns:a16="http://schemas.microsoft.com/office/drawing/2014/main" id="{67BF373B-2215-5340-8A16-845A853FD184}"/>
-                </a:ext>
-              </a:extLst>
-            </p:cNvPr>
-            <p:cNvSpPr txBox="1"/>
-            <p:nvPr/>
-          </p:nvSpPr>
-          <p:spPr>
-            <a:xfrm>
-              <a:off x="3738468" y="2424106"/>
-              <a:ext cx="391880" cy="261610"/>
-            </a:xfrm>
-            <a:prstGeom prst="rect">
-              <a:avLst/>
-            </a:prstGeom>
-            <a:noFill/>
-          </p:spPr>
-          <p:txBody>
-            <a:bodyPr wrap="square" rtlCol="0">
-              <a:spAutoFit/>
-            </a:bodyPr>
-            <a:lstStyle/>
-            <a:p>
-              <a:pPr algn="ctr"/>
-              <a:r>
-                <a:rPr lang="en-US" sz="1100" dirty="0"/>
-                <a:t>No</a:t>
-              </a:r>
-            </a:p>
-          </p:txBody>
-        </p:sp>
-        <p:grpSp>
-          <p:nvGrpSpPr>
-            <p:cNvPr id="145" name="Group 144">
-              <a:extLst>
-                <a:ext uri="{FF2B5EF4-FFF2-40B4-BE49-F238E27FC236}">
-                  <a16:creationId xmlns:a16="http://schemas.microsoft.com/office/drawing/2014/main" id="{E487D32E-C574-F948-8270-CC83847C2C6A}"/>
-                </a:ext>
-              </a:extLst>
-            </p:cNvPr>
-            <p:cNvGrpSpPr/>
-            <p:nvPr/>
-          </p:nvGrpSpPr>
-          <p:grpSpPr>
-            <a:xfrm>
-              <a:off x="865029" y="3331026"/>
-              <a:ext cx="5294734" cy="210305"/>
-              <a:chOff x="865029" y="3307581"/>
-              <a:chExt cx="5294734" cy="210305"/>
-            </a:xfrm>
-          </p:grpSpPr>
-          <p:cxnSp>
-            <p:nvCxnSpPr>
-              <p:cNvPr id="133" name="Straight Connector 132">
-                <a:extLst>
-                  <a:ext uri="{FF2B5EF4-FFF2-40B4-BE49-F238E27FC236}">
-                    <a16:creationId xmlns:a16="http://schemas.microsoft.com/office/drawing/2014/main" id="{DF2407FF-A953-9646-9E21-4A13AF0F4B6A}"/>
-                  </a:ext>
-                </a:extLst>
-              </p:cNvPr>
-              <p:cNvCxnSpPr>
-                <a:cxnSpLocks/>
-                <a:stCxn id="21" idx="2"/>
-              </p:cNvCxnSpPr>
-              <p:nvPr/>
-            </p:nvCxnSpPr>
-            <p:spPr>
-              <a:xfrm>
-                <a:off x="6159759" y="3307581"/>
-                <a:ext cx="0" cy="106951"/>
-              </a:xfrm>
-              <a:prstGeom prst="line">
-                <a:avLst/>
-              </a:prstGeom>
-            </p:spPr>
-            <p:style>
-              <a:lnRef idx="1">
-                <a:schemeClr val="accent1"/>
-              </a:lnRef>
-              <a:fillRef idx="0">
-                <a:schemeClr val="accent1"/>
-              </a:fillRef>
-              <a:effectRef idx="0">
-                <a:schemeClr val="accent1"/>
-              </a:effectRef>
-              <a:fontRef idx="minor">
-                <a:schemeClr val="tx1"/>
-              </a:fontRef>
-            </p:style>
-          </p:cxnSp>
-          <p:cxnSp>
-            <p:nvCxnSpPr>
-              <p:cNvPr id="138" name="Straight Connector 137">
-                <a:extLst>
-                  <a:ext uri="{FF2B5EF4-FFF2-40B4-BE49-F238E27FC236}">
-                    <a16:creationId xmlns:a16="http://schemas.microsoft.com/office/drawing/2014/main" id="{3FB26BCA-CAEB-7E49-A61C-111BDBCBA6FE}"/>
-                  </a:ext>
-                </a:extLst>
-              </p:cNvPr>
-              <p:cNvCxnSpPr>
-                <a:cxnSpLocks/>
-              </p:cNvCxnSpPr>
-              <p:nvPr/>
-            </p:nvCxnSpPr>
-            <p:spPr>
-              <a:xfrm flipH="1">
-                <a:off x="865029" y="3414949"/>
-                <a:ext cx="5294734" cy="0"/>
-              </a:xfrm>
-              <a:prstGeom prst="line">
-                <a:avLst/>
-              </a:prstGeom>
-            </p:spPr>
-            <p:style>
-              <a:lnRef idx="1">
-                <a:schemeClr val="accent1"/>
-              </a:lnRef>
-              <a:fillRef idx="0">
-                <a:schemeClr val="accent1"/>
-              </a:fillRef>
-              <a:effectRef idx="0">
-                <a:schemeClr val="accent1"/>
-              </a:effectRef>
-              <a:fontRef idx="minor">
-                <a:schemeClr val="tx1"/>
-              </a:fontRef>
-            </p:style>
-          </p:cxnSp>
-          <p:cxnSp>
-            <p:nvCxnSpPr>
-              <p:cNvPr id="143" name="Straight Arrow Connector 142">
-                <a:extLst>
-                  <a:ext uri="{FF2B5EF4-FFF2-40B4-BE49-F238E27FC236}">
-                    <a16:creationId xmlns:a16="http://schemas.microsoft.com/office/drawing/2014/main" id="{0E80AE61-7846-EB41-96FC-5DCA416B6C1E}"/>
-                  </a:ext>
-                </a:extLst>
-              </p:cNvPr>
-              <p:cNvCxnSpPr>
-                <a:cxnSpLocks/>
-                <a:endCxn id="22" idx="0"/>
-              </p:cNvCxnSpPr>
-              <p:nvPr/>
-            </p:nvCxnSpPr>
-            <p:spPr>
-              <a:xfrm>
-                <a:off x="866778" y="3414532"/>
-                <a:ext cx="0" cy="103354"/>
-              </a:xfrm>
-              <a:prstGeom prst="straightConnector1">
-                <a:avLst/>
-              </a:prstGeom>
-              <a:ln>
-                <a:tailEnd type="triangle"/>
-              </a:ln>
-            </p:spPr>
-            <p:style>
-              <a:lnRef idx="1">
-                <a:schemeClr val="accent1"/>
-              </a:lnRef>
-              <a:fillRef idx="0">
-                <a:schemeClr val="accent1"/>
-              </a:fillRef>
-              <a:effectRef idx="0">
-                <a:schemeClr val="accent1"/>
-              </a:effectRef>
-              <a:fontRef idx="minor">
-                <a:schemeClr val="tx1"/>
-              </a:fontRef>
-            </p:style>
-          </p:cxnSp>
-        </p:grpSp>
-        <p:grpSp>
-          <p:nvGrpSpPr>
-            <p:cNvPr id="167" name="Group 166">
-              <a:extLst>
-                <a:ext uri="{FF2B5EF4-FFF2-40B4-BE49-F238E27FC236}">
-                  <a16:creationId xmlns:a16="http://schemas.microsoft.com/office/drawing/2014/main" id="{F209882E-8259-A64D-8102-BBD092F44AE6}"/>
-                </a:ext>
-              </a:extLst>
-            </p:cNvPr>
-            <p:cNvGrpSpPr/>
-            <p:nvPr/>
-          </p:nvGrpSpPr>
-          <p:grpSpPr>
-            <a:xfrm>
-              <a:off x="749553" y="3359638"/>
-              <a:ext cx="5578349" cy="229879"/>
-              <a:chOff x="749553" y="3359638"/>
-              <a:chExt cx="5578349" cy="229879"/>
-            </a:xfrm>
-          </p:grpSpPr>
-          <p:cxnSp>
-            <p:nvCxnSpPr>
-              <p:cNvPr id="146" name="Straight Connector 145">
-                <a:extLst>
-                  <a:ext uri="{FF2B5EF4-FFF2-40B4-BE49-F238E27FC236}">
-                    <a16:creationId xmlns:a16="http://schemas.microsoft.com/office/drawing/2014/main" id="{2472BE78-0DF6-7547-B15E-C50B8D62E315}"/>
-                  </a:ext>
-                </a:extLst>
-              </p:cNvPr>
-              <p:cNvCxnSpPr>
-                <a:cxnSpLocks/>
-                <a:stCxn id="27" idx="0"/>
-              </p:cNvCxnSpPr>
-              <p:nvPr/>
-            </p:nvCxnSpPr>
-            <p:spPr>
-              <a:xfrm flipV="1">
-                <a:off x="6326152" y="3391972"/>
-                <a:ext cx="0" cy="197545"/>
-              </a:xfrm>
-              <a:prstGeom prst="line">
-                <a:avLst/>
-              </a:prstGeom>
-            </p:spPr>
-            <p:style>
-              <a:lnRef idx="1">
-                <a:schemeClr val="accent1"/>
-              </a:lnRef>
-              <a:fillRef idx="0">
-                <a:schemeClr val="accent1"/>
-              </a:fillRef>
-              <a:effectRef idx="0">
-                <a:schemeClr val="accent1"/>
-              </a:effectRef>
-              <a:fontRef idx="minor">
-                <a:schemeClr val="tx1"/>
-              </a:fontRef>
-            </p:style>
-          </p:cxnSp>
-          <p:cxnSp>
-            <p:nvCxnSpPr>
-              <p:cNvPr id="149" name="Straight Connector 148">
-                <a:extLst>
-                  <a:ext uri="{FF2B5EF4-FFF2-40B4-BE49-F238E27FC236}">
-                    <a16:creationId xmlns:a16="http://schemas.microsoft.com/office/drawing/2014/main" id="{6246E5D5-3B9C-224E-98D6-E98ED16B8C13}"/>
-                  </a:ext>
-                </a:extLst>
-              </p:cNvPr>
-              <p:cNvCxnSpPr>
-                <a:cxnSpLocks/>
-              </p:cNvCxnSpPr>
-              <p:nvPr/>
-            </p:nvCxnSpPr>
-            <p:spPr>
-              <a:xfrm flipH="1">
-                <a:off x="6189496" y="3385522"/>
-                <a:ext cx="138406" cy="0"/>
-              </a:xfrm>
-              <a:prstGeom prst="line">
-                <a:avLst/>
-              </a:prstGeom>
-            </p:spPr>
-            <p:style>
-              <a:lnRef idx="1">
-                <a:schemeClr val="accent1"/>
-              </a:lnRef>
-              <a:fillRef idx="0">
-                <a:schemeClr val="accent1"/>
-              </a:fillRef>
-              <a:effectRef idx="0">
-                <a:schemeClr val="accent1"/>
-              </a:effectRef>
-              <a:fontRef idx="minor">
-                <a:schemeClr val="tx1"/>
-              </a:fontRef>
-            </p:style>
-          </p:cxnSp>
-          <p:grpSp>
-            <p:nvGrpSpPr>
-              <p:cNvPr id="162" name="Group 161">
-                <a:extLst>
-                  <a:ext uri="{FF2B5EF4-FFF2-40B4-BE49-F238E27FC236}">
-                    <a16:creationId xmlns:a16="http://schemas.microsoft.com/office/drawing/2014/main" id="{51402C51-B3AB-CB4E-A681-BC992E677C38}"/>
-                  </a:ext>
-                </a:extLst>
-              </p:cNvPr>
-              <p:cNvGrpSpPr/>
-              <p:nvPr/>
-            </p:nvGrpSpPr>
-            <p:grpSpPr>
-              <a:xfrm>
-                <a:off x="6129461" y="3359638"/>
-                <a:ext cx="60593" cy="26281"/>
-                <a:chOff x="6857797" y="3503369"/>
-                <a:chExt cx="60593" cy="26281"/>
-              </a:xfrm>
-            </p:grpSpPr>
-            <p:cxnSp>
-              <p:nvCxnSpPr>
-                <p:cNvPr id="163" name="Straight Connector 162">
-                  <a:extLst>
-                    <a:ext uri="{FF2B5EF4-FFF2-40B4-BE49-F238E27FC236}">
-                      <a16:creationId xmlns:a16="http://schemas.microsoft.com/office/drawing/2014/main" id="{3BBC80CC-E277-B44B-83C9-1E75B7C0DF21}"/>
-                    </a:ext>
-                  </a:extLst>
-                </p:cNvPr>
-                <p:cNvCxnSpPr>
-                  <a:cxnSpLocks/>
-                </p:cNvCxnSpPr>
-                <p:nvPr/>
-              </p:nvCxnSpPr>
-              <p:spPr>
-                <a:xfrm flipV="1">
-                  <a:off x="6918390" y="3505584"/>
-                  <a:ext cx="0" cy="24066"/>
-                </a:xfrm>
-                <a:prstGeom prst="line">
-                  <a:avLst/>
-                </a:prstGeom>
-              </p:spPr>
-              <p:style>
-                <a:lnRef idx="1">
-                  <a:schemeClr val="accent1"/>
-                </a:lnRef>
-                <a:fillRef idx="0">
-                  <a:schemeClr val="accent1"/>
-                </a:fillRef>
-                <a:effectRef idx="0">
-                  <a:schemeClr val="accent1"/>
-                </a:effectRef>
-                <a:fontRef idx="minor">
+            <a:off x="1666987" y="3523834"/>
+            <a:ext cx="0" cy="368018"/>
+          </a:xfrm>
+          <a:prstGeom prst="line">
+            <a:avLst/>
+          </a:prstGeom>
+        </p:spPr>
+        <p:style>
+          <a:lnRef idx="1">
+            <a:schemeClr val="accent1"/>
+          </a:lnRef>
+          <a:fillRef idx="0">
+            <a:schemeClr val="accent1"/>
+          </a:fillRef>
+          <a:effectRef idx="0">
+            <a:schemeClr val="accent1"/>
+          </a:effectRef>
+          <a:fontRef idx="minor">
+            <a:schemeClr val="tx1"/>
+          </a:fontRef>
+        </p:style>
+      </p:cxnSp>
+      <p:cxnSp>
+        <p:nvCxnSpPr>
+          <p:cNvPr id="179" name="Straight Arrow Connector 178">
+            <a:extLst>
+              <a:ext uri="{FF2B5EF4-FFF2-40B4-BE49-F238E27FC236}">
+                <a16:creationId xmlns:a16="http://schemas.microsoft.com/office/drawing/2014/main" id="{8616C7AB-029B-1642-9A97-175A54B4B991}"/>
+              </a:ext>
+            </a:extLst>
+          </p:cNvPr>
+          <p:cNvCxnSpPr>
+            <a:cxnSpLocks/>
+            <a:endCxn id="25" idx="1"/>
+          </p:cNvCxnSpPr>
+          <p:nvPr/>
+        </p:nvCxnSpPr>
+        <p:spPr>
+          <a:xfrm>
+            <a:off x="2648921" y="4407112"/>
+            <a:ext cx="422405" cy="4300"/>
+          </a:xfrm>
+          <a:prstGeom prst="straightConnector1">
+            <a:avLst/>
+          </a:prstGeom>
+          <a:ln>
+            <a:tailEnd type="triangle"/>
+          </a:ln>
+        </p:spPr>
+        <p:style>
+          <a:lnRef idx="1">
+            <a:schemeClr val="accent1"/>
+          </a:lnRef>
+          <a:fillRef idx="0">
+            <a:schemeClr val="accent1"/>
+          </a:fillRef>
+          <a:effectRef idx="0">
+            <a:schemeClr val="accent1"/>
+          </a:effectRef>
+          <a:fontRef idx="minor">
+            <a:schemeClr val="tx1"/>
+          </a:fontRef>
+        </p:style>
+      </p:cxnSp>
+      <p:sp>
+        <p:nvSpPr>
+          <p:cNvPr id="181" name="TextBox 180">
+            <a:extLst>
+              <a:ext uri="{FF2B5EF4-FFF2-40B4-BE49-F238E27FC236}">
+                <a16:creationId xmlns:a16="http://schemas.microsoft.com/office/drawing/2014/main" id="{E4D839BF-D7C4-D54B-8667-2C42F7ACC109}"/>
+              </a:ext>
+            </a:extLst>
+          </p:cNvPr>
+          <p:cNvSpPr txBox="1"/>
+          <p:nvPr/>
+        </p:nvSpPr>
+        <p:spPr>
+          <a:xfrm>
+            <a:off x="2648102" y="4177774"/>
+            <a:ext cx="391880" cy="261610"/>
+          </a:xfrm>
+          <a:prstGeom prst="rect">
+            <a:avLst/>
+          </a:prstGeom>
+          <a:noFill/>
+        </p:spPr>
+        <p:txBody>
+          <a:bodyPr wrap="square" rtlCol="0">
+            <a:spAutoFit/>
+          </a:bodyPr>
+          <a:lstStyle/>
+          <a:p>
+            <a:pPr algn="ctr"/>
+            <a:r>
+              <a:rPr lang="en-US" sz="1100" dirty="0"/>
+              <a:t>No</a:t>
+            </a:r>
+          </a:p>
+        </p:txBody>
+      </p:sp>
+      <p:sp>
+        <p:nvSpPr>
+          <p:cNvPr id="182" name="TextBox 181">
+            <a:extLst>
+              <a:ext uri="{FF2B5EF4-FFF2-40B4-BE49-F238E27FC236}">
+                <a16:creationId xmlns:a16="http://schemas.microsoft.com/office/drawing/2014/main" id="{2738B588-2324-6E48-B2DF-82A15C2148B1}"/>
+              </a:ext>
+            </a:extLst>
+          </p:cNvPr>
+          <p:cNvSpPr txBox="1"/>
+          <p:nvPr/>
+        </p:nvSpPr>
+        <p:spPr>
+          <a:xfrm>
+            <a:off x="7253026" y="3882083"/>
+            <a:ext cx="391880" cy="261610"/>
+          </a:xfrm>
+          <a:prstGeom prst="rect">
+            <a:avLst/>
+          </a:prstGeom>
+          <a:noFill/>
+        </p:spPr>
+        <p:txBody>
+          <a:bodyPr wrap="square" rtlCol="0">
+            <a:spAutoFit/>
+          </a:bodyPr>
+          <a:lstStyle/>
+          <a:p>
+            <a:pPr algn="ctr"/>
+            <a:r>
+              <a:rPr lang="en-US" sz="1100" dirty="0"/>
+              <a:t>No</a:t>
+            </a:r>
+          </a:p>
+        </p:txBody>
+      </p:sp>
+      <p:sp>
+        <p:nvSpPr>
+          <p:cNvPr id="183" name="TextBox 182">
+            <a:extLst>
+              <a:ext uri="{FF2B5EF4-FFF2-40B4-BE49-F238E27FC236}">
+                <a16:creationId xmlns:a16="http://schemas.microsoft.com/office/drawing/2014/main" id="{7E642D5C-90B4-E045-8869-4B5F21B109B4}"/>
+              </a:ext>
+            </a:extLst>
+          </p:cNvPr>
+          <p:cNvSpPr txBox="1"/>
+          <p:nvPr/>
+        </p:nvSpPr>
+        <p:spPr>
+          <a:xfrm>
+            <a:off x="7122711" y="4673232"/>
+            <a:ext cx="640181" cy="261610"/>
+          </a:xfrm>
+          <a:prstGeom prst="rect">
+            <a:avLst/>
+          </a:prstGeom>
+          <a:noFill/>
+        </p:spPr>
+        <p:txBody>
+          <a:bodyPr wrap="square" rtlCol="0">
+            <a:spAutoFit/>
+          </a:bodyPr>
+          <a:lstStyle/>
+          <a:p>
+            <a:pPr algn="ctr"/>
+            <a:r>
+              <a:rPr lang="en-US" sz="1100" dirty="0"/>
+              <a:t>Yes</a:t>
+            </a:r>
+          </a:p>
+        </p:txBody>
+      </p:sp>
+      <p:sp>
+        <p:nvSpPr>
+          <p:cNvPr id="184" name="TextBox 183">
+            <a:extLst>
+              <a:ext uri="{FF2B5EF4-FFF2-40B4-BE49-F238E27FC236}">
+                <a16:creationId xmlns:a16="http://schemas.microsoft.com/office/drawing/2014/main" id="{802C7624-1BAE-5844-B887-A320D2B65BE4}"/>
+              </a:ext>
+            </a:extLst>
+          </p:cNvPr>
+          <p:cNvSpPr txBox="1"/>
+          <p:nvPr/>
+        </p:nvSpPr>
+        <p:spPr>
+          <a:xfrm>
+            <a:off x="4996196" y="7208817"/>
+            <a:ext cx="574872" cy="271838"/>
+          </a:xfrm>
+          <a:prstGeom prst="rect">
+            <a:avLst/>
+          </a:prstGeom>
+          <a:noFill/>
+        </p:spPr>
+        <p:txBody>
+          <a:bodyPr wrap="square" rtlCol="0">
+            <a:spAutoFit/>
+          </a:bodyPr>
+          <a:lstStyle/>
+          <a:p>
+            <a:pPr algn="ctr"/>
+            <a:r>
+              <a:rPr lang="en-US" sz="1100" dirty="0"/>
+              <a:t>Yes</a:t>
+            </a:r>
+          </a:p>
+        </p:txBody>
+      </p:sp>
+      <p:sp>
+        <p:nvSpPr>
+          <p:cNvPr id="185" name="TextBox 184">
+            <a:extLst>
+              <a:ext uri="{FF2B5EF4-FFF2-40B4-BE49-F238E27FC236}">
+                <a16:creationId xmlns:a16="http://schemas.microsoft.com/office/drawing/2014/main" id="{1A309EDB-037D-F746-914F-BC5D0F47C8D6}"/>
+              </a:ext>
+            </a:extLst>
+          </p:cNvPr>
+          <p:cNvSpPr txBox="1"/>
+          <p:nvPr/>
+        </p:nvSpPr>
+        <p:spPr>
+          <a:xfrm>
+            <a:off x="3886979" y="6652926"/>
+            <a:ext cx="391880" cy="261610"/>
+          </a:xfrm>
+          <a:prstGeom prst="rect">
+            <a:avLst/>
+          </a:prstGeom>
+          <a:noFill/>
+        </p:spPr>
+        <p:txBody>
+          <a:bodyPr wrap="square" rtlCol="0">
+            <a:spAutoFit/>
+          </a:bodyPr>
+          <a:lstStyle/>
+          <a:p>
+            <a:pPr algn="ctr"/>
+            <a:r>
+              <a:rPr lang="en-US" sz="1100" dirty="0"/>
+              <a:t>No</a:t>
+            </a:r>
+          </a:p>
+        </p:txBody>
+      </p:sp>
+      <p:cxnSp>
+        <p:nvCxnSpPr>
+          <p:cNvPr id="186" name="Straight Arrow Connector 185">
+            <a:extLst>
+              <a:ext uri="{FF2B5EF4-FFF2-40B4-BE49-F238E27FC236}">
+                <a16:creationId xmlns:a16="http://schemas.microsoft.com/office/drawing/2014/main" id="{D011F83D-883E-C64C-90A0-65E46811B089}"/>
+              </a:ext>
+            </a:extLst>
+          </p:cNvPr>
+          <p:cNvCxnSpPr>
+            <a:cxnSpLocks/>
+            <a:stCxn id="22" idx="2"/>
+          </p:cNvCxnSpPr>
+          <p:nvPr/>
+        </p:nvCxnSpPr>
+        <p:spPr>
+          <a:xfrm flipH="1">
+            <a:off x="1779429" y="4769449"/>
+            <a:ext cx="1749" cy="190569"/>
+          </a:xfrm>
+          <a:prstGeom prst="straightConnector1">
+            <a:avLst/>
+          </a:prstGeom>
+          <a:ln>
+            <a:tailEnd type="triangle"/>
+          </a:ln>
+        </p:spPr>
+        <p:style>
+          <a:lnRef idx="1">
+            <a:schemeClr val="accent1"/>
+          </a:lnRef>
+          <a:fillRef idx="0">
+            <a:schemeClr val="accent1"/>
+          </a:fillRef>
+          <a:effectRef idx="0">
+            <a:schemeClr val="accent1"/>
+          </a:effectRef>
+          <a:fontRef idx="minor">
+            <a:schemeClr val="tx1"/>
+          </a:fontRef>
+        </p:style>
+      </p:cxnSp>
+      <p:sp>
+        <p:nvSpPr>
+          <p:cNvPr id="191" name="Rectangle 190">
+            <a:extLst>
+              <a:ext uri="{FF2B5EF4-FFF2-40B4-BE49-F238E27FC236}">
+                <a16:creationId xmlns:a16="http://schemas.microsoft.com/office/drawing/2014/main" id="{F3B2D4D8-56A5-E74D-9A8D-D24DFF401F4C}"/>
+              </a:ext>
+            </a:extLst>
+          </p:cNvPr>
+          <p:cNvSpPr/>
+          <p:nvPr/>
+        </p:nvSpPr>
+        <p:spPr>
+          <a:xfrm>
+            <a:off x="1121620" y="4973160"/>
+            <a:ext cx="1315617" cy="601824"/>
+          </a:xfrm>
+          <a:prstGeom prst="rect">
+            <a:avLst/>
+          </a:prstGeom>
+          <a:solidFill>
+            <a:schemeClr val="tx2">
+              <a:lumMod val="20000"/>
+              <a:lumOff val="80000"/>
+            </a:schemeClr>
+          </a:solidFill>
+        </p:spPr>
+        <p:style>
+          <a:lnRef idx="1">
+            <a:schemeClr val="accent5"/>
+          </a:lnRef>
+          <a:fillRef idx="3">
+            <a:schemeClr val="accent5"/>
+          </a:fillRef>
+          <a:effectRef idx="2">
+            <a:schemeClr val="accent5"/>
+          </a:effectRef>
+          <a:fontRef idx="minor">
+            <a:schemeClr val="lt1"/>
+          </a:fontRef>
+        </p:style>
+        <p:txBody>
+          <a:bodyPr rtlCol="0" anchor="ctr"/>
+          <a:lstStyle/>
+          <a:p>
+            <a:pPr algn="ctr"/>
+            <a:r>
+              <a:rPr lang="en-US" sz="1100" dirty="0">
+                <a:solidFill>
                   <a:schemeClr val="tx1"/>
-                </a:fontRef>
-              </p:style>
-            </p:cxnSp>
-            <p:cxnSp>
-              <p:nvCxnSpPr>
-                <p:cNvPr id="164" name="Straight Connector 163">
-                  <a:extLst>
-                    <a:ext uri="{FF2B5EF4-FFF2-40B4-BE49-F238E27FC236}">
-                      <a16:creationId xmlns:a16="http://schemas.microsoft.com/office/drawing/2014/main" id="{2D4CECB0-D882-3C40-A79C-7BDFB3C49F3B}"/>
-                    </a:ext>
-                  </a:extLst>
-                </p:cNvPr>
-                <p:cNvCxnSpPr>
-                  <a:cxnSpLocks/>
-                </p:cNvCxnSpPr>
-                <p:nvPr/>
-              </p:nvCxnSpPr>
-              <p:spPr>
-                <a:xfrm flipV="1">
-                  <a:off x="6857797" y="3503369"/>
-                  <a:ext cx="0" cy="26281"/>
-                </a:xfrm>
-                <a:prstGeom prst="line">
-                  <a:avLst/>
-                </a:prstGeom>
-              </p:spPr>
-              <p:style>
-                <a:lnRef idx="1">
-                  <a:schemeClr val="accent1"/>
-                </a:lnRef>
-                <a:fillRef idx="0">
-                  <a:schemeClr val="accent1"/>
-                </a:fillRef>
-                <a:effectRef idx="0">
-                  <a:schemeClr val="accent1"/>
-                </a:effectRef>
-                <a:fontRef idx="minor">
+                </a:solidFill>
+              </a:rPr>
+              <a:t>Label issue with associated requirement</a:t>
+            </a:r>
+          </a:p>
+        </p:txBody>
+      </p:sp>
+      <p:sp>
+        <p:nvSpPr>
+          <p:cNvPr id="192" name="Rectangle 191">
+            <a:extLst>
+              <a:ext uri="{FF2B5EF4-FFF2-40B4-BE49-F238E27FC236}">
+                <a16:creationId xmlns:a16="http://schemas.microsoft.com/office/drawing/2014/main" id="{F952E77F-8810-054D-A062-EF20FD139EF8}"/>
+              </a:ext>
+            </a:extLst>
+          </p:cNvPr>
+          <p:cNvSpPr/>
+          <p:nvPr/>
+        </p:nvSpPr>
+        <p:spPr>
+          <a:xfrm>
+            <a:off x="1122318" y="5794011"/>
+            <a:ext cx="1315617" cy="636100"/>
+          </a:xfrm>
+          <a:prstGeom prst="rect">
+            <a:avLst/>
+          </a:prstGeom>
+          <a:solidFill>
+            <a:schemeClr val="tx2">
+              <a:lumMod val="20000"/>
+              <a:lumOff val="80000"/>
+            </a:schemeClr>
+          </a:solidFill>
+        </p:spPr>
+        <p:style>
+          <a:lnRef idx="1">
+            <a:schemeClr val="accent5"/>
+          </a:lnRef>
+          <a:fillRef idx="3">
+            <a:schemeClr val="accent5"/>
+          </a:fillRef>
+          <a:effectRef idx="2">
+            <a:schemeClr val="accent5"/>
+          </a:effectRef>
+          <a:fontRef idx="minor">
+            <a:schemeClr val="lt1"/>
+          </a:fontRef>
+        </p:style>
+        <p:txBody>
+          <a:bodyPr rtlCol="0" anchor="ctr"/>
+          <a:lstStyle/>
+          <a:p>
+            <a:pPr algn="ctr"/>
+            <a:r>
+              <a:rPr lang="en-US" sz="1100" dirty="0">
+                <a:solidFill>
                   <a:schemeClr val="tx1"/>
-                </a:fontRef>
-              </p:style>
-            </p:cxnSp>
-            <p:cxnSp>
-              <p:nvCxnSpPr>
-                <p:cNvPr id="165" name="Straight Connector 164">
-                  <a:extLst>
-                    <a:ext uri="{FF2B5EF4-FFF2-40B4-BE49-F238E27FC236}">
-                      <a16:creationId xmlns:a16="http://schemas.microsoft.com/office/drawing/2014/main" id="{F551A818-82B3-B44A-961E-176C68E993A5}"/>
-                    </a:ext>
-                  </a:extLst>
-                </p:cNvPr>
-                <p:cNvCxnSpPr>
-                  <a:cxnSpLocks/>
-                </p:cNvCxnSpPr>
-                <p:nvPr/>
-              </p:nvCxnSpPr>
-              <p:spPr>
-                <a:xfrm flipH="1">
-                  <a:off x="6857798" y="3505583"/>
-                  <a:ext cx="60592" cy="1"/>
-                </a:xfrm>
-                <a:prstGeom prst="line">
-                  <a:avLst/>
-                </a:prstGeom>
-              </p:spPr>
-              <p:style>
-                <a:lnRef idx="1">
-                  <a:schemeClr val="accent1"/>
-                </a:lnRef>
-                <a:fillRef idx="0">
-                  <a:schemeClr val="accent1"/>
-                </a:fillRef>
-                <a:effectRef idx="0">
-                  <a:schemeClr val="accent1"/>
-                </a:effectRef>
-                <a:fontRef idx="minor">
+                </a:solidFill>
+              </a:rPr>
+              <a:t>Update Test Case requirement as needed and review requirement list</a:t>
+            </a:r>
+          </a:p>
+        </p:txBody>
+      </p:sp>
+      <p:cxnSp>
+        <p:nvCxnSpPr>
+          <p:cNvPr id="193" name="Straight Arrow Connector 192">
+            <a:extLst>
+              <a:ext uri="{FF2B5EF4-FFF2-40B4-BE49-F238E27FC236}">
+                <a16:creationId xmlns:a16="http://schemas.microsoft.com/office/drawing/2014/main" id="{F2BCCF00-9D4E-054C-8238-F4888C04DC65}"/>
+              </a:ext>
+            </a:extLst>
+          </p:cNvPr>
+          <p:cNvCxnSpPr>
+            <a:cxnSpLocks/>
+            <a:stCxn id="191" idx="2"/>
+            <a:endCxn id="192" idx="0"/>
+          </p:cNvCxnSpPr>
+          <p:nvPr/>
+        </p:nvCxnSpPr>
+        <p:spPr>
+          <a:xfrm>
+            <a:off x="1779429" y="5574984"/>
+            <a:ext cx="698" cy="219027"/>
+          </a:xfrm>
+          <a:prstGeom prst="straightConnector1">
+            <a:avLst/>
+          </a:prstGeom>
+          <a:ln>
+            <a:tailEnd type="triangle"/>
+          </a:ln>
+        </p:spPr>
+        <p:style>
+          <a:lnRef idx="1">
+            <a:schemeClr val="accent1"/>
+          </a:lnRef>
+          <a:fillRef idx="0">
+            <a:schemeClr val="accent1"/>
+          </a:fillRef>
+          <a:effectRef idx="0">
+            <a:schemeClr val="accent1"/>
+          </a:effectRef>
+          <a:fontRef idx="minor">
+            <a:schemeClr val="tx1"/>
+          </a:fontRef>
+        </p:style>
+      </p:cxnSp>
+      <p:cxnSp>
+        <p:nvCxnSpPr>
+          <p:cNvPr id="197" name="Straight Connector 196">
+            <a:extLst>
+              <a:ext uri="{FF2B5EF4-FFF2-40B4-BE49-F238E27FC236}">
+                <a16:creationId xmlns:a16="http://schemas.microsoft.com/office/drawing/2014/main" id="{21A2F354-0E7E-3147-B5C0-C33C5A7C3E13}"/>
+              </a:ext>
+            </a:extLst>
+          </p:cNvPr>
+          <p:cNvCxnSpPr>
+            <a:cxnSpLocks/>
+            <a:endCxn id="192" idx="3"/>
+          </p:cNvCxnSpPr>
+          <p:nvPr/>
+        </p:nvCxnSpPr>
+        <p:spPr>
+          <a:xfrm flipH="1">
+            <a:off x="2437935" y="6112061"/>
+            <a:ext cx="1291200" cy="0"/>
+          </a:xfrm>
+          <a:prstGeom prst="line">
+            <a:avLst/>
+          </a:prstGeom>
+        </p:spPr>
+        <p:style>
+          <a:lnRef idx="1">
+            <a:schemeClr val="accent1"/>
+          </a:lnRef>
+          <a:fillRef idx="0">
+            <a:schemeClr val="accent1"/>
+          </a:fillRef>
+          <a:effectRef idx="0">
+            <a:schemeClr val="accent1"/>
+          </a:effectRef>
+          <a:fontRef idx="minor">
+            <a:schemeClr val="tx1"/>
+          </a:fontRef>
+        </p:style>
+      </p:cxnSp>
+      <p:cxnSp>
+        <p:nvCxnSpPr>
+          <p:cNvPr id="200" name="Straight Arrow Connector 199">
+            <a:extLst>
+              <a:ext uri="{FF2B5EF4-FFF2-40B4-BE49-F238E27FC236}">
+                <a16:creationId xmlns:a16="http://schemas.microsoft.com/office/drawing/2014/main" id="{E616D648-6681-AC43-9A32-D745934E92F4}"/>
+              </a:ext>
+            </a:extLst>
+          </p:cNvPr>
+          <p:cNvCxnSpPr>
+            <a:cxnSpLocks/>
+            <a:endCxn id="25" idx="2"/>
+          </p:cNvCxnSpPr>
+          <p:nvPr/>
+        </p:nvCxnSpPr>
+        <p:spPr>
+          <a:xfrm flipV="1">
+            <a:off x="3729135" y="4730985"/>
+            <a:ext cx="0" cy="1381076"/>
+          </a:xfrm>
+          <a:prstGeom prst="straightConnector1">
+            <a:avLst/>
+          </a:prstGeom>
+          <a:ln>
+            <a:tailEnd type="triangle"/>
+          </a:ln>
+        </p:spPr>
+        <p:style>
+          <a:lnRef idx="1">
+            <a:schemeClr val="accent1"/>
+          </a:lnRef>
+          <a:fillRef idx="0">
+            <a:schemeClr val="accent1"/>
+          </a:fillRef>
+          <a:effectRef idx="0">
+            <a:schemeClr val="accent1"/>
+          </a:effectRef>
+          <a:fontRef idx="minor">
+            <a:schemeClr val="tx1"/>
+          </a:fontRef>
+        </p:style>
+      </p:cxnSp>
+      <p:cxnSp>
+        <p:nvCxnSpPr>
+          <p:cNvPr id="207" name="Straight Connector 206">
+            <a:extLst>
+              <a:ext uri="{FF2B5EF4-FFF2-40B4-BE49-F238E27FC236}">
+                <a16:creationId xmlns:a16="http://schemas.microsoft.com/office/drawing/2014/main" id="{24B00C8F-AB74-DF46-8029-EAB5D2CD61B9}"/>
+              </a:ext>
+            </a:extLst>
+          </p:cNvPr>
+          <p:cNvCxnSpPr>
+            <a:cxnSpLocks/>
+          </p:cNvCxnSpPr>
+          <p:nvPr/>
+        </p:nvCxnSpPr>
+        <p:spPr>
+          <a:xfrm>
+            <a:off x="702644" y="2689915"/>
+            <a:ext cx="2958" cy="4207778"/>
+          </a:xfrm>
+          <a:prstGeom prst="line">
+            <a:avLst/>
+          </a:prstGeom>
+        </p:spPr>
+        <p:style>
+          <a:lnRef idx="1">
+            <a:schemeClr val="accent1"/>
+          </a:lnRef>
+          <a:fillRef idx="0">
+            <a:schemeClr val="accent1"/>
+          </a:fillRef>
+          <a:effectRef idx="0">
+            <a:schemeClr val="accent1"/>
+          </a:effectRef>
+          <a:fontRef idx="minor">
+            <a:schemeClr val="tx1"/>
+          </a:fontRef>
+        </p:style>
+      </p:cxnSp>
+      <p:cxnSp>
+        <p:nvCxnSpPr>
+          <p:cNvPr id="208" name="Straight Connector 207">
+            <a:extLst>
+              <a:ext uri="{FF2B5EF4-FFF2-40B4-BE49-F238E27FC236}">
+                <a16:creationId xmlns:a16="http://schemas.microsoft.com/office/drawing/2014/main" id="{F0C22A63-F9C9-C841-8693-9576A23B162A}"/>
+              </a:ext>
+            </a:extLst>
+          </p:cNvPr>
+          <p:cNvCxnSpPr>
+            <a:cxnSpLocks/>
+            <a:stCxn id="30" idx="1"/>
+          </p:cNvCxnSpPr>
+          <p:nvPr/>
+        </p:nvCxnSpPr>
+        <p:spPr>
+          <a:xfrm flipH="1">
+            <a:off x="702644" y="6897693"/>
+            <a:ext cx="3550559" cy="3514"/>
+          </a:xfrm>
+          <a:prstGeom prst="line">
+            <a:avLst/>
+          </a:prstGeom>
+        </p:spPr>
+        <p:style>
+          <a:lnRef idx="1">
+            <a:schemeClr val="accent1"/>
+          </a:lnRef>
+          <a:fillRef idx="0">
+            <a:schemeClr val="accent1"/>
+          </a:fillRef>
+          <a:effectRef idx="0">
+            <a:schemeClr val="accent1"/>
+          </a:effectRef>
+          <a:fontRef idx="minor">
+            <a:schemeClr val="tx1"/>
+          </a:fontRef>
+        </p:style>
+      </p:cxnSp>
+      <p:cxnSp>
+        <p:nvCxnSpPr>
+          <p:cNvPr id="212" name="Straight Arrow Connector 211">
+            <a:extLst>
+              <a:ext uri="{FF2B5EF4-FFF2-40B4-BE49-F238E27FC236}">
+                <a16:creationId xmlns:a16="http://schemas.microsoft.com/office/drawing/2014/main" id="{5679CD6C-FE36-184B-982B-C47B773E1B27}"/>
+              </a:ext>
+            </a:extLst>
+          </p:cNvPr>
+          <p:cNvCxnSpPr>
+            <a:cxnSpLocks/>
+            <a:endCxn id="15" idx="1"/>
+          </p:cNvCxnSpPr>
+          <p:nvPr/>
+        </p:nvCxnSpPr>
+        <p:spPr>
+          <a:xfrm>
+            <a:off x="702644" y="2689915"/>
+            <a:ext cx="303506" cy="2"/>
+          </a:xfrm>
+          <a:prstGeom prst="straightConnector1">
+            <a:avLst/>
+          </a:prstGeom>
+          <a:ln>
+            <a:tailEnd type="triangle"/>
+          </a:ln>
+        </p:spPr>
+        <p:style>
+          <a:lnRef idx="1">
+            <a:schemeClr val="accent1"/>
+          </a:lnRef>
+          <a:fillRef idx="0">
+            <a:schemeClr val="accent1"/>
+          </a:fillRef>
+          <a:effectRef idx="0">
+            <a:schemeClr val="accent1"/>
+          </a:effectRef>
+          <a:fontRef idx="minor">
+            <a:schemeClr val="tx1"/>
+          </a:fontRef>
+        </p:style>
+      </p:cxnSp>
+      <p:cxnSp>
+        <p:nvCxnSpPr>
+          <p:cNvPr id="219" name="Straight Connector 218">
+            <a:extLst>
+              <a:ext uri="{FF2B5EF4-FFF2-40B4-BE49-F238E27FC236}">
+                <a16:creationId xmlns:a16="http://schemas.microsoft.com/office/drawing/2014/main" id="{EEA99F29-5312-0144-B5A6-0A008A3F47C6}"/>
+              </a:ext>
+            </a:extLst>
+          </p:cNvPr>
+          <p:cNvCxnSpPr>
+            <a:cxnSpLocks/>
+          </p:cNvCxnSpPr>
+          <p:nvPr/>
+        </p:nvCxnSpPr>
+        <p:spPr>
+          <a:xfrm>
+            <a:off x="7240551" y="6538062"/>
+            <a:ext cx="583" cy="356033"/>
+          </a:xfrm>
+          <a:prstGeom prst="line">
+            <a:avLst/>
+          </a:prstGeom>
+        </p:spPr>
+        <p:style>
+          <a:lnRef idx="1">
+            <a:schemeClr val="accent1"/>
+          </a:lnRef>
+          <a:fillRef idx="0">
+            <a:schemeClr val="accent1"/>
+          </a:fillRef>
+          <a:effectRef idx="0">
+            <a:schemeClr val="accent1"/>
+          </a:effectRef>
+          <a:fontRef idx="minor">
+            <a:schemeClr val="tx1"/>
+          </a:fontRef>
+        </p:style>
+      </p:cxnSp>
+      <p:cxnSp>
+        <p:nvCxnSpPr>
+          <p:cNvPr id="221" name="Straight Arrow Connector 220">
+            <a:extLst>
+              <a:ext uri="{FF2B5EF4-FFF2-40B4-BE49-F238E27FC236}">
+                <a16:creationId xmlns:a16="http://schemas.microsoft.com/office/drawing/2014/main" id="{6E0B88C0-147D-1A48-89D1-817317707AF1}"/>
+              </a:ext>
+            </a:extLst>
+          </p:cNvPr>
+          <p:cNvCxnSpPr>
+            <a:cxnSpLocks/>
+            <a:endCxn id="30" idx="3"/>
+          </p:cNvCxnSpPr>
+          <p:nvPr/>
+        </p:nvCxnSpPr>
+        <p:spPr>
+          <a:xfrm flipH="1" flipV="1">
+            <a:off x="5995211" y="6897693"/>
+            <a:ext cx="1242528" cy="3514"/>
+          </a:xfrm>
+          <a:prstGeom prst="straightConnector1">
+            <a:avLst/>
+          </a:prstGeom>
+          <a:ln>
+            <a:tailEnd type="triangle"/>
+          </a:ln>
+        </p:spPr>
+        <p:style>
+          <a:lnRef idx="1">
+            <a:schemeClr val="accent1"/>
+          </a:lnRef>
+          <a:fillRef idx="0">
+            <a:schemeClr val="accent1"/>
+          </a:fillRef>
+          <a:effectRef idx="0">
+            <a:schemeClr val="accent1"/>
+          </a:effectRef>
+          <a:fontRef idx="minor">
+            <a:schemeClr val="tx1"/>
+          </a:fontRef>
+        </p:style>
+      </p:cxnSp>
+      <p:cxnSp>
+        <p:nvCxnSpPr>
+          <p:cNvPr id="229" name="Straight Arrow Connector 228">
+            <a:extLst>
+              <a:ext uri="{FF2B5EF4-FFF2-40B4-BE49-F238E27FC236}">
+                <a16:creationId xmlns:a16="http://schemas.microsoft.com/office/drawing/2014/main" id="{2041C858-1282-1A47-87E6-7EA04135C96C}"/>
+              </a:ext>
+            </a:extLst>
+          </p:cNvPr>
+          <p:cNvCxnSpPr>
+            <a:cxnSpLocks/>
+            <a:stCxn id="31" idx="3"/>
+            <a:endCxn id="32" idx="1"/>
+          </p:cNvCxnSpPr>
+          <p:nvPr/>
+        </p:nvCxnSpPr>
+        <p:spPr>
+          <a:xfrm>
+            <a:off x="5777202" y="7797896"/>
+            <a:ext cx="3360577" cy="0"/>
+          </a:xfrm>
+          <a:prstGeom prst="straightConnector1">
+            <a:avLst/>
+          </a:prstGeom>
+          <a:ln>
+            <a:tailEnd type="triangle"/>
+          </a:ln>
+        </p:spPr>
+        <p:style>
+          <a:lnRef idx="1">
+            <a:schemeClr val="accent1"/>
+          </a:lnRef>
+          <a:fillRef idx="0">
+            <a:schemeClr val="accent1"/>
+          </a:fillRef>
+          <a:effectRef idx="0">
+            <a:schemeClr val="accent1"/>
+          </a:effectRef>
+          <a:fontRef idx="minor">
+            <a:schemeClr val="tx1"/>
+          </a:fontRef>
+        </p:style>
+      </p:cxnSp>
+      <p:cxnSp>
+        <p:nvCxnSpPr>
+          <p:cNvPr id="232" name="Straight Arrow Connector 231">
+            <a:extLst>
+              <a:ext uri="{FF2B5EF4-FFF2-40B4-BE49-F238E27FC236}">
+                <a16:creationId xmlns:a16="http://schemas.microsoft.com/office/drawing/2014/main" id="{35C9966D-6547-0843-81CF-68F48E996B6C}"/>
+              </a:ext>
+            </a:extLst>
+          </p:cNvPr>
+          <p:cNvCxnSpPr>
+            <a:cxnSpLocks/>
+            <a:stCxn id="25" idx="3"/>
+            <a:endCxn id="26" idx="1"/>
+          </p:cNvCxnSpPr>
+          <p:nvPr/>
+        </p:nvCxnSpPr>
+        <p:spPr>
+          <a:xfrm flipV="1">
+            <a:off x="4386943" y="4411411"/>
+            <a:ext cx="335900" cy="1"/>
+          </a:xfrm>
+          <a:prstGeom prst="straightConnector1">
+            <a:avLst/>
+          </a:prstGeom>
+          <a:ln>
+            <a:tailEnd type="triangle"/>
+          </a:ln>
+        </p:spPr>
+        <p:style>
+          <a:lnRef idx="1">
+            <a:schemeClr val="accent1"/>
+          </a:lnRef>
+          <a:fillRef idx="0">
+            <a:schemeClr val="accent1"/>
+          </a:fillRef>
+          <a:effectRef idx="0">
+            <a:schemeClr val="accent1"/>
+          </a:effectRef>
+          <a:fontRef idx="minor">
+            <a:schemeClr val="tx1"/>
+          </a:fontRef>
+        </p:style>
+      </p:cxnSp>
+      <p:cxnSp>
+        <p:nvCxnSpPr>
+          <p:cNvPr id="235" name="Straight Arrow Connector 234">
+            <a:extLst>
+              <a:ext uri="{FF2B5EF4-FFF2-40B4-BE49-F238E27FC236}">
+                <a16:creationId xmlns:a16="http://schemas.microsoft.com/office/drawing/2014/main" id="{D8F6186D-1C7C-524D-BC0F-AB933D81848D}"/>
+              </a:ext>
+            </a:extLst>
+          </p:cNvPr>
+          <p:cNvCxnSpPr>
+            <a:cxnSpLocks/>
+            <a:stCxn id="26" idx="3"/>
+            <a:endCxn id="27" idx="1"/>
+          </p:cNvCxnSpPr>
+          <p:nvPr/>
+        </p:nvCxnSpPr>
+        <p:spPr>
+          <a:xfrm flipV="1">
+            <a:off x="6038460" y="4410202"/>
+            <a:ext cx="335900" cy="1209"/>
+          </a:xfrm>
+          <a:prstGeom prst="straightConnector1">
+            <a:avLst/>
+          </a:prstGeom>
+          <a:ln>
+            <a:tailEnd type="triangle"/>
+          </a:ln>
+        </p:spPr>
+        <p:style>
+          <a:lnRef idx="1">
+            <a:schemeClr val="accent1"/>
+          </a:lnRef>
+          <a:fillRef idx="0">
+            <a:schemeClr val="accent1"/>
+          </a:fillRef>
+          <a:effectRef idx="0">
+            <a:schemeClr val="accent1"/>
+          </a:effectRef>
+          <a:fontRef idx="minor">
+            <a:schemeClr val="tx1"/>
+          </a:fontRef>
+        </p:style>
+      </p:cxnSp>
+      <p:cxnSp>
+        <p:nvCxnSpPr>
+          <p:cNvPr id="238" name="Straight Arrow Connector 237">
+            <a:extLst>
+              <a:ext uri="{FF2B5EF4-FFF2-40B4-BE49-F238E27FC236}">
+                <a16:creationId xmlns:a16="http://schemas.microsoft.com/office/drawing/2014/main" id="{CF8ACC89-2C46-F04B-81AE-5BB2B1B8958F}"/>
+              </a:ext>
+            </a:extLst>
+          </p:cNvPr>
+          <p:cNvCxnSpPr>
+            <a:cxnSpLocks/>
+            <a:stCxn id="32" idx="3"/>
+          </p:cNvCxnSpPr>
+          <p:nvPr/>
+        </p:nvCxnSpPr>
+        <p:spPr>
+          <a:xfrm>
+            <a:off x="9818914" y="7797896"/>
+            <a:ext cx="874753" cy="0"/>
+          </a:xfrm>
+          <a:prstGeom prst="straightConnector1">
+            <a:avLst/>
+          </a:prstGeom>
+          <a:ln>
+            <a:prstDash val="dash"/>
+            <a:tailEnd type="triangle"/>
+          </a:ln>
+        </p:spPr>
+        <p:style>
+          <a:lnRef idx="1">
+            <a:schemeClr val="accent1"/>
+          </a:lnRef>
+          <a:fillRef idx="0">
+            <a:schemeClr val="accent1"/>
+          </a:fillRef>
+          <a:effectRef idx="0">
+            <a:schemeClr val="accent1"/>
+          </a:effectRef>
+          <a:fontRef idx="minor">
+            <a:schemeClr val="tx1"/>
+          </a:fontRef>
+        </p:style>
+      </p:cxnSp>
+      <p:sp>
+        <p:nvSpPr>
+          <p:cNvPr id="241" name="TextBox 240">
+            <a:extLst>
+              <a:ext uri="{FF2B5EF4-FFF2-40B4-BE49-F238E27FC236}">
+                <a16:creationId xmlns:a16="http://schemas.microsoft.com/office/drawing/2014/main" id="{C4B8A645-4EE8-6B47-AD2E-439C4E68C96D}"/>
+              </a:ext>
+            </a:extLst>
+          </p:cNvPr>
+          <p:cNvSpPr txBox="1"/>
+          <p:nvPr/>
+        </p:nvSpPr>
+        <p:spPr>
+          <a:xfrm>
+            <a:off x="9616316" y="7536286"/>
+            <a:ext cx="1266751" cy="261610"/>
+          </a:xfrm>
+          <a:prstGeom prst="rect">
+            <a:avLst/>
+          </a:prstGeom>
+          <a:noFill/>
+        </p:spPr>
+        <p:txBody>
+          <a:bodyPr wrap="square" rtlCol="0">
+            <a:spAutoFit/>
+          </a:bodyPr>
+          <a:lstStyle/>
+          <a:p>
+            <a:pPr algn="ctr"/>
+            <a:r>
+              <a:rPr lang="en-US" sz="1100" dirty="0"/>
+              <a:t>To 2</a:t>
+            </a:r>
+            <a:r>
+              <a:rPr lang="en-US" sz="1100" baseline="30000" dirty="0"/>
+              <a:t>nd</a:t>
+            </a:r>
+            <a:r>
+              <a:rPr lang="en-US" sz="1100" dirty="0"/>
+              <a:t> Stage</a:t>
+            </a:r>
+          </a:p>
+        </p:txBody>
+      </p:sp>
+      <p:sp>
+        <p:nvSpPr>
+          <p:cNvPr id="104" name="Diamond 103">
+            <a:extLst>
+              <a:ext uri="{FF2B5EF4-FFF2-40B4-BE49-F238E27FC236}">
+                <a16:creationId xmlns:a16="http://schemas.microsoft.com/office/drawing/2014/main" id="{D12D85D9-9849-6146-8E4E-B6387D9EF75B}"/>
+              </a:ext>
+            </a:extLst>
+          </p:cNvPr>
+          <p:cNvSpPr/>
+          <p:nvPr/>
+        </p:nvSpPr>
+        <p:spPr>
+          <a:xfrm>
+            <a:off x="5163450" y="1429949"/>
+            <a:ext cx="1865649" cy="553693"/>
+          </a:xfrm>
+          <a:prstGeom prst="diamond">
+            <a:avLst/>
+          </a:prstGeom>
+        </p:spPr>
+        <p:style>
+          <a:lnRef idx="2">
+            <a:schemeClr val="dk1"/>
+          </a:lnRef>
+          <a:fillRef idx="1">
+            <a:schemeClr val="lt1"/>
+          </a:fillRef>
+          <a:effectRef idx="0">
+            <a:schemeClr val="dk1"/>
+          </a:effectRef>
+          <a:fontRef idx="minor">
+            <a:schemeClr val="dk1"/>
+          </a:fontRef>
+        </p:style>
+        <p:txBody>
+          <a:bodyPr rtlCol="0" anchor="ctr"/>
+          <a:lstStyle/>
+          <a:p>
+            <a:pPr algn="ctr"/>
+            <a:r>
+              <a:rPr lang="en-US" sz="1100" dirty="0">
+                <a:solidFill>
                   <a:schemeClr val="tx1"/>
-                </a:fontRef>
-              </p:style>
-            </p:cxnSp>
-          </p:grpSp>
-          <p:cxnSp>
-            <p:nvCxnSpPr>
-              <p:cNvPr id="166" name="Straight Connector 165">
-                <a:extLst>
-                  <a:ext uri="{FF2B5EF4-FFF2-40B4-BE49-F238E27FC236}">
-                    <a16:creationId xmlns:a16="http://schemas.microsoft.com/office/drawing/2014/main" id="{0C21F460-EB1D-C240-A04D-A5A91EFAFE97}"/>
-                  </a:ext>
-                </a:extLst>
-              </p:cNvPr>
-              <p:cNvCxnSpPr>
-                <a:cxnSpLocks/>
-              </p:cNvCxnSpPr>
-              <p:nvPr/>
-            </p:nvCxnSpPr>
-            <p:spPr>
-              <a:xfrm flipH="1">
-                <a:off x="749553" y="3382347"/>
-                <a:ext cx="5379908" cy="0"/>
-              </a:xfrm>
-              <a:prstGeom prst="line">
-                <a:avLst/>
-              </a:prstGeom>
-            </p:spPr>
-            <p:style>
-              <a:lnRef idx="1">
-                <a:schemeClr val="accent1"/>
-              </a:lnRef>
-              <a:fillRef idx="0">
-                <a:schemeClr val="accent1"/>
-              </a:fillRef>
-              <a:effectRef idx="0">
-                <a:schemeClr val="accent1"/>
-              </a:effectRef>
-              <a:fontRef idx="minor">
-                <a:schemeClr val="tx1"/>
-              </a:fontRef>
-            </p:style>
-          </p:cxnSp>
-        </p:grpSp>
-        <p:cxnSp>
-          <p:nvCxnSpPr>
-            <p:cNvPr id="172" name="Straight Connector 171">
-              <a:extLst>
-                <a:ext uri="{FF2B5EF4-FFF2-40B4-BE49-F238E27FC236}">
-                  <a16:creationId xmlns:a16="http://schemas.microsoft.com/office/drawing/2014/main" id="{C5796BCE-B200-0A4D-B1F2-7BF8635966DA}"/>
-                </a:ext>
-              </a:extLst>
-            </p:cNvPr>
-            <p:cNvCxnSpPr>
-              <a:cxnSpLocks/>
-            </p:cNvCxnSpPr>
-            <p:nvPr/>
-          </p:nvCxnSpPr>
-          <p:spPr>
-            <a:xfrm>
-              <a:off x="752587" y="3020390"/>
-              <a:ext cx="0" cy="368018"/>
-            </a:xfrm>
-            <a:prstGeom prst="line">
-              <a:avLst/>
-            </a:prstGeom>
-          </p:spPr>
-          <p:style>
-            <a:lnRef idx="1">
-              <a:schemeClr val="accent1"/>
-            </a:lnRef>
-            <a:fillRef idx="0">
-              <a:schemeClr val="accent1"/>
-            </a:fillRef>
-            <a:effectRef idx="0">
-              <a:schemeClr val="accent1"/>
-            </a:effectRef>
-            <a:fontRef idx="minor">
-              <a:schemeClr val="tx1"/>
-            </a:fontRef>
-          </p:style>
-        </p:cxnSp>
-        <p:cxnSp>
-          <p:nvCxnSpPr>
-            <p:cNvPr id="179" name="Straight Arrow Connector 178">
-              <a:extLst>
-                <a:ext uri="{FF2B5EF4-FFF2-40B4-BE49-F238E27FC236}">
-                  <a16:creationId xmlns:a16="http://schemas.microsoft.com/office/drawing/2014/main" id="{8616C7AB-029B-1642-9A97-175A54B4B991}"/>
-                </a:ext>
-              </a:extLst>
-            </p:cNvPr>
-            <p:cNvCxnSpPr>
-              <a:cxnSpLocks/>
-              <a:endCxn id="25" idx="1"/>
-            </p:cNvCxnSpPr>
-            <p:nvPr/>
-          </p:nvCxnSpPr>
-          <p:spPr>
-            <a:xfrm>
-              <a:off x="1734521" y="3903668"/>
-              <a:ext cx="422405" cy="4300"/>
-            </a:xfrm>
-            <a:prstGeom prst="straightConnector1">
-              <a:avLst/>
-            </a:prstGeom>
-            <a:ln>
-              <a:tailEnd type="triangle"/>
-            </a:ln>
-          </p:spPr>
-          <p:style>
-            <a:lnRef idx="1">
-              <a:schemeClr val="accent1"/>
-            </a:lnRef>
-            <a:fillRef idx="0">
-              <a:schemeClr val="accent1"/>
-            </a:fillRef>
-            <a:effectRef idx="0">
-              <a:schemeClr val="accent1"/>
-            </a:effectRef>
-            <a:fontRef idx="minor">
-              <a:schemeClr val="tx1"/>
-            </a:fontRef>
-          </p:style>
-        </p:cxnSp>
-        <p:sp>
-          <p:nvSpPr>
-            <p:cNvPr id="181" name="TextBox 180">
-              <a:extLst>
-                <a:ext uri="{FF2B5EF4-FFF2-40B4-BE49-F238E27FC236}">
-                  <a16:creationId xmlns:a16="http://schemas.microsoft.com/office/drawing/2014/main" id="{E4D839BF-D7C4-D54B-8667-2C42F7ACC109}"/>
-                </a:ext>
-              </a:extLst>
-            </p:cNvPr>
-            <p:cNvSpPr txBox="1"/>
-            <p:nvPr/>
-          </p:nvSpPr>
-          <p:spPr>
-            <a:xfrm>
-              <a:off x="1733702" y="3674330"/>
-              <a:ext cx="391880" cy="261610"/>
-            </a:xfrm>
-            <a:prstGeom prst="rect">
-              <a:avLst/>
-            </a:prstGeom>
-            <a:noFill/>
-          </p:spPr>
-          <p:txBody>
-            <a:bodyPr wrap="square" rtlCol="0">
-              <a:spAutoFit/>
-            </a:bodyPr>
-            <a:lstStyle/>
-            <a:p>
-              <a:pPr algn="ctr"/>
-              <a:r>
-                <a:rPr lang="en-US" sz="1100" dirty="0"/>
-                <a:t>No</a:t>
-              </a:r>
-            </a:p>
-          </p:txBody>
-        </p:sp>
-        <p:sp>
-          <p:nvSpPr>
-            <p:cNvPr id="182" name="TextBox 181">
-              <a:extLst>
-                <a:ext uri="{FF2B5EF4-FFF2-40B4-BE49-F238E27FC236}">
-                  <a16:creationId xmlns:a16="http://schemas.microsoft.com/office/drawing/2014/main" id="{2738B588-2324-6E48-B2DF-82A15C2148B1}"/>
-                </a:ext>
-              </a:extLst>
-            </p:cNvPr>
-            <p:cNvSpPr txBox="1"/>
-            <p:nvPr/>
-          </p:nvSpPr>
-          <p:spPr>
-            <a:xfrm>
-              <a:off x="6338626" y="3378639"/>
-              <a:ext cx="391880" cy="261610"/>
-            </a:xfrm>
-            <a:prstGeom prst="rect">
-              <a:avLst/>
-            </a:prstGeom>
-            <a:noFill/>
-          </p:spPr>
-          <p:txBody>
-            <a:bodyPr wrap="square" rtlCol="0">
-              <a:spAutoFit/>
-            </a:bodyPr>
-            <a:lstStyle/>
-            <a:p>
-              <a:pPr algn="ctr"/>
-              <a:r>
-                <a:rPr lang="en-US" sz="1100" dirty="0"/>
-                <a:t>No</a:t>
-              </a:r>
-            </a:p>
-          </p:txBody>
-        </p:sp>
-        <p:sp>
-          <p:nvSpPr>
-            <p:cNvPr id="183" name="TextBox 182">
-              <a:extLst>
-                <a:ext uri="{FF2B5EF4-FFF2-40B4-BE49-F238E27FC236}">
-                  <a16:creationId xmlns:a16="http://schemas.microsoft.com/office/drawing/2014/main" id="{7E642D5C-90B4-E045-8869-4B5F21B109B4}"/>
-                </a:ext>
-              </a:extLst>
-            </p:cNvPr>
-            <p:cNvSpPr txBox="1"/>
-            <p:nvPr/>
-          </p:nvSpPr>
-          <p:spPr>
-            <a:xfrm>
-              <a:off x="6208311" y="4169788"/>
-              <a:ext cx="640181" cy="261610"/>
-            </a:xfrm>
-            <a:prstGeom prst="rect">
-              <a:avLst/>
-            </a:prstGeom>
-            <a:noFill/>
-          </p:spPr>
-          <p:txBody>
-            <a:bodyPr wrap="square" rtlCol="0">
-              <a:spAutoFit/>
-            </a:bodyPr>
-            <a:lstStyle/>
-            <a:p>
-              <a:pPr algn="ctr"/>
-              <a:r>
-                <a:rPr lang="en-US" sz="1100" dirty="0"/>
-                <a:t>Yes</a:t>
-              </a:r>
-            </a:p>
-          </p:txBody>
-        </p:sp>
-        <p:sp>
-          <p:nvSpPr>
-            <p:cNvPr id="184" name="TextBox 183">
-              <a:extLst>
-                <a:ext uri="{FF2B5EF4-FFF2-40B4-BE49-F238E27FC236}">
-                  <a16:creationId xmlns:a16="http://schemas.microsoft.com/office/drawing/2014/main" id="{802C7624-1BAE-5844-B887-A320D2B65BE4}"/>
-                </a:ext>
-              </a:extLst>
-            </p:cNvPr>
-            <p:cNvSpPr txBox="1"/>
-            <p:nvPr/>
-          </p:nvSpPr>
-          <p:spPr>
-            <a:xfrm>
-              <a:off x="4081796" y="6705373"/>
-              <a:ext cx="574872" cy="271838"/>
-            </a:xfrm>
-            <a:prstGeom prst="rect">
-              <a:avLst/>
-            </a:prstGeom>
-            <a:noFill/>
-          </p:spPr>
-          <p:txBody>
-            <a:bodyPr wrap="square" rtlCol="0">
-              <a:spAutoFit/>
-            </a:bodyPr>
-            <a:lstStyle/>
-            <a:p>
-              <a:pPr algn="ctr"/>
-              <a:r>
-                <a:rPr lang="en-US" sz="1100" dirty="0"/>
-                <a:t>Yes</a:t>
-              </a:r>
-            </a:p>
-          </p:txBody>
-        </p:sp>
-        <p:sp>
-          <p:nvSpPr>
-            <p:cNvPr id="185" name="TextBox 184">
-              <a:extLst>
-                <a:ext uri="{FF2B5EF4-FFF2-40B4-BE49-F238E27FC236}">
-                  <a16:creationId xmlns:a16="http://schemas.microsoft.com/office/drawing/2014/main" id="{1A309EDB-037D-F746-914F-BC5D0F47C8D6}"/>
-                </a:ext>
-              </a:extLst>
-            </p:cNvPr>
-            <p:cNvSpPr txBox="1"/>
-            <p:nvPr/>
-          </p:nvSpPr>
-          <p:spPr>
-            <a:xfrm>
-              <a:off x="2972579" y="6149482"/>
-              <a:ext cx="391880" cy="261610"/>
-            </a:xfrm>
-            <a:prstGeom prst="rect">
-              <a:avLst/>
-            </a:prstGeom>
-            <a:noFill/>
-          </p:spPr>
-          <p:txBody>
-            <a:bodyPr wrap="square" rtlCol="0">
-              <a:spAutoFit/>
-            </a:bodyPr>
-            <a:lstStyle/>
-            <a:p>
-              <a:pPr algn="ctr"/>
-              <a:r>
-                <a:rPr lang="en-US" sz="1100" dirty="0"/>
-                <a:t>No</a:t>
-              </a:r>
-            </a:p>
-          </p:txBody>
-        </p:sp>
-        <p:cxnSp>
-          <p:nvCxnSpPr>
-            <p:cNvPr id="186" name="Straight Arrow Connector 185">
-              <a:extLst>
-                <a:ext uri="{FF2B5EF4-FFF2-40B4-BE49-F238E27FC236}">
-                  <a16:creationId xmlns:a16="http://schemas.microsoft.com/office/drawing/2014/main" id="{D011F83D-883E-C64C-90A0-65E46811B089}"/>
-                </a:ext>
-              </a:extLst>
-            </p:cNvPr>
-            <p:cNvCxnSpPr>
-              <a:cxnSpLocks/>
-              <a:stCxn id="22" idx="2"/>
-            </p:cNvCxnSpPr>
-            <p:nvPr/>
-          </p:nvCxnSpPr>
-          <p:spPr>
-            <a:xfrm flipH="1">
-              <a:off x="865029" y="4266005"/>
-              <a:ext cx="1749" cy="190569"/>
-            </a:xfrm>
-            <a:prstGeom prst="straightConnector1">
-              <a:avLst/>
-            </a:prstGeom>
-            <a:ln>
-              <a:tailEnd type="triangle"/>
-            </a:ln>
-          </p:spPr>
-          <p:style>
-            <a:lnRef idx="1">
-              <a:schemeClr val="accent1"/>
-            </a:lnRef>
-            <a:fillRef idx="0">
-              <a:schemeClr val="accent1"/>
-            </a:fillRef>
-            <a:effectRef idx="0">
-              <a:schemeClr val="accent1"/>
-            </a:effectRef>
-            <a:fontRef idx="minor">
-              <a:schemeClr val="tx1"/>
-            </a:fontRef>
-          </p:style>
-        </p:cxnSp>
-        <p:sp>
-          <p:nvSpPr>
-            <p:cNvPr id="191" name="Rectangle 190">
-              <a:extLst>
-                <a:ext uri="{FF2B5EF4-FFF2-40B4-BE49-F238E27FC236}">
-                  <a16:creationId xmlns:a16="http://schemas.microsoft.com/office/drawing/2014/main" id="{F3B2D4D8-56A5-E74D-9A8D-D24DFF401F4C}"/>
-                </a:ext>
-              </a:extLst>
-            </p:cNvPr>
-            <p:cNvSpPr/>
-            <p:nvPr/>
-          </p:nvSpPr>
-          <p:spPr>
-            <a:xfrm>
-              <a:off x="207220" y="4469716"/>
-              <a:ext cx="1315617" cy="601824"/>
-            </a:xfrm>
-            <a:prstGeom prst="rect">
-              <a:avLst/>
-            </a:prstGeom>
-            <a:solidFill>
-              <a:schemeClr val="tx2">
-                <a:lumMod val="20000"/>
-                <a:lumOff val="80000"/>
-              </a:schemeClr>
-            </a:solidFill>
-          </p:spPr>
-          <p:style>
-            <a:lnRef idx="1">
-              <a:schemeClr val="accent5"/>
-            </a:lnRef>
-            <a:fillRef idx="3">
-              <a:schemeClr val="accent5"/>
-            </a:fillRef>
-            <a:effectRef idx="2">
-              <a:schemeClr val="accent5"/>
-            </a:effectRef>
-            <a:fontRef idx="minor">
-              <a:schemeClr val="lt1"/>
-            </a:fontRef>
-          </p:style>
-          <p:txBody>
-            <a:bodyPr rtlCol="0" anchor="ctr"/>
-            <a:lstStyle/>
-            <a:p>
-              <a:pPr algn="ctr"/>
-              <a:r>
-                <a:rPr lang="en-US" sz="1100" dirty="0">
-                  <a:solidFill>
-                    <a:schemeClr val="tx1"/>
-                  </a:solidFill>
-                </a:rPr>
-                <a:t>Label issue with associated requirement</a:t>
-              </a:r>
-            </a:p>
-          </p:txBody>
-        </p:sp>
-        <p:sp>
-          <p:nvSpPr>
-            <p:cNvPr id="192" name="Rectangle 191">
-              <a:extLst>
-                <a:ext uri="{FF2B5EF4-FFF2-40B4-BE49-F238E27FC236}">
-                  <a16:creationId xmlns:a16="http://schemas.microsoft.com/office/drawing/2014/main" id="{F952E77F-8810-054D-A062-EF20FD139EF8}"/>
-                </a:ext>
-              </a:extLst>
-            </p:cNvPr>
-            <p:cNvSpPr/>
-            <p:nvPr/>
-          </p:nvSpPr>
-          <p:spPr>
-            <a:xfrm>
-              <a:off x="207918" y="5290567"/>
-              <a:ext cx="1315617" cy="636100"/>
-            </a:xfrm>
-            <a:prstGeom prst="rect">
-              <a:avLst/>
-            </a:prstGeom>
-            <a:solidFill>
-              <a:schemeClr val="tx2">
-                <a:lumMod val="20000"/>
-                <a:lumOff val="80000"/>
-              </a:schemeClr>
-            </a:solidFill>
-          </p:spPr>
-          <p:style>
-            <a:lnRef idx="1">
-              <a:schemeClr val="accent5"/>
-            </a:lnRef>
-            <a:fillRef idx="3">
-              <a:schemeClr val="accent5"/>
-            </a:fillRef>
-            <a:effectRef idx="2">
-              <a:schemeClr val="accent5"/>
-            </a:effectRef>
-            <a:fontRef idx="minor">
-              <a:schemeClr val="lt1"/>
-            </a:fontRef>
-          </p:style>
-          <p:txBody>
-            <a:bodyPr rtlCol="0" anchor="ctr"/>
-            <a:lstStyle/>
-            <a:p>
-              <a:pPr algn="ctr"/>
-              <a:r>
-                <a:rPr lang="en-US" sz="1100" dirty="0">
-                  <a:solidFill>
-                    <a:schemeClr val="tx1"/>
-                  </a:solidFill>
-                </a:rPr>
-                <a:t>Update Test Case requirement as needed and review requirement list</a:t>
-              </a:r>
-            </a:p>
-          </p:txBody>
-        </p:sp>
-        <p:cxnSp>
-          <p:nvCxnSpPr>
-            <p:cNvPr id="193" name="Straight Arrow Connector 192">
-              <a:extLst>
-                <a:ext uri="{FF2B5EF4-FFF2-40B4-BE49-F238E27FC236}">
-                  <a16:creationId xmlns:a16="http://schemas.microsoft.com/office/drawing/2014/main" id="{F2BCCF00-9D4E-054C-8238-F4888C04DC65}"/>
-                </a:ext>
-              </a:extLst>
-            </p:cNvPr>
-            <p:cNvCxnSpPr>
-              <a:cxnSpLocks/>
-              <a:stCxn id="191" idx="2"/>
-              <a:endCxn id="192" idx="0"/>
-            </p:cNvCxnSpPr>
-            <p:nvPr/>
-          </p:nvCxnSpPr>
-          <p:spPr>
-            <a:xfrm>
-              <a:off x="865029" y="5071540"/>
-              <a:ext cx="698" cy="219027"/>
-            </a:xfrm>
-            <a:prstGeom prst="straightConnector1">
-              <a:avLst/>
-            </a:prstGeom>
-            <a:ln>
-              <a:tailEnd type="triangle"/>
-            </a:ln>
-          </p:spPr>
-          <p:style>
-            <a:lnRef idx="1">
-              <a:schemeClr val="accent1"/>
-            </a:lnRef>
-            <a:fillRef idx="0">
-              <a:schemeClr val="accent1"/>
-            </a:fillRef>
-            <a:effectRef idx="0">
-              <a:schemeClr val="accent1"/>
-            </a:effectRef>
-            <a:fontRef idx="minor">
-              <a:schemeClr val="tx1"/>
-            </a:fontRef>
-          </p:style>
-        </p:cxnSp>
-        <p:grpSp>
-          <p:nvGrpSpPr>
-            <p:cNvPr id="206" name="Group 205">
-              <a:extLst>
-                <a:ext uri="{FF2B5EF4-FFF2-40B4-BE49-F238E27FC236}">
-                  <a16:creationId xmlns:a16="http://schemas.microsoft.com/office/drawing/2014/main" id="{762430AF-8E2C-1048-B5CA-D5A90E4E279E}"/>
-                </a:ext>
-              </a:extLst>
-            </p:cNvPr>
-            <p:cNvGrpSpPr/>
-            <p:nvPr/>
-          </p:nvGrpSpPr>
-          <p:grpSpPr>
-            <a:xfrm>
-              <a:off x="1523535" y="4227541"/>
-              <a:ext cx="1291200" cy="1381076"/>
-              <a:chOff x="1523535" y="4227541"/>
-              <a:chExt cx="1291200" cy="1381076"/>
-            </a:xfrm>
-          </p:grpSpPr>
-          <p:cxnSp>
-            <p:nvCxnSpPr>
-              <p:cNvPr id="197" name="Straight Connector 196">
-                <a:extLst>
-                  <a:ext uri="{FF2B5EF4-FFF2-40B4-BE49-F238E27FC236}">
-                    <a16:creationId xmlns:a16="http://schemas.microsoft.com/office/drawing/2014/main" id="{21A2F354-0E7E-3147-B5C0-C33C5A7C3E13}"/>
-                  </a:ext>
-                </a:extLst>
-              </p:cNvPr>
-              <p:cNvCxnSpPr>
-                <a:cxnSpLocks/>
-                <a:endCxn id="192" idx="3"/>
-              </p:cNvCxnSpPr>
-              <p:nvPr/>
-            </p:nvCxnSpPr>
-            <p:spPr>
-              <a:xfrm flipH="1">
-                <a:off x="1523535" y="5608617"/>
-                <a:ext cx="1291200" cy="0"/>
-              </a:xfrm>
-              <a:prstGeom prst="line">
-                <a:avLst/>
-              </a:prstGeom>
-            </p:spPr>
-            <p:style>
-              <a:lnRef idx="1">
-                <a:schemeClr val="accent1"/>
-              </a:lnRef>
-              <a:fillRef idx="0">
-                <a:schemeClr val="accent1"/>
-              </a:fillRef>
-              <a:effectRef idx="0">
-                <a:schemeClr val="accent1"/>
-              </a:effectRef>
-              <a:fontRef idx="minor">
-                <a:schemeClr val="tx1"/>
-              </a:fontRef>
-            </p:style>
-          </p:cxnSp>
-          <p:cxnSp>
-            <p:nvCxnSpPr>
-              <p:cNvPr id="200" name="Straight Arrow Connector 199">
-                <a:extLst>
-                  <a:ext uri="{FF2B5EF4-FFF2-40B4-BE49-F238E27FC236}">
-                    <a16:creationId xmlns:a16="http://schemas.microsoft.com/office/drawing/2014/main" id="{E616D648-6681-AC43-9A32-D745934E92F4}"/>
-                  </a:ext>
-                </a:extLst>
-              </p:cNvPr>
-              <p:cNvCxnSpPr>
-                <a:cxnSpLocks/>
-                <a:endCxn id="25" idx="2"/>
-              </p:cNvCxnSpPr>
-              <p:nvPr/>
-            </p:nvCxnSpPr>
-            <p:spPr>
-              <a:xfrm flipV="1">
-                <a:off x="2814735" y="4227541"/>
-                <a:ext cx="0" cy="1381076"/>
-              </a:xfrm>
-              <a:prstGeom prst="straightConnector1">
-                <a:avLst/>
-              </a:prstGeom>
-              <a:ln>
-                <a:tailEnd type="triangle"/>
-              </a:ln>
-            </p:spPr>
-            <p:style>
-              <a:lnRef idx="1">
-                <a:schemeClr val="accent1"/>
-              </a:lnRef>
-              <a:fillRef idx="0">
-                <a:schemeClr val="accent1"/>
-              </a:fillRef>
-              <a:effectRef idx="0">
-                <a:schemeClr val="accent1"/>
-              </a:effectRef>
-              <a:fontRef idx="minor">
-                <a:schemeClr val="tx1"/>
-              </a:fontRef>
-            </p:style>
-          </p:cxnSp>
-        </p:grpSp>
-        <p:grpSp>
-          <p:nvGrpSpPr>
-            <p:cNvPr id="217" name="Group 216">
-              <a:extLst>
-                <a:ext uri="{FF2B5EF4-FFF2-40B4-BE49-F238E27FC236}">
-                  <a16:creationId xmlns:a16="http://schemas.microsoft.com/office/drawing/2014/main" id="{DFE9B3EA-A391-B24D-BA9F-29A4F91C3101}"/>
-                </a:ext>
-              </a:extLst>
-            </p:cNvPr>
-            <p:cNvGrpSpPr/>
-            <p:nvPr/>
-          </p:nvGrpSpPr>
-          <p:grpSpPr>
-            <a:xfrm>
-              <a:off x="-211756" y="2186471"/>
-              <a:ext cx="3550559" cy="4211292"/>
-              <a:chOff x="-211756" y="2186471"/>
-              <a:chExt cx="3550559" cy="4211292"/>
-            </a:xfrm>
-          </p:grpSpPr>
-          <p:cxnSp>
-            <p:nvCxnSpPr>
-              <p:cNvPr id="207" name="Straight Connector 206">
-                <a:extLst>
-                  <a:ext uri="{FF2B5EF4-FFF2-40B4-BE49-F238E27FC236}">
-                    <a16:creationId xmlns:a16="http://schemas.microsoft.com/office/drawing/2014/main" id="{24B00C8F-AB74-DF46-8029-EAB5D2CD61B9}"/>
-                  </a:ext>
-                </a:extLst>
-              </p:cNvPr>
-              <p:cNvCxnSpPr>
-                <a:cxnSpLocks/>
-              </p:cNvCxnSpPr>
-              <p:nvPr/>
-            </p:nvCxnSpPr>
-            <p:spPr>
-              <a:xfrm>
-                <a:off x="-211756" y="2186471"/>
-                <a:ext cx="2958" cy="4207778"/>
-              </a:xfrm>
-              <a:prstGeom prst="line">
-                <a:avLst/>
-              </a:prstGeom>
-            </p:spPr>
-            <p:style>
-              <a:lnRef idx="1">
-                <a:schemeClr val="accent1"/>
-              </a:lnRef>
-              <a:fillRef idx="0">
-                <a:schemeClr val="accent1"/>
-              </a:fillRef>
-              <a:effectRef idx="0">
-                <a:schemeClr val="accent1"/>
-              </a:effectRef>
-              <a:fontRef idx="minor">
-                <a:schemeClr val="tx1"/>
-              </a:fontRef>
-            </p:style>
-          </p:cxnSp>
-          <p:cxnSp>
-            <p:nvCxnSpPr>
-              <p:cNvPr id="208" name="Straight Connector 207">
-                <a:extLst>
-                  <a:ext uri="{FF2B5EF4-FFF2-40B4-BE49-F238E27FC236}">
-                    <a16:creationId xmlns:a16="http://schemas.microsoft.com/office/drawing/2014/main" id="{F0C22A63-F9C9-C841-8693-9576A23B162A}"/>
-                  </a:ext>
-                </a:extLst>
-              </p:cNvPr>
-              <p:cNvCxnSpPr>
-                <a:cxnSpLocks/>
-                <a:stCxn id="30" idx="1"/>
-              </p:cNvCxnSpPr>
-              <p:nvPr/>
-            </p:nvCxnSpPr>
-            <p:spPr>
-              <a:xfrm flipH="1">
-                <a:off x="-211756" y="6394249"/>
-                <a:ext cx="3550559" cy="3514"/>
-              </a:xfrm>
-              <a:prstGeom prst="line">
-                <a:avLst/>
-              </a:prstGeom>
-            </p:spPr>
-            <p:style>
-              <a:lnRef idx="1">
-                <a:schemeClr val="accent1"/>
-              </a:lnRef>
-              <a:fillRef idx="0">
-                <a:schemeClr val="accent1"/>
-              </a:fillRef>
-              <a:effectRef idx="0">
-                <a:schemeClr val="accent1"/>
-              </a:effectRef>
-              <a:fontRef idx="minor">
-                <a:schemeClr val="tx1"/>
-              </a:fontRef>
-            </p:style>
-          </p:cxnSp>
-          <p:cxnSp>
-            <p:nvCxnSpPr>
-              <p:cNvPr id="212" name="Straight Arrow Connector 211">
-                <a:extLst>
-                  <a:ext uri="{FF2B5EF4-FFF2-40B4-BE49-F238E27FC236}">
-                    <a16:creationId xmlns:a16="http://schemas.microsoft.com/office/drawing/2014/main" id="{5679CD6C-FE36-184B-982B-C47B773E1B27}"/>
-                  </a:ext>
-                </a:extLst>
-              </p:cNvPr>
-              <p:cNvCxnSpPr>
-                <a:cxnSpLocks/>
-                <a:endCxn id="15" idx="1"/>
-              </p:cNvCxnSpPr>
-              <p:nvPr/>
-            </p:nvCxnSpPr>
-            <p:spPr>
-              <a:xfrm>
-                <a:off x="-211756" y="2186471"/>
-                <a:ext cx="303506" cy="2"/>
-              </a:xfrm>
-              <a:prstGeom prst="straightConnector1">
-                <a:avLst/>
-              </a:prstGeom>
-              <a:ln>
-                <a:tailEnd type="triangle"/>
-              </a:ln>
-            </p:spPr>
-            <p:style>
-              <a:lnRef idx="1">
-                <a:schemeClr val="accent1"/>
-              </a:lnRef>
-              <a:fillRef idx="0">
-                <a:schemeClr val="accent1"/>
-              </a:fillRef>
-              <a:effectRef idx="0">
-                <a:schemeClr val="accent1"/>
-              </a:effectRef>
-              <a:fontRef idx="minor">
-                <a:schemeClr val="tx1"/>
-              </a:fontRef>
-            </p:style>
-          </p:cxnSp>
-        </p:grpSp>
-        <p:grpSp>
-          <p:nvGrpSpPr>
-            <p:cNvPr id="218" name="Group 217">
-              <a:extLst>
-                <a:ext uri="{FF2B5EF4-FFF2-40B4-BE49-F238E27FC236}">
-                  <a16:creationId xmlns:a16="http://schemas.microsoft.com/office/drawing/2014/main" id="{68D528A3-0D52-EA45-A404-5AA2E8DEC668}"/>
-                </a:ext>
-              </a:extLst>
-            </p:cNvPr>
-            <p:cNvGrpSpPr/>
-            <p:nvPr/>
-          </p:nvGrpSpPr>
-          <p:grpSpPr>
-            <a:xfrm>
-              <a:off x="5080811" y="6034618"/>
-              <a:ext cx="1245923" cy="363145"/>
-              <a:chOff x="4904211" y="3058499"/>
-              <a:chExt cx="1245923" cy="363145"/>
-            </a:xfrm>
-          </p:grpSpPr>
-          <p:cxnSp>
-            <p:nvCxnSpPr>
-              <p:cNvPr id="219" name="Straight Connector 218">
-                <a:extLst>
-                  <a:ext uri="{FF2B5EF4-FFF2-40B4-BE49-F238E27FC236}">
-                    <a16:creationId xmlns:a16="http://schemas.microsoft.com/office/drawing/2014/main" id="{EEA99F29-5312-0144-B5A6-0A008A3F47C6}"/>
-                  </a:ext>
-                </a:extLst>
-              </p:cNvPr>
-              <p:cNvCxnSpPr>
-                <a:cxnSpLocks/>
-              </p:cNvCxnSpPr>
-              <p:nvPr/>
-            </p:nvCxnSpPr>
-            <p:spPr>
-              <a:xfrm>
-                <a:off x="6149551" y="3058499"/>
-                <a:ext cx="583" cy="356033"/>
-              </a:xfrm>
-              <a:prstGeom prst="line">
-                <a:avLst/>
-              </a:prstGeom>
-            </p:spPr>
-            <p:style>
-              <a:lnRef idx="1">
-                <a:schemeClr val="accent1"/>
-              </a:lnRef>
-              <a:fillRef idx="0">
-                <a:schemeClr val="accent1"/>
-              </a:fillRef>
-              <a:effectRef idx="0">
-                <a:schemeClr val="accent1"/>
-              </a:effectRef>
-              <a:fontRef idx="minor">
-                <a:schemeClr val="tx1"/>
-              </a:fontRef>
-            </p:style>
-          </p:cxnSp>
-          <p:cxnSp>
-            <p:nvCxnSpPr>
-              <p:cNvPr id="221" name="Straight Arrow Connector 220">
-                <a:extLst>
-                  <a:ext uri="{FF2B5EF4-FFF2-40B4-BE49-F238E27FC236}">
-                    <a16:creationId xmlns:a16="http://schemas.microsoft.com/office/drawing/2014/main" id="{6E0B88C0-147D-1A48-89D1-817317707AF1}"/>
-                  </a:ext>
-                </a:extLst>
-              </p:cNvPr>
-              <p:cNvCxnSpPr>
-                <a:cxnSpLocks/>
-                <a:endCxn id="30" idx="3"/>
-              </p:cNvCxnSpPr>
-              <p:nvPr/>
-            </p:nvCxnSpPr>
-            <p:spPr>
-              <a:xfrm flipH="1" flipV="1">
-                <a:off x="4904211" y="3418130"/>
-                <a:ext cx="1242528" cy="3514"/>
-              </a:xfrm>
-              <a:prstGeom prst="straightConnector1">
-                <a:avLst/>
-              </a:prstGeom>
-              <a:ln>
-                <a:tailEnd type="triangle"/>
-              </a:ln>
-            </p:spPr>
-            <p:style>
-              <a:lnRef idx="1">
-                <a:schemeClr val="accent1"/>
-              </a:lnRef>
-              <a:fillRef idx="0">
-                <a:schemeClr val="accent1"/>
-              </a:fillRef>
-              <a:effectRef idx="0">
-                <a:schemeClr val="accent1"/>
-              </a:effectRef>
-              <a:fontRef idx="minor">
-                <a:schemeClr val="tx1"/>
-              </a:fontRef>
-            </p:style>
-          </p:cxnSp>
-        </p:grpSp>
-        <p:cxnSp>
-          <p:nvCxnSpPr>
-            <p:cNvPr id="229" name="Straight Arrow Connector 228">
-              <a:extLst>
-                <a:ext uri="{FF2B5EF4-FFF2-40B4-BE49-F238E27FC236}">
-                  <a16:creationId xmlns:a16="http://schemas.microsoft.com/office/drawing/2014/main" id="{2041C858-1282-1A47-87E6-7EA04135C96C}"/>
-                </a:ext>
-              </a:extLst>
-            </p:cNvPr>
-            <p:cNvCxnSpPr>
-              <a:cxnSpLocks/>
-              <a:stCxn id="31" idx="3"/>
-              <a:endCxn id="32" idx="1"/>
-            </p:cNvCxnSpPr>
-            <p:nvPr/>
-          </p:nvCxnSpPr>
-          <p:spPr>
-            <a:xfrm>
-              <a:off x="4862802" y="7294452"/>
-              <a:ext cx="3360577" cy="0"/>
-            </a:xfrm>
-            <a:prstGeom prst="straightConnector1">
-              <a:avLst/>
-            </a:prstGeom>
-            <a:ln>
-              <a:tailEnd type="triangle"/>
-            </a:ln>
-          </p:spPr>
-          <p:style>
-            <a:lnRef idx="1">
-              <a:schemeClr val="accent1"/>
-            </a:lnRef>
-            <a:fillRef idx="0">
-              <a:schemeClr val="accent1"/>
-            </a:fillRef>
-            <a:effectRef idx="0">
-              <a:schemeClr val="accent1"/>
-            </a:effectRef>
-            <a:fontRef idx="minor">
-              <a:schemeClr val="tx1"/>
-            </a:fontRef>
-          </p:style>
-        </p:cxnSp>
-        <p:cxnSp>
-          <p:nvCxnSpPr>
-            <p:cNvPr id="232" name="Straight Arrow Connector 231">
-              <a:extLst>
-                <a:ext uri="{FF2B5EF4-FFF2-40B4-BE49-F238E27FC236}">
-                  <a16:creationId xmlns:a16="http://schemas.microsoft.com/office/drawing/2014/main" id="{35C9966D-6547-0843-81CF-68F48E996B6C}"/>
-                </a:ext>
-              </a:extLst>
-            </p:cNvPr>
-            <p:cNvCxnSpPr>
-              <a:cxnSpLocks/>
-              <a:stCxn id="25" idx="3"/>
-              <a:endCxn id="26" idx="1"/>
-            </p:cNvCxnSpPr>
-            <p:nvPr/>
-          </p:nvCxnSpPr>
-          <p:spPr>
-            <a:xfrm flipV="1">
-              <a:off x="3472543" y="3907967"/>
-              <a:ext cx="335900" cy="1"/>
-            </a:xfrm>
-            <a:prstGeom prst="straightConnector1">
-              <a:avLst/>
-            </a:prstGeom>
-            <a:ln>
-              <a:tailEnd type="triangle"/>
-            </a:ln>
-          </p:spPr>
-          <p:style>
-            <a:lnRef idx="1">
-              <a:schemeClr val="accent1"/>
-            </a:lnRef>
-            <a:fillRef idx="0">
-              <a:schemeClr val="accent1"/>
-            </a:fillRef>
-            <a:effectRef idx="0">
-              <a:schemeClr val="accent1"/>
-            </a:effectRef>
-            <a:fontRef idx="minor">
-              <a:schemeClr val="tx1"/>
-            </a:fontRef>
-          </p:style>
-        </p:cxnSp>
-        <p:cxnSp>
-          <p:nvCxnSpPr>
-            <p:cNvPr id="235" name="Straight Arrow Connector 234">
-              <a:extLst>
-                <a:ext uri="{FF2B5EF4-FFF2-40B4-BE49-F238E27FC236}">
-                  <a16:creationId xmlns:a16="http://schemas.microsoft.com/office/drawing/2014/main" id="{D8F6186D-1C7C-524D-BC0F-AB933D81848D}"/>
-                </a:ext>
-              </a:extLst>
-            </p:cNvPr>
-            <p:cNvCxnSpPr>
-              <a:cxnSpLocks/>
-              <a:stCxn id="26" idx="3"/>
-              <a:endCxn id="27" idx="1"/>
-            </p:cNvCxnSpPr>
-            <p:nvPr/>
-          </p:nvCxnSpPr>
-          <p:spPr>
-            <a:xfrm flipV="1">
-              <a:off x="5124060" y="3906758"/>
-              <a:ext cx="335900" cy="1209"/>
-            </a:xfrm>
-            <a:prstGeom prst="straightConnector1">
-              <a:avLst/>
-            </a:prstGeom>
-            <a:ln>
-              <a:tailEnd type="triangle"/>
-            </a:ln>
-          </p:spPr>
-          <p:style>
-            <a:lnRef idx="1">
-              <a:schemeClr val="accent1"/>
-            </a:lnRef>
-            <a:fillRef idx="0">
-              <a:schemeClr val="accent1"/>
-            </a:fillRef>
-            <a:effectRef idx="0">
-              <a:schemeClr val="accent1"/>
-            </a:effectRef>
-            <a:fontRef idx="minor">
-              <a:schemeClr val="tx1"/>
-            </a:fontRef>
-          </p:style>
-        </p:cxnSp>
-        <p:cxnSp>
-          <p:nvCxnSpPr>
-            <p:cNvPr id="238" name="Straight Arrow Connector 237">
-              <a:extLst>
-                <a:ext uri="{FF2B5EF4-FFF2-40B4-BE49-F238E27FC236}">
-                  <a16:creationId xmlns:a16="http://schemas.microsoft.com/office/drawing/2014/main" id="{CF8ACC89-2C46-F04B-81AE-5BB2B1B8958F}"/>
-                </a:ext>
-              </a:extLst>
-            </p:cNvPr>
-            <p:cNvCxnSpPr>
-              <a:cxnSpLocks/>
-              <a:stCxn id="32" idx="3"/>
-            </p:cNvCxnSpPr>
-            <p:nvPr/>
-          </p:nvCxnSpPr>
-          <p:spPr>
-            <a:xfrm>
-              <a:off x="8904514" y="7294452"/>
-              <a:ext cx="874753" cy="0"/>
-            </a:xfrm>
-            <a:prstGeom prst="straightConnector1">
-              <a:avLst/>
-            </a:prstGeom>
-            <a:ln>
-              <a:prstDash val="dash"/>
-              <a:tailEnd type="triangle"/>
-            </a:ln>
-          </p:spPr>
-          <p:style>
-            <a:lnRef idx="1">
-              <a:schemeClr val="accent1"/>
-            </a:lnRef>
-            <a:fillRef idx="0">
-              <a:schemeClr val="accent1"/>
-            </a:fillRef>
-            <a:effectRef idx="0">
-              <a:schemeClr val="accent1"/>
-            </a:effectRef>
-            <a:fontRef idx="minor">
-              <a:schemeClr val="tx1"/>
-            </a:fontRef>
-          </p:style>
-        </p:cxnSp>
-        <p:sp>
-          <p:nvSpPr>
-            <p:cNvPr id="241" name="TextBox 240">
-              <a:extLst>
-                <a:ext uri="{FF2B5EF4-FFF2-40B4-BE49-F238E27FC236}">
-                  <a16:creationId xmlns:a16="http://schemas.microsoft.com/office/drawing/2014/main" id="{C4B8A645-4EE8-6B47-AD2E-439C4E68C96D}"/>
-                </a:ext>
-              </a:extLst>
-            </p:cNvPr>
-            <p:cNvSpPr txBox="1"/>
-            <p:nvPr/>
-          </p:nvSpPr>
-          <p:spPr>
-            <a:xfrm>
-              <a:off x="8701916" y="7032842"/>
-              <a:ext cx="1266751" cy="261610"/>
-            </a:xfrm>
-            <a:prstGeom prst="rect">
-              <a:avLst/>
-            </a:prstGeom>
-            <a:noFill/>
-          </p:spPr>
-          <p:txBody>
-            <a:bodyPr wrap="square" rtlCol="0">
-              <a:spAutoFit/>
-            </a:bodyPr>
-            <a:lstStyle/>
-            <a:p>
-              <a:pPr algn="ctr"/>
-              <a:r>
-                <a:rPr lang="en-US" sz="1100" dirty="0"/>
-                <a:t>To 2</a:t>
-              </a:r>
-              <a:r>
-                <a:rPr lang="en-US" sz="1100" baseline="30000" dirty="0"/>
-                <a:t>nd</a:t>
-              </a:r>
-              <a:r>
-                <a:rPr lang="en-US" sz="1100" dirty="0"/>
-                <a:t> Stage</a:t>
-              </a:r>
-            </a:p>
-          </p:txBody>
-        </p:sp>
-      </p:grpSp>
+                </a:solidFill>
+              </a:rPr>
+              <a:t>Requirement impacted</a:t>
+            </a:r>
+            <a:r>
+              <a:rPr lang="en-US" sz="1100" dirty="0"/>
+              <a:t>?</a:t>
+            </a:r>
+          </a:p>
+        </p:txBody>
+      </p:sp>
+      <p:cxnSp>
+        <p:nvCxnSpPr>
+          <p:cNvPr id="106" name="Straight Arrow Connector 105">
+            <a:extLst>
+              <a:ext uri="{FF2B5EF4-FFF2-40B4-BE49-F238E27FC236}">
+                <a16:creationId xmlns:a16="http://schemas.microsoft.com/office/drawing/2014/main" id="{AE1F339B-ADBA-9347-8752-EFA4E73C75F3}"/>
+              </a:ext>
+            </a:extLst>
+          </p:cNvPr>
+          <p:cNvCxnSpPr>
+            <a:cxnSpLocks/>
+          </p:cNvCxnSpPr>
+          <p:nvPr/>
+        </p:nvCxnSpPr>
+        <p:spPr>
+          <a:xfrm flipH="1">
+            <a:off x="6095999" y="1211097"/>
+            <a:ext cx="1" cy="223158"/>
+          </a:xfrm>
+          <a:prstGeom prst="straightConnector1">
+            <a:avLst/>
+          </a:prstGeom>
+          <a:ln>
+            <a:tailEnd type="triangle"/>
+          </a:ln>
+        </p:spPr>
+        <p:style>
+          <a:lnRef idx="1">
+            <a:schemeClr val="accent1"/>
+          </a:lnRef>
+          <a:fillRef idx="0">
+            <a:schemeClr val="accent1"/>
+          </a:fillRef>
+          <a:effectRef idx="0">
+            <a:schemeClr val="accent1"/>
+          </a:effectRef>
+          <a:fontRef idx="minor">
+            <a:schemeClr val="tx1"/>
+          </a:fontRef>
+        </p:style>
+      </p:cxnSp>
+      <p:cxnSp>
+        <p:nvCxnSpPr>
+          <p:cNvPr id="107" name="Straight Arrow Connector 106">
+            <a:extLst>
+              <a:ext uri="{FF2B5EF4-FFF2-40B4-BE49-F238E27FC236}">
+                <a16:creationId xmlns:a16="http://schemas.microsoft.com/office/drawing/2014/main" id="{99C1DC6A-2062-E648-BDB5-3E73D9837CF6}"/>
+              </a:ext>
+            </a:extLst>
+          </p:cNvPr>
+          <p:cNvCxnSpPr>
+            <a:cxnSpLocks/>
+            <a:stCxn id="104" idx="1"/>
+            <a:endCxn id="115" idx="0"/>
+          </p:cNvCxnSpPr>
+          <p:nvPr/>
+        </p:nvCxnSpPr>
+        <p:spPr>
+          <a:xfrm flipH="1">
+            <a:off x="4906665" y="1706796"/>
+            <a:ext cx="256785" cy="3507"/>
+          </a:xfrm>
+          <a:prstGeom prst="straightConnector1">
+            <a:avLst/>
+          </a:prstGeom>
+          <a:ln>
+            <a:tailEnd type="triangle"/>
+          </a:ln>
+        </p:spPr>
+        <p:style>
+          <a:lnRef idx="1">
+            <a:schemeClr val="accent1"/>
+          </a:lnRef>
+          <a:fillRef idx="0">
+            <a:schemeClr val="accent1"/>
+          </a:fillRef>
+          <a:effectRef idx="0">
+            <a:schemeClr val="accent1"/>
+          </a:effectRef>
+          <a:fontRef idx="minor">
+            <a:schemeClr val="tx1"/>
+          </a:fontRef>
+        </p:style>
+      </p:cxnSp>
+      <p:sp>
+        <p:nvSpPr>
+          <p:cNvPr id="109" name="TextBox 108">
+            <a:extLst>
+              <a:ext uri="{FF2B5EF4-FFF2-40B4-BE49-F238E27FC236}">
+                <a16:creationId xmlns:a16="http://schemas.microsoft.com/office/drawing/2014/main" id="{FA7D4018-10CB-6543-92F0-055EA5F9B096}"/>
+              </a:ext>
+            </a:extLst>
+          </p:cNvPr>
+          <p:cNvSpPr txBox="1"/>
+          <p:nvPr/>
+        </p:nvSpPr>
+        <p:spPr>
+          <a:xfrm>
+            <a:off x="4741895" y="1469593"/>
+            <a:ext cx="643809" cy="261610"/>
+          </a:xfrm>
+          <a:prstGeom prst="rect">
+            <a:avLst/>
+          </a:prstGeom>
+          <a:noFill/>
+        </p:spPr>
+        <p:txBody>
+          <a:bodyPr wrap="square" rtlCol="0">
+            <a:spAutoFit/>
+          </a:bodyPr>
+          <a:lstStyle/>
+          <a:p>
+            <a:pPr algn="ctr"/>
+            <a:r>
+              <a:rPr lang="en-US" sz="1100" dirty="0"/>
+              <a:t>Yes</a:t>
+            </a:r>
+          </a:p>
+        </p:txBody>
+      </p:sp>
+      <p:sp>
+        <p:nvSpPr>
+          <p:cNvPr id="115" name="Snip Single Corner Rectangle 114">
+            <a:extLst>
+              <a:ext uri="{FF2B5EF4-FFF2-40B4-BE49-F238E27FC236}">
+                <a16:creationId xmlns:a16="http://schemas.microsoft.com/office/drawing/2014/main" id="{04B7DFEF-5EAA-3046-8A68-DF571B979BE3}"/>
+              </a:ext>
+            </a:extLst>
+          </p:cNvPr>
+          <p:cNvSpPr/>
+          <p:nvPr/>
+        </p:nvSpPr>
+        <p:spPr>
+          <a:xfrm>
+            <a:off x="3591048" y="1373623"/>
+            <a:ext cx="1315617" cy="673359"/>
+          </a:xfrm>
+          <a:prstGeom prst="snip1Rect">
+            <a:avLst/>
+          </a:prstGeom>
+        </p:spPr>
+        <p:style>
+          <a:lnRef idx="2">
+            <a:schemeClr val="accent5">
+              <a:shade val="50000"/>
+            </a:schemeClr>
+          </a:lnRef>
+          <a:fillRef idx="1">
+            <a:schemeClr val="accent5"/>
+          </a:fillRef>
+          <a:effectRef idx="0">
+            <a:schemeClr val="accent5"/>
+          </a:effectRef>
+          <a:fontRef idx="minor">
+            <a:schemeClr val="lt1"/>
+          </a:fontRef>
+        </p:style>
+        <p:txBody>
+          <a:bodyPr rtlCol="0" anchor="ctr"/>
+          <a:lstStyle/>
+          <a:p>
+            <a:pPr algn="ctr"/>
+            <a:r>
+              <a:rPr lang="en-US" sz="1100" dirty="0"/>
+              <a:t>CCB design meeting</a:t>
+            </a:r>
+          </a:p>
+        </p:txBody>
+      </p:sp>
+      <p:cxnSp>
+        <p:nvCxnSpPr>
+          <p:cNvPr id="116" name="Straight Connector 115">
+            <a:extLst>
+              <a:ext uri="{FF2B5EF4-FFF2-40B4-BE49-F238E27FC236}">
+                <a16:creationId xmlns:a16="http://schemas.microsoft.com/office/drawing/2014/main" id="{6FCFA6A8-DA37-4346-BC56-226E63FBD0A7}"/>
+              </a:ext>
+            </a:extLst>
+          </p:cNvPr>
+          <p:cNvCxnSpPr>
+            <a:cxnSpLocks/>
+            <a:stCxn id="115" idx="2"/>
+          </p:cNvCxnSpPr>
+          <p:nvPr/>
+        </p:nvCxnSpPr>
+        <p:spPr>
+          <a:xfrm flipH="1" flipV="1">
+            <a:off x="1663953" y="1708549"/>
+            <a:ext cx="1927095" cy="1754"/>
+          </a:xfrm>
+          <a:prstGeom prst="line">
+            <a:avLst/>
+          </a:prstGeom>
+        </p:spPr>
+        <p:style>
+          <a:lnRef idx="1">
+            <a:schemeClr val="accent1"/>
+          </a:lnRef>
+          <a:fillRef idx="0">
+            <a:schemeClr val="accent1"/>
+          </a:fillRef>
+          <a:effectRef idx="0">
+            <a:schemeClr val="accent1"/>
+          </a:effectRef>
+          <a:fontRef idx="minor">
+            <a:schemeClr val="tx1"/>
+          </a:fontRef>
+        </p:style>
+      </p:cxnSp>
+      <p:sp>
+        <p:nvSpPr>
+          <p:cNvPr id="117" name="TextBox 116">
+            <a:extLst>
+              <a:ext uri="{FF2B5EF4-FFF2-40B4-BE49-F238E27FC236}">
+                <a16:creationId xmlns:a16="http://schemas.microsoft.com/office/drawing/2014/main" id="{FA2BB450-6463-0B41-874E-A5A3CE26C98B}"/>
+              </a:ext>
+            </a:extLst>
+          </p:cNvPr>
+          <p:cNvSpPr txBox="1"/>
+          <p:nvPr/>
+        </p:nvSpPr>
+        <p:spPr>
+          <a:xfrm>
+            <a:off x="6031895" y="1950551"/>
+            <a:ext cx="391880" cy="261610"/>
+          </a:xfrm>
+          <a:prstGeom prst="rect">
+            <a:avLst/>
+          </a:prstGeom>
+          <a:noFill/>
+        </p:spPr>
+        <p:txBody>
+          <a:bodyPr wrap="square" rtlCol="0">
+            <a:spAutoFit/>
+          </a:bodyPr>
+          <a:lstStyle/>
+          <a:p>
+            <a:pPr algn="ctr"/>
+            <a:r>
+              <a:rPr lang="en-US" sz="1100" dirty="0"/>
+              <a:t>No</a:t>
+            </a:r>
+          </a:p>
+        </p:txBody>
+      </p:sp>
     </p:spTree>
     <p:extLst>
       <p:ext uri="{BB962C8B-B14F-4D97-AF65-F5344CB8AC3E}">
